--- a/Presentation.pptx
+++ b/Presentation.pptx
@@ -6,7 +6,7 @@
     <p:sldMasterId id="2147483668" r:id="rId2"/>
   </p:sldMasterIdLst>
   <p:notesMasterIdLst>
-    <p:notesMasterId r:id="rId9"/>
+    <p:notesMasterId r:id="rId10"/>
   </p:notesMasterIdLst>
   <p:sldIdLst>
     <p:sldId id="349" r:id="rId3"/>
@@ -14,7 +14,8 @@
     <p:sldId id="345" r:id="rId5"/>
     <p:sldId id="377" r:id="rId6"/>
     <p:sldId id="360" r:id="rId7"/>
-    <p:sldId id="347" r:id="rId8"/>
+    <p:sldId id="261" r:id="rId8"/>
+    <p:sldId id="347" r:id="rId9"/>
   </p:sldIdLst>
   <p:sldSz cx="12192000" cy="6858000"/>
   <p:notesSz cx="6858000" cy="9144000"/>
@@ -203,7 +204,7 @@
           <a:p>
             <a:fld id="{7BF5E78B-FE7C-474B-AC91-ABC1B62969E2}" type="datetimeFigureOut">
               <a:rPr lang="en-US" smtClean="0"/>
-              <a:t>6/19/2023</a:t>
+              <a:t>6/20/2023</a:t>
             </a:fld>
             <a:endParaRPr lang="en-US"/>
           </a:p>
@@ -1468,6 +1469,1332 @@
 </file>
 
 <file path=ppt/notesSlides/notesSlide6.xml><?xml version="1.0" encoding="utf-8"?>
+<p:notes xmlns:a="http://schemas.openxmlformats.org/drawingml/2006/main" xmlns:r="http://schemas.openxmlformats.org/officeDocument/2006/relationships" xmlns:p="http://schemas.openxmlformats.org/presentationml/2006/main" showMasterSp="0" showMasterPhAnim="0">
+  <p:cSld>
+    <p:spTree>
+      <p:nvGrpSpPr>
+        <p:cNvPr id="1" name="Shape 325"/>
+        <p:cNvGrpSpPr/>
+        <p:nvPr/>
+      </p:nvGrpSpPr>
+      <p:grpSpPr>
+        <a:xfrm>
+          <a:off x="0" y="0"/>
+          <a:ext cx="0" cy="0"/>
+          <a:chOff x="0" y="0"/>
+          <a:chExt cx="0" cy="0"/>
+        </a:xfrm>
+      </p:grpSpPr>
+      <p:sp>
+        <p:nvSpPr>
+          <p:cNvPr id="326" name="Google Shape;326;g253b21ef07d_0_0:notes"/>
+          <p:cNvSpPr>
+            <a:spLocks noGrp="1" noRot="1" noChangeAspect="1"/>
+          </p:cNvSpPr>
+          <p:nvPr>
+            <p:ph type="sldImg" idx="2"/>
+          </p:nvPr>
+        </p:nvSpPr>
+        <p:spPr>
+          <a:xfrm>
+            <a:off x="685800" y="1143000"/>
+            <a:ext cx="5486400" cy="3086100"/>
+          </a:xfrm>
+          <a:custGeom>
+            <a:avLst/>
+            <a:gdLst/>
+            <a:ahLst/>
+            <a:cxnLst/>
+            <a:rect l="l" t="t" r="r" b="b"/>
+            <a:pathLst>
+              <a:path w="120000" h="120000" extrusionOk="0">
+                <a:moveTo>
+                  <a:pt x="0" y="0"/>
+                </a:moveTo>
+                <a:lnTo>
+                  <a:pt x="120000" y="0"/>
+                </a:lnTo>
+                <a:lnTo>
+                  <a:pt x="120000" y="120000"/>
+                </a:lnTo>
+                <a:lnTo>
+                  <a:pt x="0" y="120000"/>
+                </a:lnTo>
+                <a:close/>
+              </a:path>
+            </a:pathLst>
+          </a:custGeom>
+          <a:noFill/>
+          <a:ln w="12700" cap="flat" cmpd="sng">
+            <a:solidFill>
+              <a:srgbClr val="000000"/>
+            </a:solidFill>
+            <a:prstDash val="solid"/>
+            <a:round/>
+            <a:headEnd type="none" w="sm" len="sm"/>
+            <a:tailEnd type="none" w="sm" len="sm"/>
+          </a:ln>
+        </p:spPr>
+      </p:sp>
+      <p:sp>
+        <p:nvSpPr>
+          <p:cNvPr id="327" name="Google Shape;327;g253b21ef07d_0_0:notes"/>
+          <p:cNvSpPr txBox="1">
+            <a:spLocks noGrp="1"/>
+          </p:cNvSpPr>
+          <p:nvPr>
+            <p:ph type="body" idx="1"/>
+          </p:nvPr>
+        </p:nvSpPr>
+        <p:spPr>
+          <a:xfrm>
+            <a:off x="685800" y="4400550"/>
+            <a:ext cx="5486400" cy="3600600"/>
+          </a:xfrm>
+          <a:prstGeom prst="rect">
+            <a:avLst/>
+          </a:prstGeom>
+          <a:noFill/>
+          <a:ln>
+            <a:noFill/>
+          </a:ln>
+        </p:spPr>
+        <p:txBody>
+          <a:bodyPr spcFirstLastPara="1" wrap="square" lIns="91425" tIns="45700" rIns="91425" bIns="45700" anchor="t" anchorCtr="0">
+            <a:noAutofit/>
+          </a:bodyPr>
+          <a:lstStyle/>
+          <a:p>
+            <a:pPr marL="0" lvl="0" indent="0" algn="l" rtl="0">
+              <a:spcBef>
+                <a:spcPts val="0"/>
+              </a:spcBef>
+              <a:spcAft>
+                <a:spcPts val="0"/>
+              </a:spcAft>
+              <a:buNone/>
+            </a:pPr>
+            <a:endParaRPr dirty="0"/>
+          </a:p>
+          <a:p>
+            <a:pPr marL="0" lvl="0" indent="0" algn="l" rtl="0">
+              <a:spcBef>
+                <a:spcPts val="0"/>
+              </a:spcBef>
+              <a:spcAft>
+                <a:spcPts val="0"/>
+              </a:spcAft>
+              <a:buSzPts val="1100"/>
+              <a:buNone/>
+            </a:pPr>
+            <a:endParaRPr dirty="0"/>
+          </a:p>
+          <a:p>
+            <a:pPr marL="0" lvl="0" indent="0" algn="l" rtl="0">
+              <a:spcBef>
+                <a:spcPts val="0"/>
+              </a:spcBef>
+              <a:spcAft>
+                <a:spcPts val="0"/>
+              </a:spcAft>
+              <a:buSzPts val="1100"/>
+              <a:buNone/>
+            </a:pPr>
+            <a:endParaRPr dirty="0"/>
+          </a:p>
+          <a:p>
+            <a:pPr marL="0" lvl="0" indent="0" algn="l" rtl="0">
+              <a:spcBef>
+                <a:spcPts val="0"/>
+              </a:spcBef>
+              <a:spcAft>
+                <a:spcPts val="0"/>
+              </a:spcAft>
+              <a:buSzPts val="1100"/>
+              <a:buNone/>
+            </a:pPr>
+            <a:r>
+              <a:rPr lang="en-US" dirty="0"/>
+              <a:t>after data pre processing : handling missing values ( replacing the characters with </a:t>
+            </a:r>
+            <a:r>
+              <a:rPr lang="en-US" dirty="0" err="1"/>
+              <a:t>NaN</a:t>
+            </a:r>
+            <a:r>
+              <a:rPr lang="en-US" dirty="0"/>
+              <a:t> ), encoding categorical variables ( apply label encoding to each categorical column )  and splitting into features and  target variables ( test size : 0.3 ), scaling the numerical features,</a:t>
+            </a:r>
+            <a:r>
+              <a:rPr lang="en-US" b="0" i="1" dirty="0">
+                <a:solidFill>
+                  <a:srgbClr val="408080"/>
+                </a:solidFill>
+                <a:effectLst/>
+                <a:latin typeface="Courier New" panose="02070309020205020404" pitchFamily="49" charset="0"/>
+              </a:rPr>
+              <a:t> Fit and transform the categorical features using one-hot,</a:t>
+            </a:r>
+          </a:p>
+          <a:p>
+            <a:pPr marL="0" lvl="0" indent="0" algn="l" rtl="0">
+              <a:spcBef>
+                <a:spcPts val="0"/>
+              </a:spcBef>
+              <a:spcAft>
+                <a:spcPts val="0"/>
+              </a:spcAft>
+              <a:buSzPts val="1100"/>
+              <a:buNone/>
+            </a:pPr>
+            <a:r>
+              <a:rPr lang="en-US" b="0" i="1" dirty="0">
+                <a:solidFill>
+                  <a:srgbClr val="408080"/>
+                </a:solidFill>
+                <a:effectLst/>
+                <a:latin typeface="Courier New" panose="02070309020205020404" pitchFamily="49" charset="0"/>
+              </a:rPr>
+              <a:t> apply only label encoding to target variable, Standardization to numerical variables, </a:t>
+            </a:r>
+          </a:p>
+          <a:p>
+            <a:pPr marL="0" lvl="0" indent="0" algn="l" rtl="0">
+              <a:spcBef>
+                <a:spcPts val="0"/>
+              </a:spcBef>
+              <a:spcAft>
+                <a:spcPts val="0"/>
+              </a:spcAft>
+              <a:buSzPts val="1100"/>
+              <a:buNone/>
+            </a:pPr>
+            <a:endParaRPr lang="en-US" b="0" i="1" dirty="0">
+              <a:solidFill>
+                <a:srgbClr val="408080"/>
+              </a:solidFill>
+              <a:effectLst/>
+              <a:latin typeface="Courier New" panose="02070309020205020404" pitchFamily="49" charset="0"/>
+            </a:endParaRPr>
+          </a:p>
+          <a:p>
+            <a:pPr marL="0" lvl="0" indent="0" algn="l" rtl="0">
+              <a:spcBef>
+                <a:spcPts val="0"/>
+              </a:spcBef>
+              <a:spcAft>
+                <a:spcPts val="0"/>
+              </a:spcAft>
+              <a:buSzPts val="1100"/>
+              <a:buNone/>
+            </a:pPr>
+            <a:r>
+              <a:rPr lang="en-US" b="0" i="1" dirty="0">
+                <a:solidFill>
+                  <a:srgbClr val="408080"/>
+                </a:solidFill>
+                <a:effectLst/>
+                <a:latin typeface="Courier New" panose="02070309020205020404" pitchFamily="49" charset="0"/>
+              </a:rPr>
+              <a:t>Model : classification </a:t>
+            </a:r>
+            <a:r>
+              <a:rPr lang="en-US" b="0" i="1" dirty="0" err="1">
+                <a:solidFill>
+                  <a:srgbClr val="408080"/>
+                </a:solidFill>
+                <a:effectLst/>
+                <a:latin typeface="Courier New" panose="02070309020205020404" pitchFamily="49" charset="0"/>
+              </a:rPr>
+              <a:t>adultCensus</a:t>
+            </a:r>
+            <a:r>
+              <a:rPr lang="en-US" b="0" i="1" dirty="0">
+                <a:solidFill>
+                  <a:srgbClr val="408080"/>
+                </a:solidFill>
+                <a:effectLst/>
+                <a:latin typeface="Courier New" panose="02070309020205020404" pitchFamily="49" charset="0"/>
+              </a:rPr>
+              <a:t> : 4 layers, 34 in layer1 – 128 in layer 3 – 1 out 4</a:t>
+            </a:r>
+            <a:r>
+              <a:rPr lang="en-US" b="0" i="1" baseline="30000" dirty="0">
+                <a:solidFill>
+                  <a:srgbClr val="408080"/>
+                </a:solidFill>
+                <a:effectLst/>
+                <a:latin typeface="Courier New" panose="02070309020205020404" pitchFamily="49" charset="0"/>
+              </a:rPr>
+              <a:t>th</a:t>
+            </a:r>
+            <a:r>
+              <a:rPr lang="en-US" b="0" i="1" dirty="0">
+                <a:solidFill>
+                  <a:srgbClr val="408080"/>
+                </a:solidFill>
+                <a:effectLst/>
+                <a:latin typeface="Courier New" panose="02070309020205020404" pitchFamily="49" charset="0"/>
+              </a:rPr>
+              <a:t> </a:t>
+            </a:r>
+          </a:p>
+          <a:p>
+            <a:pPr marL="0" lvl="0" indent="0" algn="l" rtl="0">
+              <a:spcBef>
+                <a:spcPts val="0"/>
+              </a:spcBef>
+              <a:spcAft>
+                <a:spcPts val="0"/>
+              </a:spcAft>
+              <a:buSzPts val="1100"/>
+              <a:buNone/>
+            </a:pPr>
+            <a:r>
+              <a:rPr lang="en-US" b="0" i="1" dirty="0" err="1">
+                <a:solidFill>
+                  <a:srgbClr val="408080"/>
+                </a:solidFill>
+                <a:effectLst/>
+                <a:latin typeface="Courier New" panose="02070309020205020404" pitchFamily="49" charset="0"/>
+              </a:rPr>
+              <a:t>Relu</a:t>
+            </a:r>
+            <a:r>
+              <a:rPr lang="en-US" b="0" i="1" dirty="0">
+                <a:solidFill>
+                  <a:srgbClr val="408080"/>
+                </a:solidFill>
+                <a:effectLst/>
+                <a:latin typeface="Courier New" panose="02070309020205020404" pitchFamily="49" charset="0"/>
+              </a:rPr>
+              <a:t> </a:t>
+            </a:r>
+          </a:p>
+          <a:p>
+            <a:pPr marL="0" lvl="0" indent="0" algn="l" rtl="0">
+              <a:spcBef>
+                <a:spcPts val="0"/>
+              </a:spcBef>
+              <a:spcAft>
+                <a:spcPts val="0"/>
+              </a:spcAft>
+              <a:buSzPts val="1100"/>
+              <a:buNone/>
+            </a:pPr>
+            <a:r>
+              <a:rPr lang="en-US" b="0" i="1" dirty="0">
+                <a:solidFill>
+                  <a:srgbClr val="408080"/>
+                </a:solidFill>
+                <a:effectLst/>
+                <a:latin typeface="Courier New" panose="02070309020205020404" pitchFamily="49" charset="0"/>
+              </a:rPr>
+              <a:t>Dropout </a:t>
+            </a:r>
+          </a:p>
+          <a:p>
+            <a:pPr marL="0" lvl="0" indent="0" algn="l" rtl="0">
+              <a:spcBef>
+                <a:spcPts val="0"/>
+              </a:spcBef>
+              <a:spcAft>
+                <a:spcPts val="0"/>
+              </a:spcAft>
+              <a:buSzPts val="1100"/>
+              <a:buNone/>
+            </a:pPr>
+            <a:endParaRPr lang="en-US" b="0" i="1" dirty="0">
+              <a:solidFill>
+                <a:srgbClr val="408080"/>
+              </a:solidFill>
+              <a:effectLst/>
+              <a:latin typeface="Courier New" panose="02070309020205020404" pitchFamily="49" charset="0"/>
+            </a:endParaRPr>
+          </a:p>
+          <a:p>
+            <a:pPr marL="0" lvl="0" indent="0" algn="l" rtl="0">
+              <a:spcBef>
+                <a:spcPts val="0"/>
+              </a:spcBef>
+              <a:spcAft>
+                <a:spcPts val="0"/>
+              </a:spcAft>
+              <a:buSzPts val="1100"/>
+              <a:buNone/>
+            </a:pPr>
+            <a:endParaRPr lang="en-US" b="0" i="1" dirty="0">
+              <a:solidFill>
+                <a:srgbClr val="408080"/>
+              </a:solidFill>
+              <a:effectLst/>
+              <a:latin typeface="Courier New" panose="02070309020205020404" pitchFamily="49" charset="0"/>
+            </a:endParaRPr>
+          </a:p>
+          <a:p>
+            <a:pPr marL="0" lvl="0" indent="0" algn="l" rtl="0">
+              <a:spcBef>
+                <a:spcPts val="0"/>
+              </a:spcBef>
+              <a:spcAft>
+                <a:spcPts val="0"/>
+              </a:spcAft>
+              <a:buSzPts val="1100"/>
+              <a:buNone/>
+            </a:pPr>
+            <a:r>
+              <a:rPr lang="en-US" b="0" i="1" dirty="0">
+                <a:solidFill>
+                  <a:srgbClr val="408080"/>
+                </a:solidFill>
+                <a:effectLst/>
+                <a:latin typeface="Courier New" panose="02070309020205020404" pitchFamily="49" charset="0"/>
+              </a:rPr>
+              <a:t>Optimizer : SGD ; </a:t>
+            </a:r>
+            <a:r>
+              <a:rPr lang="en-US" b="0" i="1" dirty="0" err="1">
+                <a:solidFill>
+                  <a:srgbClr val="408080"/>
+                </a:solidFill>
+                <a:effectLst/>
+                <a:latin typeface="Courier New" panose="02070309020205020404" pitchFamily="49" charset="0"/>
+              </a:rPr>
+              <a:t>lr</a:t>
+            </a:r>
+            <a:r>
+              <a:rPr lang="en-US" b="0" i="1" dirty="0">
+                <a:solidFill>
+                  <a:srgbClr val="408080"/>
+                </a:solidFill>
+                <a:effectLst/>
+                <a:latin typeface="Courier New" panose="02070309020205020404" pitchFamily="49" charset="0"/>
+              </a:rPr>
+              <a:t>: 0.01 ( trial </a:t>
+            </a:r>
+            <a:r>
+              <a:rPr lang="en-US" b="0" i="1" dirty="0" err="1">
+                <a:solidFill>
+                  <a:srgbClr val="408080"/>
+                </a:solidFill>
+                <a:effectLst/>
+                <a:latin typeface="Courier New" panose="02070309020205020404" pitchFamily="49" charset="0"/>
+              </a:rPr>
+              <a:t>amd</a:t>
+            </a:r>
+            <a:r>
+              <a:rPr lang="en-US" b="0" i="1" dirty="0">
+                <a:solidFill>
+                  <a:srgbClr val="408080"/>
+                </a:solidFill>
+                <a:effectLst/>
+                <a:latin typeface="Courier New" panose="02070309020205020404" pitchFamily="49" charset="0"/>
+              </a:rPr>
+              <a:t> error ) </a:t>
+            </a:r>
+          </a:p>
+          <a:p>
+            <a:pPr marL="0" lvl="0" indent="0" algn="l" rtl="0">
+              <a:spcBef>
+                <a:spcPts val="0"/>
+              </a:spcBef>
+              <a:spcAft>
+                <a:spcPts val="0"/>
+              </a:spcAft>
+              <a:buSzPts val="1100"/>
+              <a:buNone/>
+            </a:pPr>
+            <a:r>
+              <a:rPr lang="en-US" b="0" i="1" dirty="0">
+                <a:solidFill>
+                  <a:srgbClr val="408080"/>
+                </a:solidFill>
+                <a:effectLst/>
+                <a:latin typeface="Courier New" panose="02070309020205020404" pitchFamily="49" charset="0"/>
+              </a:rPr>
+              <a:t>Criterion : </a:t>
+            </a:r>
+            <a:r>
+              <a:rPr lang="en-US" b="0" i="1" dirty="0" err="1">
+                <a:solidFill>
+                  <a:srgbClr val="408080"/>
+                </a:solidFill>
+                <a:effectLst/>
+                <a:latin typeface="Courier New" panose="02070309020205020404" pitchFamily="49" charset="0"/>
+              </a:rPr>
+              <a:t>BCEWithLogitsLoss</a:t>
+            </a:r>
+            <a:endParaRPr lang="en-US" b="0" i="1" dirty="0">
+              <a:solidFill>
+                <a:srgbClr val="408080"/>
+              </a:solidFill>
+              <a:effectLst/>
+              <a:latin typeface="Courier New" panose="02070309020205020404" pitchFamily="49" charset="0"/>
+            </a:endParaRPr>
+          </a:p>
+          <a:p>
+            <a:pPr marL="0" lvl="0" indent="0" algn="l" rtl="0">
+              <a:spcBef>
+                <a:spcPts val="0"/>
+              </a:spcBef>
+              <a:spcAft>
+                <a:spcPts val="0"/>
+              </a:spcAft>
+              <a:buSzPts val="1100"/>
+              <a:buNone/>
+            </a:pPr>
+            <a:r>
+              <a:rPr lang="en-US" b="0" i="1" dirty="0">
+                <a:solidFill>
+                  <a:srgbClr val="408080"/>
+                </a:solidFill>
+                <a:effectLst/>
+                <a:latin typeface="Courier New" panose="02070309020205020404" pitchFamily="49" charset="0"/>
+              </a:rPr>
+              <a:t>Manual seeding </a:t>
+            </a:r>
+          </a:p>
+          <a:p>
+            <a:pPr marL="0" lvl="0" indent="0" algn="l" rtl="0">
+              <a:spcBef>
+                <a:spcPts val="0"/>
+              </a:spcBef>
+              <a:spcAft>
+                <a:spcPts val="0"/>
+              </a:spcAft>
+              <a:buSzPts val="1100"/>
+              <a:buNone/>
+            </a:pPr>
+            <a:r>
+              <a:rPr lang="en-US" b="0" i="1" dirty="0">
+                <a:solidFill>
+                  <a:srgbClr val="408080"/>
+                </a:solidFill>
+                <a:effectLst/>
+                <a:latin typeface="Courier New" panose="02070309020205020404" pitchFamily="49" charset="0"/>
+              </a:rPr>
+              <a:t>#epochs : 10000</a:t>
+            </a:r>
+          </a:p>
+          <a:p>
+            <a:pPr marL="0" lvl="0" indent="0" algn="l" rtl="0">
+              <a:spcBef>
+                <a:spcPts val="0"/>
+              </a:spcBef>
+              <a:spcAft>
+                <a:spcPts val="0"/>
+              </a:spcAft>
+              <a:buSzPts val="1100"/>
+              <a:buNone/>
+            </a:pPr>
+            <a:r>
+              <a:rPr lang="en-US" b="0" i="1" dirty="0">
+                <a:solidFill>
+                  <a:srgbClr val="408080"/>
+                </a:solidFill>
+                <a:effectLst/>
+                <a:latin typeface="Courier New" panose="02070309020205020404" pitchFamily="49" charset="0"/>
+              </a:rPr>
+              <a:t>-------------------------------------------------------------------------------------------------------------------------------------------</a:t>
+            </a:r>
+          </a:p>
+          <a:p>
+            <a:pPr marL="0" lvl="0" indent="0" algn="l" rtl="0">
+              <a:spcBef>
+                <a:spcPts val="0"/>
+              </a:spcBef>
+              <a:spcAft>
+                <a:spcPts val="0"/>
+              </a:spcAft>
+              <a:buSzPts val="1100"/>
+              <a:buNone/>
+            </a:pPr>
+            <a:endParaRPr dirty="0"/>
+          </a:p>
+          <a:p>
+            <a:pPr marL="0" lvl="0" indent="0" algn="l" rtl="0">
+              <a:spcBef>
+                <a:spcPts val="0"/>
+              </a:spcBef>
+              <a:spcAft>
+                <a:spcPts val="0"/>
+              </a:spcAft>
+              <a:buSzPts val="1100"/>
+              <a:buNone/>
+            </a:pPr>
+            <a:r>
+              <a:rPr lang="en-US" sz="1000" i="1" dirty="0">
+                <a:latin typeface="Arial"/>
+                <a:ea typeface="Arial"/>
+                <a:cs typeface="Arial"/>
+                <a:sym typeface="Arial"/>
+              </a:rPr>
+              <a:t> Model Architecture</a:t>
+            </a:r>
+            <a:r>
+              <a:rPr lang="en-US" sz="1000" dirty="0">
+                <a:latin typeface="Arial"/>
+                <a:ea typeface="Arial"/>
+                <a:cs typeface="Arial"/>
+                <a:sym typeface="Arial"/>
+              </a:rPr>
+              <a:t> </a:t>
+            </a:r>
+            <a:endParaRPr sz="1000" i="1" dirty="0">
+              <a:latin typeface="Arial"/>
+              <a:ea typeface="Arial"/>
+              <a:cs typeface="Arial"/>
+              <a:sym typeface="Arial"/>
+            </a:endParaRPr>
+          </a:p>
+          <a:p>
+            <a:pPr marL="457200" lvl="0" indent="-292100" algn="l" rtl="0">
+              <a:spcBef>
+                <a:spcPts val="0"/>
+              </a:spcBef>
+              <a:spcAft>
+                <a:spcPts val="0"/>
+              </a:spcAft>
+              <a:buClr>
+                <a:schemeClr val="dk1"/>
+              </a:buClr>
+              <a:buSzPts val="1000"/>
+              <a:buChar char="-"/>
+            </a:pPr>
+            <a:r>
+              <a:rPr lang="en-US" sz="1000" i="1" dirty="0">
+                <a:latin typeface="Arial"/>
+                <a:ea typeface="Arial"/>
+                <a:cs typeface="Arial"/>
+                <a:sym typeface="Arial"/>
+              </a:rPr>
+              <a:t> The </a:t>
+            </a:r>
+            <a:r>
+              <a:rPr lang="en-US" sz="1000" i="1" dirty="0" err="1">
+                <a:latin typeface="Arial"/>
+                <a:ea typeface="Arial"/>
+                <a:cs typeface="Arial"/>
+                <a:sym typeface="Arial"/>
+              </a:rPr>
+              <a:t>input_shape</a:t>
+            </a:r>
+            <a:r>
+              <a:rPr lang="en-US" sz="1000" i="1" dirty="0">
+                <a:latin typeface="Arial"/>
+                <a:ea typeface="Arial"/>
+                <a:cs typeface="Arial"/>
+                <a:sym typeface="Arial"/>
+              </a:rPr>
+              <a:t> is set to (</a:t>
+            </a:r>
+            <a:r>
+              <a:rPr lang="en-US" sz="1000" i="1" dirty="0" err="1">
+                <a:latin typeface="Arial"/>
+                <a:ea typeface="Arial"/>
+                <a:cs typeface="Arial"/>
+                <a:sym typeface="Arial"/>
+              </a:rPr>
+              <a:t>X_train.shape</a:t>
+            </a:r>
+            <a:r>
+              <a:rPr lang="en-US" sz="1000" i="1" dirty="0">
+                <a:latin typeface="Arial"/>
+                <a:ea typeface="Arial"/>
+                <a:cs typeface="Arial"/>
+                <a:sym typeface="Arial"/>
+              </a:rPr>
+              <a:t>[1],), which corresponds to the number of features.</a:t>
+            </a:r>
+            <a:r>
+              <a:rPr lang="en-US" sz="1000" dirty="0">
+                <a:latin typeface="Arial"/>
+                <a:ea typeface="Arial"/>
+                <a:cs typeface="Arial"/>
+                <a:sym typeface="Arial"/>
+              </a:rPr>
+              <a:t> </a:t>
+            </a:r>
+            <a:endParaRPr sz="1000" i="1" dirty="0">
+              <a:latin typeface="Arial"/>
+              <a:ea typeface="Arial"/>
+              <a:cs typeface="Arial"/>
+              <a:sym typeface="Arial"/>
+            </a:endParaRPr>
+          </a:p>
+          <a:p>
+            <a:pPr marL="457200" lvl="0" indent="-292100" algn="l" rtl="0">
+              <a:spcBef>
+                <a:spcPts val="0"/>
+              </a:spcBef>
+              <a:spcAft>
+                <a:spcPts val="0"/>
+              </a:spcAft>
+              <a:buClr>
+                <a:schemeClr val="dk1"/>
+              </a:buClr>
+              <a:buSzPts val="1000"/>
+              <a:buChar char="-"/>
+            </a:pPr>
+            <a:r>
+              <a:rPr lang="en-US" sz="1000" i="1" dirty="0">
+                <a:latin typeface="Arial"/>
+                <a:ea typeface="Arial"/>
+                <a:cs typeface="Arial"/>
+                <a:sym typeface="Arial"/>
+              </a:rPr>
+              <a:t> The first dense layer has 64 neurons and uses the </a:t>
+            </a:r>
+            <a:r>
+              <a:rPr lang="en-US" sz="1000" i="1" dirty="0" err="1">
+                <a:latin typeface="Arial"/>
+                <a:ea typeface="Arial"/>
+                <a:cs typeface="Arial"/>
+                <a:sym typeface="Arial"/>
+              </a:rPr>
+              <a:t>ReLU</a:t>
+            </a:r>
+            <a:r>
+              <a:rPr lang="en-US" sz="1000" i="1" dirty="0">
+                <a:latin typeface="Arial"/>
+                <a:ea typeface="Arial"/>
+                <a:cs typeface="Arial"/>
+                <a:sym typeface="Arial"/>
+              </a:rPr>
+              <a:t> (Rectified Linear Unit)</a:t>
+            </a:r>
+            <a:r>
+              <a:rPr lang="en-US" sz="1000" dirty="0">
+                <a:latin typeface="Arial"/>
+                <a:ea typeface="Arial"/>
+                <a:cs typeface="Arial"/>
+                <a:sym typeface="Arial"/>
+              </a:rPr>
+              <a:t> </a:t>
+            </a:r>
+            <a:endParaRPr sz="1000" i="1" dirty="0">
+              <a:latin typeface="Arial"/>
+              <a:ea typeface="Arial"/>
+              <a:cs typeface="Arial"/>
+              <a:sym typeface="Arial"/>
+            </a:endParaRPr>
+          </a:p>
+          <a:p>
+            <a:pPr marL="457200" lvl="0" indent="-292100" algn="l" rtl="0">
+              <a:spcBef>
+                <a:spcPts val="0"/>
+              </a:spcBef>
+              <a:spcAft>
+                <a:spcPts val="0"/>
+              </a:spcAft>
+              <a:buClr>
+                <a:schemeClr val="dk1"/>
+              </a:buClr>
+              <a:buSzPts val="1000"/>
+              <a:buChar char="-"/>
+            </a:pPr>
+            <a:r>
+              <a:rPr lang="en-US" sz="1000" i="1" dirty="0">
+                <a:latin typeface="Arial"/>
+                <a:ea typeface="Arial"/>
+                <a:cs typeface="Arial"/>
+                <a:sym typeface="Arial"/>
+              </a:rPr>
+              <a:t> activation function. It introduces non-linearity into the neural network,</a:t>
+            </a:r>
+            <a:r>
+              <a:rPr lang="en-US" sz="1000" dirty="0">
+                <a:latin typeface="Arial"/>
+                <a:ea typeface="Arial"/>
+                <a:cs typeface="Arial"/>
+                <a:sym typeface="Arial"/>
+              </a:rPr>
+              <a:t> </a:t>
+            </a:r>
+            <a:r>
+              <a:rPr lang="en-US" sz="1000" i="1" dirty="0">
+                <a:latin typeface="Arial"/>
+                <a:ea typeface="Arial"/>
+                <a:cs typeface="Arial"/>
+                <a:sym typeface="Arial"/>
+              </a:rPr>
+              <a:t> allowing it to learn complex patterns in the data.</a:t>
+            </a:r>
+            <a:r>
+              <a:rPr lang="en-US" sz="1000" dirty="0">
+                <a:latin typeface="Arial"/>
+                <a:ea typeface="Arial"/>
+                <a:cs typeface="Arial"/>
+                <a:sym typeface="Arial"/>
+              </a:rPr>
+              <a:t> </a:t>
+            </a:r>
+            <a:endParaRPr sz="1000" i="1" dirty="0">
+              <a:latin typeface="Arial"/>
+              <a:ea typeface="Arial"/>
+              <a:cs typeface="Arial"/>
+              <a:sym typeface="Arial"/>
+            </a:endParaRPr>
+          </a:p>
+          <a:p>
+            <a:pPr marL="457200" lvl="0" indent="-292100" algn="l" rtl="0">
+              <a:spcBef>
+                <a:spcPts val="0"/>
+              </a:spcBef>
+              <a:spcAft>
+                <a:spcPts val="0"/>
+              </a:spcAft>
+              <a:buClr>
+                <a:schemeClr val="dk1"/>
+              </a:buClr>
+              <a:buSzPts val="1000"/>
+              <a:buChar char="-"/>
+            </a:pPr>
+            <a:r>
+              <a:rPr lang="en-US" sz="1000" i="1" dirty="0">
+                <a:latin typeface="Arial"/>
+                <a:ea typeface="Arial"/>
+                <a:cs typeface="Arial"/>
+                <a:sym typeface="Arial"/>
+              </a:rPr>
+              <a:t> The sigmoid activation function squashes the output between 0 and 1, making it</a:t>
+            </a:r>
+            <a:r>
+              <a:rPr lang="en-US" sz="1000" dirty="0">
+                <a:latin typeface="Arial"/>
+                <a:ea typeface="Arial"/>
+                <a:cs typeface="Arial"/>
+                <a:sym typeface="Arial"/>
+              </a:rPr>
+              <a:t> </a:t>
+            </a:r>
+            <a:r>
+              <a:rPr lang="en-US" sz="1000" i="1" dirty="0">
+                <a:latin typeface="Arial"/>
+                <a:ea typeface="Arial"/>
+                <a:cs typeface="Arial"/>
+                <a:sym typeface="Arial"/>
+              </a:rPr>
+              <a:t>suitable for binary classification problems. </a:t>
+            </a:r>
+            <a:endParaRPr sz="1000" i="1" dirty="0">
+              <a:latin typeface="Arial"/>
+              <a:ea typeface="Arial"/>
+              <a:cs typeface="Arial"/>
+              <a:sym typeface="Arial"/>
+            </a:endParaRPr>
+          </a:p>
+          <a:p>
+            <a:pPr marL="457200" lvl="0" indent="-292100" algn="l" rtl="0">
+              <a:spcBef>
+                <a:spcPts val="0"/>
+              </a:spcBef>
+              <a:spcAft>
+                <a:spcPts val="0"/>
+              </a:spcAft>
+              <a:buClr>
+                <a:schemeClr val="dk1"/>
+              </a:buClr>
+              <a:buSzPts val="1000"/>
+              <a:buChar char="-"/>
+            </a:pPr>
+            <a:r>
+              <a:rPr lang="en-US" sz="1000" i="1" dirty="0">
+                <a:latin typeface="Arial"/>
+                <a:ea typeface="Arial"/>
+                <a:cs typeface="Arial"/>
+                <a:sym typeface="Arial"/>
+              </a:rPr>
+              <a:t>The output value represents the</a:t>
+            </a:r>
+            <a:r>
+              <a:rPr lang="en-US" sz="1000" dirty="0">
+                <a:latin typeface="Arial"/>
+                <a:ea typeface="Arial"/>
+                <a:cs typeface="Arial"/>
+                <a:sym typeface="Arial"/>
+              </a:rPr>
+              <a:t> </a:t>
+            </a:r>
+            <a:r>
+              <a:rPr lang="en-US" sz="1000" i="1" dirty="0">
+                <a:latin typeface="Arial"/>
+                <a:ea typeface="Arial"/>
+                <a:cs typeface="Arial"/>
+                <a:sym typeface="Arial"/>
+              </a:rPr>
+              <a:t> probability of the input belonging to the positive class (income &gt;$50,000).</a:t>
+            </a:r>
+            <a:endParaRPr sz="1000" i="1" dirty="0">
+              <a:latin typeface="Arial"/>
+              <a:ea typeface="Arial"/>
+              <a:cs typeface="Arial"/>
+              <a:sym typeface="Arial"/>
+            </a:endParaRPr>
+          </a:p>
+          <a:p>
+            <a:pPr marL="0" lvl="0" indent="0" algn="l" rtl="0">
+              <a:spcBef>
+                <a:spcPts val="0"/>
+              </a:spcBef>
+              <a:spcAft>
+                <a:spcPts val="0"/>
+              </a:spcAft>
+              <a:buNone/>
+            </a:pPr>
+            <a:endParaRPr dirty="0">
+              <a:latin typeface="Arial"/>
+              <a:ea typeface="Arial"/>
+              <a:cs typeface="Arial"/>
+              <a:sym typeface="Arial"/>
+            </a:endParaRPr>
+          </a:p>
+          <a:p>
+            <a:pPr marL="0" lvl="0" indent="0" algn="l" rtl="0">
+              <a:spcBef>
+                <a:spcPts val="0"/>
+              </a:spcBef>
+              <a:spcAft>
+                <a:spcPts val="0"/>
+              </a:spcAft>
+              <a:buNone/>
+            </a:pPr>
+            <a:r>
+              <a:rPr lang="en-US" sz="1000" i="1" dirty="0">
+                <a:latin typeface="Arial"/>
+                <a:ea typeface="Arial"/>
+                <a:cs typeface="Arial"/>
+                <a:sym typeface="Arial"/>
+              </a:rPr>
+              <a:t>Model Training</a:t>
+            </a:r>
+            <a:r>
+              <a:rPr lang="en-US" sz="1000" dirty="0">
+                <a:latin typeface="Arial"/>
+                <a:ea typeface="Arial"/>
+                <a:cs typeface="Arial"/>
+                <a:sym typeface="Arial"/>
+              </a:rPr>
+              <a:t> </a:t>
+            </a:r>
+            <a:endParaRPr sz="1000" i="1" dirty="0">
+              <a:latin typeface="Arial"/>
+              <a:ea typeface="Arial"/>
+              <a:cs typeface="Arial"/>
+              <a:sym typeface="Arial"/>
+            </a:endParaRPr>
+          </a:p>
+          <a:p>
+            <a:pPr marL="457200" lvl="0" indent="-292100" algn="l" rtl="0">
+              <a:spcBef>
+                <a:spcPts val="0"/>
+              </a:spcBef>
+              <a:spcAft>
+                <a:spcPts val="0"/>
+              </a:spcAft>
+              <a:buClr>
+                <a:schemeClr val="dk1"/>
+              </a:buClr>
+              <a:buSzPts val="1000"/>
+              <a:buChar char="-"/>
+            </a:pPr>
+            <a:r>
+              <a:rPr lang="en-US" sz="1000" i="1" dirty="0">
+                <a:latin typeface="Arial"/>
+                <a:ea typeface="Arial"/>
+                <a:cs typeface="Arial"/>
+                <a:sym typeface="Arial"/>
+              </a:rPr>
+              <a:t> We use '</a:t>
+            </a:r>
+            <a:r>
+              <a:rPr lang="en-US" sz="1000" i="1" dirty="0" err="1">
+                <a:latin typeface="Arial"/>
+                <a:ea typeface="Arial"/>
+                <a:cs typeface="Arial"/>
+                <a:sym typeface="Arial"/>
+              </a:rPr>
+              <a:t>adam</a:t>
+            </a:r>
+            <a:r>
+              <a:rPr lang="en-US" sz="1000" i="1" dirty="0">
+                <a:latin typeface="Arial"/>
+                <a:ea typeface="Arial"/>
+                <a:cs typeface="Arial"/>
+                <a:sym typeface="Arial"/>
+              </a:rPr>
+              <a:t>' optimizer , which is a popular optimization algorithm known for</a:t>
+            </a:r>
+            <a:r>
+              <a:rPr lang="en-US" sz="1000" dirty="0">
+                <a:latin typeface="Arial"/>
+                <a:ea typeface="Arial"/>
+                <a:cs typeface="Arial"/>
+                <a:sym typeface="Arial"/>
+              </a:rPr>
+              <a:t> </a:t>
+            </a:r>
+            <a:r>
+              <a:rPr lang="en-US" sz="1000" i="1" dirty="0">
+                <a:latin typeface="Arial"/>
+                <a:ea typeface="Arial"/>
+                <a:cs typeface="Arial"/>
+                <a:sym typeface="Arial"/>
+              </a:rPr>
+              <a:t>its efficiency and adaptive learning rate.</a:t>
+            </a:r>
+            <a:endParaRPr sz="1000" i="1" dirty="0">
+              <a:latin typeface="Arial"/>
+              <a:ea typeface="Arial"/>
+              <a:cs typeface="Arial"/>
+              <a:sym typeface="Arial"/>
+            </a:endParaRPr>
+          </a:p>
+          <a:p>
+            <a:pPr marL="457200" lvl="0" indent="-292100" algn="l" rtl="0">
+              <a:spcBef>
+                <a:spcPts val="0"/>
+              </a:spcBef>
+              <a:spcAft>
+                <a:spcPts val="0"/>
+              </a:spcAft>
+              <a:buClr>
+                <a:schemeClr val="dk1"/>
+              </a:buClr>
+              <a:buSzPts val="1000"/>
+              <a:buChar char="-"/>
+            </a:pPr>
+            <a:r>
+              <a:rPr lang="en-US" sz="1000" i="1" dirty="0">
+                <a:latin typeface="Arial"/>
+                <a:ea typeface="Arial"/>
+                <a:cs typeface="Arial"/>
+                <a:sym typeface="Arial"/>
+              </a:rPr>
+              <a:t>Also we use '</a:t>
+            </a:r>
+            <a:r>
+              <a:rPr lang="en-US" sz="1000" i="1" dirty="0" err="1">
+                <a:latin typeface="Arial"/>
+                <a:ea typeface="Arial"/>
+                <a:cs typeface="Arial"/>
+                <a:sym typeface="Arial"/>
+              </a:rPr>
+              <a:t>binary_crossentropy</a:t>
+            </a:r>
+            <a:r>
+              <a:rPr lang="en-US" sz="1000" i="1" dirty="0">
+                <a:latin typeface="Arial"/>
+                <a:ea typeface="Arial"/>
+                <a:cs typeface="Arial"/>
+                <a:sym typeface="Arial"/>
+              </a:rPr>
+              <a:t>' as</a:t>
+            </a:r>
+            <a:r>
+              <a:rPr lang="en-US" sz="1000" dirty="0">
+                <a:latin typeface="Arial"/>
+                <a:ea typeface="Arial"/>
+                <a:cs typeface="Arial"/>
+                <a:sym typeface="Arial"/>
+              </a:rPr>
+              <a:t> </a:t>
+            </a:r>
+            <a:r>
+              <a:rPr lang="en-US" sz="1000" i="1" dirty="0">
+                <a:latin typeface="Arial"/>
+                <a:ea typeface="Arial"/>
+                <a:cs typeface="Arial"/>
+                <a:sym typeface="Arial"/>
+              </a:rPr>
+              <a:t> the loss function. It is suitable for binary classification tasks.</a:t>
+            </a:r>
+            <a:endParaRPr sz="1000" i="1" dirty="0">
+              <a:latin typeface="Arial"/>
+              <a:ea typeface="Arial"/>
+              <a:cs typeface="Arial"/>
+              <a:sym typeface="Arial"/>
+            </a:endParaRPr>
+          </a:p>
+          <a:p>
+            <a:pPr marL="0" lvl="0" indent="0" algn="l" rtl="0">
+              <a:spcBef>
+                <a:spcPts val="0"/>
+              </a:spcBef>
+              <a:spcAft>
+                <a:spcPts val="0"/>
+              </a:spcAft>
+              <a:buNone/>
+            </a:pPr>
+            <a:endParaRPr sz="1000" i="1" dirty="0">
+              <a:latin typeface="Arial"/>
+              <a:ea typeface="Arial"/>
+              <a:cs typeface="Arial"/>
+              <a:sym typeface="Arial"/>
+            </a:endParaRPr>
+          </a:p>
+          <a:p>
+            <a:pPr marL="0" lvl="0" indent="0" algn="l" rtl="0">
+              <a:spcBef>
+                <a:spcPts val="0"/>
+              </a:spcBef>
+              <a:spcAft>
+                <a:spcPts val="0"/>
+              </a:spcAft>
+              <a:buSzPts val="1100"/>
+              <a:buNone/>
+            </a:pPr>
+            <a:r>
+              <a:rPr lang="en-US" sz="1000" dirty="0"/>
+              <a:t>DNN : 3</a:t>
+            </a:r>
+            <a:r>
+              <a:rPr lang="en-US" sz="1000" dirty="0">
+                <a:latin typeface="Arial"/>
+                <a:ea typeface="Arial"/>
+                <a:cs typeface="Arial"/>
+                <a:sym typeface="Arial"/>
+              </a:rPr>
+              <a:t> layer; a Sequential model in </a:t>
+            </a:r>
+            <a:r>
+              <a:rPr lang="en-US" sz="1000" dirty="0" err="1">
+                <a:latin typeface="Arial"/>
+                <a:ea typeface="Arial"/>
+                <a:cs typeface="Arial"/>
+                <a:sym typeface="Arial"/>
+              </a:rPr>
+              <a:t>Keras</a:t>
+            </a:r>
+            <a:r>
+              <a:rPr lang="en-US" sz="1000" dirty="0">
+                <a:latin typeface="Arial"/>
+                <a:ea typeface="Arial"/>
+                <a:cs typeface="Arial"/>
+                <a:sym typeface="Arial"/>
+              </a:rPr>
+              <a:t>, composed of three dense layers. The first two dense layers each have 128 units and use the </a:t>
+            </a:r>
+            <a:r>
+              <a:rPr lang="en-US" sz="1000" dirty="0" err="1">
+                <a:latin typeface="Arial"/>
+                <a:ea typeface="Arial"/>
+                <a:cs typeface="Arial"/>
+                <a:sym typeface="Arial"/>
+              </a:rPr>
+              <a:t>ReLU</a:t>
+            </a:r>
+            <a:endParaRPr lang="en-US" sz="1000" dirty="0">
+              <a:latin typeface="Arial"/>
+              <a:ea typeface="Arial"/>
+              <a:cs typeface="Arial"/>
+              <a:sym typeface="Arial"/>
+            </a:endParaRPr>
+          </a:p>
+          <a:p>
+            <a:pPr marL="0" lvl="0" indent="0" algn="l" rtl="0">
+              <a:lnSpc>
+                <a:spcPct val="115000"/>
+              </a:lnSpc>
+              <a:spcBef>
+                <a:spcPts val="0"/>
+              </a:spcBef>
+              <a:spcAft>
+                <a:spcPts val="0"/>
+              </a:spcAft>
+              <a:buSzPts val="1100"/>
+              <a:buNone/>
+            </a:pPr>
+            <a:r>
+              <a:rPr lang="en-US" sz="1000" dirty="0">
+                <a:latin typeface="Arial"/>
+                <a:ea typeface="Arial"/>
+                <a:cs typeface="Arial"/>
+                <a:sym typeface="Arial"/>
+              </a:rPr>
+              <a:t>activation function. The final layer has 10 units (one for each class) and uses a </a:t>
+            </a:r>
+            <a:r>
+              <a:rPr lang="en-US" sz="1000" dirty="0" err="1">
+                <a:latin typeface="Arial"/>
+                <a:ea typeface="Arial"/>
+                <a:cs typeface="Arial"/>
+                <a:sym typeface="Arial"/>
+              </a:rPr>
+              <a:t>softmax</a:t>
+            </a:r>
+            <a:r>
+              <a:rPr lang="en-US" sz="1000" dirty="0">
+                <a:latin typeface="Arial"/>
+                <a:ea typeface="Arial"/>
+                <a:cs typeface="Arial"/>
+                <a:sym typeface="Arial"/>
+              </a:rPr>
+              <a:t> activation function for the multi-class classification problem</a:t>
+            </a:r>
+          </a:p>
+          <a:p>
+            <a:pPr marL="0" lvl="0" indent="0" algn="l" rtl="0">
+              <a:spcBef>
+                <a:spcPts val="0"/>
+              </a:spcBef>
+              <a:spcAft>
+                <a:spcPts val="0"/>
+              </a:spcAft>
+              <a:buSzPts val="1100"/>
+              <a:buNone/>
+            </a:pPr>
+            <a:endParaRPr lang="en-US" sz="1000" dirty="0"/>
+          </a:p>
+          <a:p>
+            <a:pPr marL="0" lvl="0" indent="0" algn="l" rtl="0">
+              <a:lnSpc>
+                <a:spcPct val="115000"/>
+              </a:lnSpc>
+              <a:spcBef>
+                <a:spcPts val="0"/>
+              </a:spcBef>
+              <a:spcAft>
+                <a:spcPts val="0"/>
+              </a:spcAft>
+              <a:buSzPts val="1100"/>
+              <a:buNone/>
+            </a:pPr>
+            <a:r>
+              <a:rPr lang="en-US" sz="1000" dirty="0" err="1">
+                <a:latin typeface="Arial"/>
+                <a:ea typeface="Arial"/>
+                <a:cs typeface="Arial"/>
+                <a:sym typeface="Arial"/>
+              </a:rPr>
+              <a:t>Keras</a:t>
+            </a:r>
+            <a:r>
+              <a:rPr lang="en-US" sz="1000" dirty="0">
+                <a:latin typeface="Arial"/>
+                <a:ea typeface="Arial"/>
+                <a:cs typeface="Arial"/>
+                <a:sym typeface="Arial"/>
+              </a:rPr>
+              <a:t> Tuner’s </a:t>
+            </a:r>
+            <a:r>
+              <a:rPr lang="en-US" sz="1000" dirty="0" err="1">
+                <a:latin typeface="Arial"/>
+                <a:ea typeface="Arial"/>
+                <a:cs typeface="Arial"/>
+                <a:sym typeface="Arial"/>
+              </a:rPr>
+              <a:t>RandomSearch</a:t>
+            </a:r>
+            <a:r>
+              <a:rPr lang="en-US" sz="1000" dirty="0">
+                <a:latin typeface="Arial"/>
+                <a:ea typeface="Arial"/>
+                <a:cs typeface="Arial"/>
+                <a:sym typeface="Arial"/>
+              </a:rPr>
+              <a:t> for hyperparameter tuning, focusing on learning rate, number of units in layers, and batch size.</a:t>
+            </a:r>
+          </a:p>
+          <a:p>
+            <a:pPr marL="0" lvl="0" indent="0" algn="l" rtl="0">
+              <a:lnSpc>
+                <a:spcPct val="115000"/>
+              </a:lnSpc>
+              <a:spcBef>
+                <a:spcPts val="0"/>
+              </a:spcBef>
+              <a:spcAft>
+                <a:spcPts val="0"/>
+              </a:spcAft>
+              <a:buSzPts val="1100"/>
+              <a:buNone/>
+            </a:pPr>
+            <a:r>
+              <a:rPr lang="en-US" sz="1000" dirty="0">
+                <a:latin typeface="Arial"/>
+                <a:ea typeface="Arial"/>
+                <a:cs typeface="Arial"/>
+                <a:sym typeface="Arial"/>
+              </a:rPr>
+              <a:t>The best model used a learning rate of 0.01, 128 units in the first two layers, and a batch size of 32.</a:t>
+            </a:r>
+          </a:p>
+          <a:p>
+            <a:pPr marL="0" lvl="0" indent="0" algn="l" rtl="0">
+              <a:spcBef>
+                <a:spcPts val="0"/>
+              </a:spcBef>
+              <a:spcAft>
+                <a:spcPts val="0"/>
+              </a:spcAft>
+              <a:buNone/>
+            </a:pPr>
+            <a:endParaRPr sz="1000" i="1" dirty="0">
+              <a:latin typeface="Arial"/>
+              <a:ea typeface="Arial"/>
+              <a:cs typeface="Arial"/>
+              <a:sym typeface="Arial"/>
+            </a:endParaRPr>
+          </a:p>
+        </p:txBody>
+      </p:sp>
+      <p:sp>
+        <p:nvSpPr>
+          <p:cNvPr id="328" name="Google Shape;328;g253b21ef07d_0_0:notes"/>
+          <p:cNvSpPr txBox="1">
+            <a:spLocks noGrp="1"/>
+          </p:cNvSpPr>
+          <p:nvPr>
+            <p:ph type="sldNum" idx="12"/>
+          </p:nvPr>
+        </p:nvSpPr>
+        <p:spPr>
+          <a:xfrm>
+            <a:off x="3884613" y="8685213"/>
+            <a:ext cx="2971800" cy="458700"/>
+          </a:xfrm>
+          <a:prstGeom prst="rect">
+            <a:avLst/>
+          </a:prstGeom>
+          <a:noFill/>
+          <a:ln>
+            <a:noFill/>
+          </a:ln>
+        </p:spPr>
+        <p:txBody>
+          <a:bodyPr spcFirstLastPara="1" wrap="square" lIns="91425" tIns="45700" rIns="91425" bIns="45700" anchor="b" anchorCtr="0">
+            <a:noAutofit/>
+          </a:bodyPr>
+          <a:lstStyle/>
+          <a:p>
+            <a:pPr marL="0" lvl="0" indent="0" algn="r" rtl="0">
+              <a:spcBef>
+                <a:spcPts val="0"/>
+              </a:spcBef>
+              <a:spcAft>
+                <a:spcPts val="0"/>
+              </a:spcAft>
+              <a:buNone/>
+            </a:pPr>
+            <a:fld id="{00000000-1234-1234-1234-123412341234}" type="slidenum">
+              <a:rPr lang="en-US"/>
+              <a:t>6</a:t>
+            </a:fld>
+            <a:endParaRPr/>
+          </a:p>
+        </p:txBody>
+      </p:sp>
+    </p:spTree>
+  </p:cSld>
+  <p:clrMapOvr>
+    <a:masterClrMapping/>
+  </p:clrMapOvr>
+</p:notes>
+</file>
+
+<file path=ppt/notesSlides/notesSlide7.xml><?xml version="1.0" encoding="utf-8"?>
 <p:notes xmlns:a="http://schemas.openxmlformats.org/drawingml/2006/main" xmlns:r="http://schemas.openxmlformats.org/officeDocument/2006/relationships" xmlns:p="http://schemas.openxmlformats.org/presentationml/2006/main">
   <p:cSld>
     <p:spTree>
@@ -1543,7 +2870,7 @@
           <a:p>
             <a:fld id="{0A50B4EB-D9F6-4F2F-973A-15D71B3F5057}" type="slidenum">
               <a:rPr lang="en-US" smtClean="0"/>
-              <a:t>6</a:t>
+              <a:t>7</a:t>
             </a:fld>
             <a:endParaRPr lang="en-US"/>
           </a:p>
@@ -15202,141 +16529,6 @@
                 <a:cs typeface="Arshia" panose="00000400000000000000" pitchFamily="2" charset="-78"/>
               </a:rPr>
               <a:t>Problem Statement, Application, and Associated Challenges</a:t>
-            </a:r>
-          </a:p>
-        </p:txBody>
-      </p:sp>
-      <p:sp>
-        <p:nvSpPr>
-          <p:cNvPr id="63" name="Slide Number Placeholder 5">
-            <a:extLst>
-              <a:ext uri="{FF2B5EF4-FFF2-40B4-BE49-F238E27FC236}">
-                <a16:creationId xmlns:a16="http://schemas.microsoft.com/office/drawing/2014/main" id="{1E9B2D84-E9C4-7E73-C660-4B3DC800B543}"/>
-              </a:ext>
-            </a:extLst>
-          </p:cNvPr>
-          <p:cNvSpPr txBox="1">
-            <a:spLocks/>
-          </p:cNvSpPr>
-          <p:nvPr/>
-        </p:nvSpPr>
-        <p:spPr>
-          <a:xfrm>
-            <a:off x="9302260" y="6426438"/>
-            <a:ext cx="2743200" cy="365125"/>
-          </a:xfrm>
-          <a:prstGeom prst="rect">
-            <a:avLst/>
-          </a:prstGeom>
-        </p:spPr>
-        <p:txBody>
-          <a:bodyPr vert="horz" lIns="91440" tIns="45720" rIns="91440" bIns="45720" rtlCol="0" anchor="ctr"/>
-          <a:lstStyle>
-            <a:defPPr>
-              <a:defRPr lang="en-US"/>
-            </a:defPPr>
-            <a:lvl1pPr marL="0" algn="r" defTabSz="457200" rtl="0" eaLnBrk="1" latinLnBrk="0" hangingPunct="1">
-              <a:defRPr sz="1200" kern="1200">
-                <a:solidFill>
-                  <a:schemeClr val="tx1">
-                    <a:tint val="75000"/>
-                  </a:schemeClr>
-                </a:solidFill>
-                <a:latin typeface="+mn-lt"/>
-                <a:ea typeface="+mn-ea"/>
-                <a:cs typeface="+mn-cs"/>
-              </a:defRPr>
-            </a:lvl1pPr>
-            <a:lvl2pPr marL="457200" algn="l" defTabSz="457200" rtl="0" eaLnBrk="1" latinLnBrk="0" hangingPunct="1">
-              <a:defRPr sz="1800" kern="1200">
-                <a:solidFill>
-                  <a:schemeClr val="tx1"/>
-                </a:solidFill>
-                <a:latin typeface="+mn-lt"/>
-                <a:ea typeface="+mn-ea"/>
-                <a:cs typeface="+mn-cs"/>
-              </a:defRPr>
-            </a:lvl2pPr>
-            <a:lvl3pPr marL="914400" algn="l" defTabSz="457200" rtl="0" eaLnBrk="1" latinLnBrk="0" hangingPunct="1">
-              <a:defRPr sz="1800" kern="1200">
-                <a:solidFill>
-                  <a:schemeClr val="tx1"/>
-                </a:solidFill>
-                <a:latin typeface="+mn-lt"/>
-                <a:ea typeface="+mn-ea"/>
-                <a:cs typeface="+mn-cs"/>
-              </a:defRPr>
-            </a:lvl3pPr>
-            <a:lvl4pPr marL="1371600" algn="l" defTabSz="457200" rtl="0" eaLnBrk="1" latinLnBrk="0" hangingPunct="1">
-              <a:defRPr sz="1800" kern="1200">
-                <a:solidFill>
-                  <a:schemeClr val="tx1"/>
-                </a:solidFill>
-                <a:latin typeface="+mn-lt"/>
-                <a:ea typeface="+mn-ea"/>
-                <a:cs typeface="+mn-cs"/>
-              </a:defRPr>
-            </a:lvl4pPr>
-            <a:lvl5pPr marL="1828800" algn="l" defTabSz="457200" rtl="0" eaLnBrk="1" latinLnBrk="0" hangingPunct="1">
-              <a:defRPr sz="1800" kern="1200">
-                <a:solidFill>
-                  <a:schemeClr val="tx1"/>
-                </a:solidFill>
-                <a:latin typeface="+mn-lt"/>
-                <a:ea typeface="+mn-ea"/>
-                <a:cs typeface="+mn-cs"/>
-              </a:defRPr>
-            </a:lvl5pPr>
-            <a:lvl6pPr marL="2286000" algn="l" defTabSz="457200" rtl="0" eaLnBrk="1" latinLnBrk="0" hangingPunct="1">
-              <a:defRPr sz="1800" kern="1200">
-                <a:solidFill>
-                  <a:schemeClr val="tx1"/>
-                </a:solidFill>
-                <a:latin typeface="+mn-lt"/>
-                <a:ea typeface="+mn-ea"/>
-                <a:cs typeface="+mn-cs"/>
-              </a:defRPr>
-            </a:lvl6pPr>
-            <a:lvl7pPr marL="2743200" algn="l" defTabSz="457200" rtl="0" eaLnBrk="1" latinLnBrk="0" hangingPunct="1">
-              <a:defRPr sz="1800" kern="1200">
-                <a:solidFill>
-                  <a:schemeClr val="tx1"/>
-                </a:solidFill>
-                <a:latin typeface="+mn-lt"/>
-                <a:ea typeface="+mn-ea"/>
-                <a:cs typeface="+mn-cs"/>
-              </a:defRPr>
-            </a:lvl7pPr>
-            <a:lvl8pPr marL="3200400" algn="l" defTabSz="457200" rtl="0" eaLnBrk="1" latinLnBrk="0" hangingPunct="1">
-              <a:defRPr sz="1800" kern="1200">
-                <a:solidFill>
-                  <a:schemeClr val="tx1"/>
-                </a:solidFill>
-                <a:latin typeface="+mn-lt"/>
-                <a:ea typeface="+mn-ea"/>
-                <a:cs typeface="+mn-cs"/>
-              </a:defRPr>
-            </a:lvl8pPr>
-            <a:lvl9pPr marL="3657600" algn="l" defTabSz="457200" rtl="0" eaLnBrk="1" latinLnBrk="0" hangingPunct="1">
-              <a:defRPr sz="1800" kern="1200">
-                <a:solidFill>
-                  <a:schemeClr val="tx1"/>
-                </a:solidFill>
-                <a:latin typeface="+mn-lt"/>
-                <a:ea typeface="+mn-ea"/>
-                <a:cs typeface="+mn-cs"/>
-              </a:defRPr>
-            </a:lvl9pPr>
-          </a:lstStyle>
-          <a:p>
-            <a:r>
-              <a:rPr lang="en-US" sz="1400" b="1" dirty="0">
-                <a:solidFill>
-                  <a:schemeClr val="tx1"/>
-                </a:solidFill>
-                <a:latin typeface="Comic Sans MS" panose="030F0702030302020204" pitchFamily="66" charset="0"/>
-              </a:rPr>
-              <a:t>3</a:t>
             </a:r>
           </a:p>
         </p:txBody>
@@ -39856,44 +41048,6 @@
       </p:sp>
       <p:sp>
         <p:nvSpPr>
-          <p:cNvPr id="22" name="Slide Number Placeholder 5">
-            <a:extLst>
-              <a:ext uri="{FF2B5EF4-FFF2-40B4-BE49-F238E27FC236}">
-                <a16:creationId xmlns:a16="http://schemas.microsoft.com/office/drawing/2014/main" id="{1E9B2D84-E9C4-7E73-C660-4B3DC800B543}"/>
-              </a:ext>
-            </a:extLst>
-          </p:cNvPr>
-          <p:cNvSpPr>
-            <a:spLocks noGrp="1"/>
-          </p:cNvSpPr>
-          <p:nvPr>
-            <p:ph type="sldNum" sz="quarter" idx="12"/>
-          </p:nvPr>
-        </p:nvSpPr>
-        <p:spPr>
-          <a:xfrm>
-            <a:off x="9302260" y="6426438"/>
-            <a:ext cx="2743200" cy="365125"/>
-          </a:xfrm>
-        </p:spPr>
-        <p:txBody>
-          <a:bodyPr/>
-          <a:lstStyle/>
-          <a:p>
-            <a:r>
-              <a:rPr lang="en-US" sz="1400" b="1" dirty="0">
-                <a:solidFill>
-                  <a:schemeClr val="tx1"/>
-                </a:solidFill>
-                <a:latin typeface="Comic Sans MS" panose="030F0702030302020204" pitchFamily="66" charset="0"/>
-              </a:rPr>
-              <a:t>4</a:t>
-            </a:r>
-          </a:p>
-        </p:txBody>
-      </p:sp>
-      <p:sp>
-        <p:nvSpPr>
           <p:cNvPr id="76" name="Title 3">
             <a:extLst>
               <a:ext uri="{FF2B5EF4-FFF2-40B4-BE49-F238E27FC236}">
@@ -40096,141 +41250,6 @@
               <a:t>4</a:t>
             </a:fld>
             <a:endParaRPr lang="en-US"/>
-          </a:p>
-        </p:txBody>
-      </p:sp>
-      <p:sp>
-        <p:nvSpPr>
-          <p:cNvPr id="33" name="Slide Number Placeholder 5">
-            <a:extLst>
-              <a:ext uri="{FF2B5EF4-FFF2-40B4-BE49-F238E27FC236}">
-                <a16:creationId xmlns:a16="http://schemas.microsoft.com/office/drawing/2014/main" id="{1E9B2D84-E9C4-7E73-C660-4B3DC800B543}"/>
-              </a:ext>
-            </a:extLst>
-          </p:cNvPr>
-          <p:cNvSpPr txBox="1">
-            <a:spLocks/>
-          </p:cNvSpPr>
-          <p:nvPr/>
-        </p:nvSpPr>
-        <p:spPr>
-          <a:xfrm>
-            <a:off x="9302260" y="6426438"/>
-            <a:ext cx="2743200" cy="365125"/>
-          </a:xfrm>
-          <a:prstGeom prst="rect">
-            <a:avLst/>
-          </a:prstGeom>
-        </p:spPr>
-        <p:txBody>
-          <a:bodyPr vert="horz" lIns="91440" tIns="45720" rIns="91440" bIns="45720" rtlCol="0" anchor="ctr"/>
-          <a:lstStyle>
-            <a:defPPr>
-              <a:defRPr lang="en-US"/>
-            </a:defPPr>
-            <a:lvl1pPr marL="0" algn="r" defTabSz="457200" rtl="0" eaLnBrk="1" latinLnBrk="0" hangingPunct="1">
-              <a:defRPr sz="1200" kern="1200">
-                <a:solidFill>
-                  <a:schemeClr val="tx1">
-                    <a:tint val="75000"/>
-                  </a:schemeClr>
-                </a:solidFill>
-                <a:latin typeface="+mn-lt"/>
-                <a:ea typeface="+mn-ea"/>
-                <a:cs typeface="+mn-cs"/>
-              </a:defRPr>
-            </a:lvl1pPr>
-            <a:lvl2pPr marL="457200" algn="l" defTabSz="457200" rtl="0" eaLnBrk="1" latinLnBrk="0" hangingPunct="1">
-              <a:defRPr sz="1800" kern="1200">
-                <a:solidFill>
-                  <a:schemeClr val="tx1"/>
-                </a:solidFill>
-                <a:latin typeface="+mn-lt"/>
-                <a:ea typeface="+mn-ea"/>
-                <a:cs typeface="+mn-cs"/>
-              </a:defRPr>
-            </a:lvl2pPr>
-            <a:lvl3pPr marL="914400" algn="l" defTabSz="457200" rtl="0" eaLnBrk="1" latinLnBrk="0" hangingPunct="1">
-              <a:defRPr sz="1800" kern="1200">
-                <a:solidFill>
-                  <a:schemeClr val="tx1"/>
-                </a:solidFill>
-                <a:latin typeface="+mn-lt"/>
-                <a:ea typeface="+mn-ea"/>
-                <a:cs typeface="+mn-cs"/>
-              </a:defRPr>
-            </a:lvl3pPr>
-            <a:lvl4pPr marL="1371600" algn="l" defTabSz="457200" rtl="0" eaLnBrk="1" latinLnBrk="0" hangingPunct="1">
-              <a:defRPr sz="1800" kern="1200">
-                <a:solidFill>
-                  <a:schemeClr val="tx1"/>
-                </a:solidFill>
-                <a:latin typeface="+mn-lt"/>
-                <a:ea typeface="+mn-ea"/>
-                <a:cs typeface="+mn-cs"/>
-              </a:defRPr>
-            </a:lvl4pPr>
-            <a:lvl5pPr marL="1828800" algn="l" defTabSz="457200" rtl="0" eaLnBrk="1" latinLnBrk="0" hangingPunct="1">
-              <a:defRPr sz="1800" kern="1200">
-                <a:solidFill>
-                  <a:schemeClr val="tx1"/>
-                </a:solidFill>
-                <a:latin typeface="+mn-lt"/>
-                <a:ea typeface="+mn-ea"/>
-                <a:cs typeface="+mn-cs"/>
-              </a:defRPr>
-            </a:lvl5pPr>
-            <a:lvl6pPr marL="2286000" algn="l" defTabSz="457200" rtl="0" eaLnBrk="1" latinLnBrk="0" hangingPunct="1">
-              <a:defRPr sz="1800" kern="1200">
-                <a:solidFill>
-                  <a:schemeClr val="tx1"/>
-                </a:solidFill>
-                <a:latin typeface="+mn-lt"/>
-                <a:ea typeface="+mn-ea"/>
-                <a:cs typeface="+mn-cs"/>
-              </a:defRPr>
-            </a:lvl6pPr>
-            <a:lvl7pPr marL="2743200" algn="l" defTabSz="457200" rtl="0" eaLnBrk="1" latinLnBrk="0" hangingPunct="1">
-              <a:defRPr sz="1800" kern="1200">
-                <a:solidFill>
-                  <a:schemeClr val="tx1"/>
-                </a:solidFill>
-                <a:latin typeface="+mn-lt"/>
-                <a:ea typeface="+mn-ea"/>
-                <a:cs typeface="+mn-cs"/>
-              </a:defRPr>
-            </a:lvl7pPr>
-            <a:lvl8pPr marL="3200400" algn="l" defTabSz="457200" rtl="0" eaLnBrk="1" latinLnBrk="0" hangingPunct="1">
-              <a:defRPr sz="1800" kern="1200">
-                <a:solidFill>
-                  <a:schemeClr val="tx1"/>
-                </a:solidFill>
-                <a:latin typeface="+mn-lt"/>
-                <a:ea typeface="+mn-ea"/>
-                <a:cs typeface="+mn-cs"/>
-              </a:defRPr>
-            </a:lvl8pPr>
-            <a:lvl9pPr marL="3657600" algn="l" defTabSz="457200" rtl="0" eaLnBrk="1" latinLnBrk="0" hangingPunct="1">
-              <a:defRPr sz="1800" kern="1200">
-                <a:solidFill>
-                  <a:schemeClr val="tx1"/>
-                </a:solidFill>
-                <a:latin typeface="+mn-lt"/>
-                <a:ea typeface="+mn-ea"/>
-                <a:cs typeface="+mn-cs"/>
-              </a:defRPr>
-            </a:lvl9pPr>
-          </a:lstStyle>
-          <a:p>
-            <a:r>
-              <a:rPr lang="en-US" sz="1400" b="1" dirty="0">
-                <a:solidFill>
-                  <a:schemeClr val="tx1"/>
-                </a:solidFill>
-                <a:latin typeface="Comic Sans MS" panose="030F0702030302020204" pitchFamily="66" charset="0"/>
-              </a:rPr>
-              <a:t>4</a:t>
-            </a:r>
           </a:p>
         </p:txBody>
       </p:sp>
@@ -46718,44 +47737,6 @@
           </p:spPr>
         </p:pic>
       </p:grpSp>
-      <p:sp>
-        <p:nvSpPr>
-          <p:cNvPr id="45" name="Slide Number Placeholder 5">
-            <a:extLst>
-              <a:ext uri="{FF2B5EF4-FFF2-40B4-BE49-F238E27FC236}">
-                <a16:creationId xmlns:a16="http://schemas.microsoft.com/office/drawing/2014/main" id="{1E9B2D84-E9C4-7E73-C660-4B3DC800B543}"/>
-              </a:ext>
-            </a:extLst>
-          </p:cNvPr>
-          <p:cNvSpPr>
-            <a:spLocks noGrp="1"/>
-          </p:cNvSpPr>
-          <p:nvPr>
-            <p:ph type="sldNum" sz="quarter" idx="12"/>
-          </p:nvPr>
-        </p:nvSpPr>
-        <p:spPr>
-          <a:xfrm>
-            <a:off x="9302260" y="6426438"/>
-            <a:ext cx="2743200" cy="365125"/>
-          </a:xfrm>
-        </p:spPr>
-        <p:txBody>
-          <a:bodyPr/>
-          <a:lstStyle/>
-          <a:p>
-            <a:r>
-              <a:rPr lang="en-US" sz="1400" b="1" dirty="0">
-                <a:solidFill>
-                  <a:schemeClr val="tx1"/>
-                </a:solidFill>
-                <a:latin typeface="Comic Sans MS" panose="030F0702030302020204" pitchFamily="66" charset="0"/>
-              </a:rPr>
-              <a:t>13</a:t>
-            </a:r>
-          </a:p>
-        </p:txBody>
-      </p:sp>
       <p:pic>
         <p:nvPicPr>
           <p:cNvPr id="6" name="Picture 5">
@@ -46890,6 +47871,1173 @@
 </file>
 
 <file path=ppt/slides/slide6.xml><?xml version="1.0" encoding="utf-8"?>
+<p:sld xmlns:a="http://schemas.openxmlformats.org/drawingml/2006/main" xmlns:r="http://schemas.openxmlformats.org/officeDocument/2006/relationships" xmlns:p="http://schemas.openxmlformats.org/presentationml/2006/main">
+  <p:cSld>
+    <p:spTree>
+      <p:nvGrpSpPr>
+        <p:cNvPr id="1" name="Shape 329"/>
+        <p:cNvGrpSpPr/>
+        <p:nvPr/>
+      </p:nvGrpSpPr>
+      <p:grpSpPr>
+        <a:xfrm>
+          <a:off x="0" y="0"/>
+          <a:ext cx="0" cy="0"/>
+          <a:chOff x="0" y="0"/>
+          <a:chExt cx="0" cy="0"/>
+        </a:xfrm>
+      </p:grpSpPr>
+      <p:sp>
+        <p:nvSpPr>
+          <p:cNvPr id="330" name="Google Shape;330;g253b21ef07d_0_0"/>
+          <p:cNvSpPr txBox="1">
+            <a:spLocks noGrp="1"/>
+          </p:cNvSpPr>
+          <p:nvPr>
+            <p:ph type="title"/>
+          </p:nvPr>
+        </p:nvSpPr>
+        <p:spPr>
+          <a:xfrm>
+            <a:off x="152400" y="277272"/>
+            <a:ext cx="12039600" cy="1333500"/>
+          </a:xfrm>
+          <a:prstGeom prst="rect">
+            <a:avLst/>
+          </a:prstGeom>
+          <a:noFill/>
+          <a:ln>
+            <a:noFill/>
+          </a:ln>
+        </p:spPr>
+        <p:txBody>
+          <a:bodyPr spcFirstLastPara="1" wrap="square" lIns="91425" tIns="45700" rIns="91425" bIns="45700" anchor="b" anchorCtr="0">
+            <a:normAutofit/>
+          </a:bodyPr>
+          <a:lstStyle/>
+          <a:p>
+            <a:pPr marL="0" lvl="0" indent="0" algn="ctr" rtl="0">
+              <a:lnSpc>
+                <a:spcPct val="90000"/>
+              </a:lnSpc>
+              <a:spcBef>
+                <a:spcPts val="0"/>
+              </a:spcBef>
+              <a:spcAft>
+                <a:spcPts val="0"/>
+              </a:spcAft>
+              <a:buClr>
+                <a:schemeClr val="dk1"/>
+              </a:buClr>
+              <a:buSzPts val="2800"/>
+              <a:buFont typeface="Comic Sans MS"/>
+              <a:buNone/>
+            </a:pPr>
+            <a:r>
+              <a:rPr lang="en-US" sz="2800" b="1">
+                <a:latin typeface="Comic Sans MS"/>
+                <a:ea typeface="Comic Sans MS"/>
+                <a:cs typeface="Comic Sans MS"/>
+                <a:sym typeface="Comic Sans MS"/>
+              </a:rPr>
+              <a:t>Supervised Learning: </a:t>
+            </a:r>
+            <a:br>
+              <a:rPr lang="en-US" sz="2800" b="1">
+                <a:latin typeface="Comic Sans MS"/>
+                <a:ea typeface="Comic Sans MS"/>
+                <a:cs typeface="Comic Sans MS"/>
+                <a:sym typeface="Comic Sans MS"/>
+              </a:rPr>
+            </a:br>
+            <a:r>
+              <a:rPr lang="en-US" sz="2300" b="1">
+                <a:latin typeface="Comic Sans MS"/>
+                <a:ea typeface="Comic Sans MS"/>
+                <a:cs typeface="Comic Sans MS"/>
+                <a:sym typeface="Comic Sans MS"/>
+              </a:rPr>
+              <a:t>Classification with a deep learning model</a:t>
+            </a:r>
+            <a:endParaRPr sz="2300" b="1">
+              <a:latin typeface="Comic Sans MS"/>
+              <a:ea typeface="Comic Sans MS"/>
+              <a:cs typeface="Comic Sans MS"/>
+              <a:sym typeface="Comic Sans MS"/>
+            </a:endParaRPr>
+          </a:p>
+          <a:p>
+            <a:pPr marL="0" lvl="0" indent="0" algn="ctr" rtl="0">
+              <a:lnSpc>
+                <a:spcPct val="90000"/>
+              </a:lnSpc>
+              <a:spcBef>
+                <a:spcPts val="0"/>
+              </a:spcBef>
+              <a:spcAft>
+                <a:spcPts val="0"/>
+              </a:spcAft>
+              <a:buClr>
+                <a:schemeClr val="dk1"/>
+              </a:buClr>
+              <a:buSzPts val="2800"/>
+              <a:buFont typeface="Comic Sans MS"/>
+              <a:buNone/>
+            </a:pPr>
+            <a:endParaRPr sz="2800" b="1">
+              <a:latin typeface="Comic Sans MS"/>
+              <a:ea typeface="Comic Sans MS"/>
+              <a:cs typeface="Comic Sans MS"/>
+              <a:sym typeface="Comic Sans MS"/>
+            </a:endParaRPr>
+          </a:p>
+        </p:txBody>
+      </p:sp>
+      <p:sp>
+        <p:nvSpPr>
+          <p:cNvPr id="331" name="Google Shape;331;g253b21ef07d_0_0"/>
+          <p:cNvSpPr/>
+          <p:nvPr/>
+        </p:nvSpPr>
+        <p:spPr>
+          <a:xfrm flipH="1">
+            <a:off x="152400" y="759375"/>
+            <a:ext cx="5893776" cy="3544290"/>
+          </a:xfrm>
+          <a:custGeom>
+            <a:avLst/>
+            <a:gdLst/>
+            <a:ahLst/>
+            <a:cxnLst/>
+            <a:rect l="l" t="t" r="r" b="b"/>
+            <a:pathLst>
+              <a:path w="21600" h="21600" extrusionOk="0">
+                <a:moveTo>
+                  <a:pt x="21600" y="11798"/>
+                </a:moveTo>
+                <a:cubicBezTo>
+                  <a:pt x="21600" y="12737"/>
+                  <a:pt x="21047" y="13496"/>
+                  <a:pt x="20364" y="13496"/>
+                </a:cubicBezTo>
+                <a:cubicBezTo>
+                  <a:pt x="20364" y="13496"/>
+                  <a:pt x="20364" y="13496"/>
+                  <a:pt x="20364" y="13496"/>
+                </a:cubicBezTo>
+                <a:cubicBezTo>
+                  <a:pt x="20364" y="13571"/>
+                  <a:pt x="20364" y="13645"/>
+                  <a:pt x="20364" y="13735"/>
+                </a:cubicBezTo>
+                <a:cubicBezTo>
+                  <a:pt x="20364" y="16446"/>
+                  <a:pt x="18760" y="18650"/>
+                  <a:pt x="16788" y="18650"/>
+                </a:cubicBezTo>
+                <a:cubicBezTo>
+                  <a:pt x="15780" y="18650"/>
+                  <a:pt x="14859" y="18070"/>
+                  <a:pt x="14209" y="17131"/>
+                </a:cubicBezTo>
+                <a:cubicBezTo>
+                  <a:pt x="13461" y="19738"/>
+                  <a:pt x="11607" y="21600"/>
+                  <a:pt x="9440" y="21600"/>
+                </a:cubicBezTo>
+                <a:cubicBezTo>
+                  <a:pt x="7543" y="21600"/>
+                  <a:pt x="5885" y="20185"/>
+                  <a:pt x="5007" y="18084"/>
+                </a:cubicBezTo>
+                <a:cubicBezTo>
+                  <a:pt x="4888" y="18204"/>
+                  <a:pt x="4758" y="18263"/>
+                  <a:pt x="4595" y="18263"/>
+                </a:cubicBezTo>
+                <a:cubicBezTo>
+                  <a:pt x="4216" y="18263"/>
+                  <a:pt x="3902" y="17831"/>
+                  <a:pt x="3902" y="17310"/>
+                </a:cubicBezTo>
+                <a:cubicBezTo>
+                  <a:pt x="3902" y="16833"/>
+                  <a:pt x="4151" y="16446"/>
+                  <a:pt x="4487" y="16371"/>
+                </a:cubicBezTo>
+                <a:cubicBezTo>
+                  <a:pt x="4379" y="15790"/>
+                  <a:pt x="4313" y="15180"/>
+                  <a:pt x="4313" y="14554"/>
+                </a:cubicBezTo>
+                <a:cubicBezTo>
+                  <a:pt x="4313" y="14405"/>
+                  <a:pt x="4313" y="14256"/>
+                  <a:pt x="4324" y="14092"/>
+                </a:cubicBezTo>
+                <a:cubicBezTo>
+                  <a:pt x="3956" y="14301"/>
+                  <a:pt x="3555" y="14420"/>
+                  <a:pt x="3132" y="14420"/>
+                </a:cubicBezTo>
+                <a:cubicBezTo>
+                  <a:pt x="1409" y="14420"/>
+                  <a:pt x="0" y="12483"/>
+                  <a:pt x="0" y="10115"/>
+                </a:cubicBezTo>
+                <a:cubicBezTo>
+                  <a:pt x="0" y="7746"/>
+                  <a:pt x="1409" y="5810"/>
+                  <a:pt x="3132" y="5810"/>
+                </a:cubicBezTo>
+                <a:cubicBezTo>
+                  <a:pt x="4606" y="5810"/>
+                  <a:pt x="5852" y="7225"/>
+                  <a:pt x="6178" y="9117"/>
+                </a:cubicBezTo>
+                <a:cubicBezTo>
+                  <a:pt x="7066" y="8104"/>
+                  <a:pt x="8204" y="7508"/>
+                  <a:pt x="9440" y="7508"/>
+                </a:cubicBezTo>
+                <a:cubicBezTo>
+                  <a:pt x="9711" y="7508"/>
+                  <a:pt x="9982" y="7538"/>
+                  <a:pt x="10242" y="7597"/>
+                </a:cubicBezTo>
+                <a:cubicBezTo>
+                  <a:pt x="10090" y="7016"/>
+                  <a:pt x="10014" y="6391"/>
+                  <a:pt x="10014" y="5735"/>
+                </a:cubicBezTo>
+                <a:cubicBezTo>
+                  <a:pt x="10014" y="5348"/>
+                  <a:pt x="10047" y="4961"/>
+                  <a:pt x="10101" y="4603"/>
+                </a:cubicBezTo>
+                <a:cubicBezTo>
+                  <a:pt x="9765" y="4543"/>
+                  <a:pt x="9494" y="4141"/>
+                  <a:pt x="9494" y="3665"/>
+                </a:cubicBezTo>
+                <a:cubicBezTo>
+                  <a:pt x="9494" y="3143"/>
+                  <a:pt x="9808" y="2711"/>
+                  <a:pt x="10188" y="2711"/>
+                </a:cubicBezTo>
+                <a:cubicBezTo>
+                  <a:pt x="10329" y="2711"/>
+                  <a:pt x="10469" y="2771"/>
+                  <a:pt x="10578" y="2875"/>
+                </a:cubicBezTo>
+                <a:cubicBezTo>
+                  <a:pt x="11304" y="1162"/>
+                  <a:pt x="12648" y="0"/>
+                  <a:pt x="14187" y="0"/>
+                </a:cubicBezTo>
+                <a:cubicBezTo>
+                  <a:pt x="16484" y="0"/>
+                  <a:pt x="18359" y="2577"/>
+                  <a:pt x="18359" y="5735"/>
+                </a:cubicBezTo>
+                <a:cubicBezTo>
+                  <a:pt x="18359" y="6927"/>
+                  <a:pt x="18089" y="8044"/>
+                  <a:pt x="17633" y="8953"/>
+                </a:cubicBezTo>
+                <a:cubicBezTo>
+                  <a:pt x="18392" y="9206"/>
+                  <a:pt x="19053" y="9787"/>
+                  <a:pt x="19530" y="10577"/>
+                </a:cubicBezTo>
+                <a:cubicBezTo>
+                  <a:pt x="19747" y="10293"/>
+                  <a:pt x="20039" y="10115"/>
+                  <a:pt x="20364" y="10115"/>
+                </a:cubicBezTo>
+                <a:cubicBezTo>
+                  <a:pt x="21047" y="10100"/>
+                  <a:pt x="21600" y="10860"/>
+                  <a:pt x="21600" y="11798"/>
+                </a:cubicBezTo>
+                <a:close/>
+                <a:moveTo>
+                  <a:pt x="14545" y="19023"/>
+                </a:moveTo>
+                <a:cubicBezTo>
+                  <a:pt x="14349" y="19023"/>
+                  <a:pt x="14187" y="19246"/>
+                  <a:pt x="14187" y="19514"/>
+                </a:cubicBezTo>
+                <a:cubicBezTo>
+                  <a:pt x="14187" y="19783"/>
+                  <a:pt x="14349" y="20006"/>
+                  <a:pt x="14545" y="20006"/>
+                </a:cubicBezTo>
+                <a:cubicBezTo>
+                  <a:pt x="14740" y="20006"/>
+                  <a:pt x="14902" y="19783"/>
+                  <a:pt x="14902" y="19514"/>
+                </a:cubicBezTo>
+                <a:cubicBezTo>
+                  <a:pt x="14902" y="19246"/>
+                  <a:pt x="14740" y="19023"/>
+                  <a:pt x="14545" y="19023"/>
+                </a:cubicBezTo>
+                <a:close/>
+                <a:moveTo>
+                  <a:pt x="8432" y="4871"/>
+                </a:moveTo>
+                <a:cubicBezTo>
+                  <a:pt x="8627" y="4871"/>
+                  <a:pt x="8790" y="4648"/>
+                  <a:pt x="8790" y="4380"/>
+                </a:cubicBezTo>
+                <a:cubicBezTo>
+                  <a:pt x="8790" y="4111"/>
+                  <a:pt x="8627" y="3888"/>
+                  <a:pt x="8432" y="3888"/>
+                </a:cubicBezTo>
+                <a:cubicBezTo>
+                  <a:pt x="8237" y="3888"/>
+                  <a:pt x="8074" y="4111"/>
+                  <a:pt x="8074" y="4380"/>
+                </a:cubicBezTo>
+                <a:cubicBezTo>
+                  <a:pt x="8074" y="4648"/>
+                  <a:pt x="8237" y="4871"/>
+                  <a:pt x="8432" y="4871"/>
+                </a:cubicBezTo>
+                <a:close/>
+                <a:moveTo>
+                  <a:pt x="9158" y="6599"/>
+                </a:moveTo>
+                <a:cubicBezTo>
+                  <a:pt x="9353" y="6599"/>
+                  <a:pt x="9516" y="6376"/>
+                  <a:pt x="9516" y="6108"/>
+                </a:cubicBezTo>
+                <a:cubicBezTo>
+                  <a:pt x="9516" y="5839"/>
+                  <a:pt x="9353" y="5616"/>
+                  <a:pt x="9158" y="5616"/>
+                </a:cubicBezTo>
+                <a:cubicBezTo>
+                  <a:pt x="8963" y="5616"/>
+                  <a:pt x="8800" y="5839"/>
+                  <a:pt x="8800" y="6108"/>
+                </a:cubicBezTo>
+                <a:cubicBezTo>
+                  <a:pt x="8800" y="6376"/>
+                  <a:pt x="8952" y="6599"/>
+                  <a:pt x="9158" y="6599"/>
+                </a:cubicBezTo>
+                <a:close/>
+              </a:path>
+            </a:pathLst>
+          </a:custGeom>
+          <a:gradFill>
+            <a:gsLst>
+              <a:gs pos="0">
+                <a:srgbClr val="118FC1"/>
+              </a:gs>
+              <a:gs pos="48000">
+                <a:srgbClr val="51C1EF"/>
+              </a:gs>
+              <a:gs pos="100000">
+                <a:srgbClr val="92D9F5"/>
+              </a:gs>
+            </a:gsLst>
+            <a:lin ang="16200038" scaled="0"/>
+          </a:gradFill>
+          <a:ln>
+            <a:noFill/>
+          </a:ln>
+        </p:spPr>
+        <p:txBody>
+          <a:bodyPr spcFirstLastPara="1" wrap="square" lIns="38100" tIns="38100" rIns="38100" bIns="38100" anchor="ctr" anchorCtr="0">
+            <a:noAutofit/>
+          </a:bodyPr>
+          <a:lstStyle/>
+          <a:p>
+            <a:pPr marL="0" marR="0" lvl="0" indent="0" algn="l" rtl="0">
+              <a:spcBef>
+                <a:spcPts val="0"/>
+              </a:spcBef>
+              <a:spcAft>
+                <a:spcPts val="0"/>
+              </a:spcAft>
+              <a:buNone/>
+            </a:pPr>
+            <a:endParaRPr sz="1800">
+              <a:solidFill>
+                <a:schemeClr val="dk1"/>
+              </a:solidFill>
+              <a:latin typeface="Calibri"/>
+              <a:ea typeface="Calibri"/>
+              <a:cs typeface="Calibri"/>
+              <a:sym typeface="Calibri"/>
+            </a:endParaRPr>
+          </a:p>
+        </p:txBody>
+      </p:sp>
+      <p:sp>
+        <p:nvSpPr>
+          <p:cNvPr id="332" name="Google Shape;332;g253b21ef07d_0_0"/>
+          <p:cNvSpPr/>
+          <p:nvPr/>
+        </p:nvSpPr>
+        <p:spPr>
+          <a:xfrm>
+            <a:off x="4524325" y="1814625"/>
+            <a:ext cx="1377013" cy="1202400"/>
+          </a:xfrm>
+          <a:prstGeom prst="ellipse">
+            <a:avLst/>
+          </a:prstGeom>
+          <a:solidFill>
+            <a:schemeClr val="lt1"/>
+          </a:solidFill>
+          <a:ln>
+            <a:noFill/>
+          </a:ln>
+        </p:spPr>
+        <p:txBody>
+          <a:bodyPr spcFirstLastPara="1" wrap="square" lIns="38100" tIns="38100" rIns="38100" bIns="38100" anchor="ctr" anchorCtr="0">
+            <a:noAutofit/>
+          </a:bodyPr>
+          <a:lstStyle/>
+          <a:p>
+            <a:pPr marL="0" marR="0" lvl="0" indent="0" algn="l" rtl="0">
+              <a:spcBef>
+                <a:spcPts val="0"/>
+              </a:spcBef>
+              <a:spcAft>
+                <a:spcPts val="0"/>
+              </a:spcAft>
+              <a:buNone/>
+            </a:pPr>
+            <a:endParaRPr sz="1800">
+              <a:solidFill>
+                <a:schemeClr val="dk1"/>
+              </a:solidFill>
+              <a:latin typeface="Calibri"/>
+              <a:ea typeface="Calibri"/>
+              <a:cs typeface="Calibri"/>
+              <a:sym typeface="Calibri"/>
+            </a:endParaRPr>
+          </a:p>
+        </p:txBody>
+      </p:sp>
+      <p:sp>
+        <p:nvSpPr>
+          <p:cNvPr id="333" name="Google Shape;333;g253b21ef07d_0_0"/>
+          <p:cNvSpPr/>
+          <p:nvPr/>
+        </p:nvSpPr>
+        <p:spPr>
+          <a:xfrm>
+            <a:off x="763695" y="2457958"/>
+            <a:ext cx="1202400" cy="1202400"/>
+          </a:xfrm>
+          <a:prstGeom prst="ellipse">
+            <a:avLst/>
+          </a:prstGeom>
+          <a:solidFill>
+            <a:schemeClr val="lt1"/>
+          </a:solidFill>
+          <a:ln>
+            <a:noFill/>
+          </a:ln>
+        </p:spPr>
+        <p:txBody>
+          <a:bodyPr spcFirstLastPara="1" wrap="square" lIns="38100" tIns="38100" rIns="38100" bIns="38100" anchor="ctr" anchorCtr="0">
+            <a:noAutofit/>
+          </a:bodyPr>
+          <a:lstStyle/>
+          <a:p>
+            <a:pPr marL="0" marR="0" lvl="0" indent="0" algn="l" rtl="0">
+              <a:spcBef>
+                <a:spcPts val="0"/>
+              </a:spcBef>
+              <a:spcAft>
+                <a:spcPts val="0"/>
+              </a:spcAft>
+              <a:buNone/>
+            </a:pPr>
+            <a:endParaRPr sz="1800">
+              <a:solidFill>
+                <a:schemeClr val="dk1"/>
+              </a:solidFill>
+              <a:latin typeface="Calibri"/>
+              <a:ea typeface="Calibri"/>
+              <a:cs typeface="Calibri"/>
+              <a:sym typeface="Calibri"/>
+            </a:endParaRPr>
+          </a:p>
+        </p:txBody>
+      </p:sp>
+      <p:sp>
+        <p:nvSpPr>
+          <p:cNvPr id="334" name="Google Shape;334;g253b21ef07d_0_0"/>
+          <p:cNvSpPr/>
+          <p:nvPr/>
+        </p:nvSpPr>
+        <p:spPr>
+          <a:xfrm>
+            <a:off x="2400625" y="2238600"/>
+            <a:ext cx="2123700" cy="1874100"/>
+          </a:xfrm>
+          <a:prstGeom prst="ellipse">
+            <a:avLst/>
+          </a:prstGeom>
+          <a:solidFill>
+            <a:schemeClr val="lt1"/>
+          </a:solidFill>
+          <a:ln>
+            <a:noFill/>
+          </a:ln>
+        </p:spPr>
+        <p:txBody>
+          <a:bodyPr spcFirstLastPara="1" wrap="square" lIns="38100" tIns="38100" rIns="38100" bIns="38100" anchor="ctr" anchorCtr="0">
+            <a:noAutofit/>
+          </a:bodyPr>
+          <a:lstStyle/>
+          <a:p>
+            <a:pPr marL="0" marR="0" lvl="0" indent="0" algn="l" rtl="0">
+              <a:spcBef>
+                <a:spcPts val="0"/>
+              </a:spcBef>
+              <a:spcAft>
+                <a:spcPts val="0"/>
+              </a:spcAft>
+              <a:buNone/>
+            </a:pPr>
+            <a:endParaRPr sz="1800">
+              <a:solidFill>
+                <a:schemeClr val="dk1"/>
+              </a:solidFill>
+              <a:latin typeface="Calibri"/>
+              <a:ea typeface="Calibri"/>
+              <a:cs typeface="Calibri"/>
+              <a:sym typeface="Calibri"/>
+            </a:endParaRPr>
+          </a:p>
+        </p:txBody>
+      </p:sp>
+      <p:sp>
+        <p:nvSpPr>
+          <p:cNvPr id="335" name="Google Shape;335;g253b21ef07d_0_0"/>
+          <p:cNvSpPr/>
+          <p:nvPr/>
+        </p:nvSpPr>
+        <p:spPr>
+          <a:xfrm>
+            <a:off x="1375375" y="983925"/>
+            <a:ext cx="1593300" cy="1541100"/>
+          </a:xfrm>
+          <a:prstGeom prst="ellipse">
+            <a:avLst/>
+          </a:prstGeom>
+          <a:solidFill>
+            <a:schemeClr val="lt1"/>
+          </a:solidFill>
+          <a:ln>
+            <a:noFill/>
+          </a:ln>
+        </p:spPr>
+        <p:txBody>
+          <a:bodyPr spcFirstLastPara="1" wrap="square" lIns="38100" tIns="38100" rIns="38100" bIns="38100" anchor="ctr" anchorCtr="0">
+            <a:noAutofit/>
+          </a:bodyPr>
+          <a:lstStyle/>
+          <a:p>
+            <a:pPr marL="0" marR="0" lvl="0" indent="0" algn="l" rtl="0">
+              <a:spcBef>
+                <a:spcPts val="0"/>
+              </a:spcBef>
+              <a:spcAft>
+                <a:spcPts val="0"/>
+              </a:spcAft>
+              <a:buNone/>
+            </a:pPr>
+            <a:endParaRPr sz="1800">
+              <a:solidFill>
+                <a:schemeClr val="dk1"/>
+              </a:solidFill>
+              <a:latin typeface="Calibri"/>
+              <a:ea typeface="Calibri"/>
+              <a:cs typeface="Calibri"/>
+              <a:sym typeface="Calibri"/>
+            </a:endParaRPr>
+          </a:p>
+        </p:txBody>
+      </p:sp>
+      <p:sp>
+        <p:nvSpPr>
+          <p:cNvPr id="336" name="Google Shape;336;g253b21ef07d_0_0"/>
+          <p:cNvSpPr txBox="1"/>
+          <p:nvPr/>
+        </p:nvSpPr>
+        <p:spPr>
+          <a:xfrm>
+            <a:off x="2743225" y="2846400"/>
+            <a:ext cx="1781100" cy="708000"/>
+          </a:xfrm>
+          <a:prstGeom prst="rect">
+            <a:avLst/>
+          </a:prstGeom>
+          <a:noFill/>
+          <a:ln>
+            <a:noFill/>
+          </a:ln>
+        </p:spPr>
+        <p:txBody>
+          <a:bodyPr spcFirstLastPara="1" wrap="square" lIns="91425" tIns="91425" rIns="91425" bIns="91425" anchor="t" anchorCtr="0">
+            <a:spAutoFit/>
+          </a:bodyPr>
+          <a:lstStyle/>
+          <a:p>
+            <a:pPr marL="0" lvl="0" indent="0" algn="l" rtl="0">
+              <a:spcBef>
+                <a:spcPts val="0"/>
+              </a:spcBef>
+              <a:spcAft>
+                <a:spcPts val="0"/>
+              </a:spcAft>
+              <a:buNone/>
+            </a:pPr>
+            <a:r>
+              <a:rPr lang="en-US" sz="1700" b="1">
+                <a:latin typeface="Comic Sans MS"/>
+                <a:ea typeface="Comic Sans MS"/>
+                <a:cs typeface="Comic Sans MS"/>
+                <a:sym typeface="Comic Sans MS"/>
+              </a:rPr>
+              <a:t>DNN Model Architecture</a:t>
+            </a:r>
+            <a:endParaRPr sz="1700" b="1">
+              <a:latin typeface="Comic Sans MS"/>
+              <a:ea typeface="Comic Sans MS"/>
+              <a:cs typeface="Comic Sans MS"/>
+              <a:sym typeface="Comic Sans MS"/>
+            </a:endParaRPr>
+          </a:p>
+        </p:txBody>
+      </p:sp>
+      <p:sp>
+        <p:nvSpPr>
+          <p:cNvPr id="337" name="Google Shape;337;g253b21ef07d_0_0"/>
+          <p:cNvSpPr txBox="1"/>
+          <p:nvPr/>
+        </p:nvSpPr>
+        <p:spPr>
+          <a:xfrm>
+            <a:off x="905050" y="2835950"/>
+            <a:ext cx="1413000" cy="446400"/>
+          </a:xfrm>
+          <a:prstGeom prst="rect">
+            <a:avLst/>
+          </a:prstGeom>
+          <a:noFill/>
+          <a:ln>
+            <a:noFill/>
+          </a:ln>
+        </p:spPr>
+        <p:txBody>
+          <a:bodyPr spcFirstLastPara="1" wrap="square" lIns="91425" tIns="91425" rIns="91425" bIns="91425" anchor="t" anchorCtr="0">
+            <a:spAutoFit/>
+          </a:bodyPr>
+          <a:lstStyle/>
+          <a:p>
+            <a:pPr marL="0" lvl="0" indent="0" algn="l" rtl="0">
+              <a:spcBef>
+                <a:spcPts val="0"/>
+              </a:spcBef>
+              <a:spcAft>
+                <a:spcPts val="0"/>
+              </a:spcAft>
+              <a:buNone/>
+            </a:pPr>
+            <a:r>
+              <a:rPr lang="en-US" sz="1700" b="1">
+                <a:latin typeface="Comic Sans MS"/>
+                <a:ea typeface="Comic Sans MS"/>
+                <a:cs typeface="Comic Sans MS"/>
+                <a:sym typeface="Comic Sans MS"/>
+              </a:rPr>
+              <a:t>Layers</a:t>
+            </a:r>
+            <a:endParaRPr sz="1700" b="1">
+              <a:latin typeface="Comic Sans MS"/>
+              <a:ea typeface="Comic Sans MS"/>
+              <a:cs typeface="Comic Sans MS"/>
+              <a:sym typeface="Comic Sans MS"/>
+            </a:endParaRPr>
+          </a:p>
+        </p:txBody>
+      </p:sp>
+      <p:sp>
+        <p:nvSpPr>
+          <p:cNvPr id="338" name="Google Shape;338;g253b21ef07d_0_0"/>
+          <p:cNvSpPr txBox="1"/>
+          <p:nvPr/>
+        </p:nvSpPr>
+        <p:spPr>
+          <a:xfrm>
+            <a:off x="1496125" y="1373838"/>
+            <a:ext cx="1351800" cy="708000"/>
+          </a:xfrm>
+          <a:prstGeom prst="rect">
+            <a:avLst/>
+          </a:prstGeom>
+          <a:noFill/>
+          <a:ln>
+            <a:noFill/>
+          </a:ln>
+        </p:spPr>
+        <p:txBody>
+          <a:bodyPr spcFirstLastPara="1" wrap="square" lIns="91425" tIns="91425" rIns="91425" bIns="91425" anchor="t" anchorCtr="0">
+            <a:spAutoFit/>
+          </a:bodyPr>
+          <a:lstStyle/>
+          <a:p>
+            <a:pPr marL="0" lvl="0" indent="0" algn="l" rtl="0">
+              <a:spcBef>
+                <a:spcPts val="0"/>
+              </a:spcBef>
+              <a:spcAft>
+                <a:spcPts val="0"/>
+              </a:spcAft>
+              <a:buNone/>
+            </a:pPr>
+            <a:r>
+              <a:rPr lang="en-US" sz="1700" b="1">
+                <a:latin typeface="Comic Sans MS"/>
+                <a:ea typeface="Comic Sans MS"/>
+                <a:cs typeface="Comic Sans MS"/>
+                <a:sym typeface="Comic Sans MS"/>
+              </a:rPr>
+              <a:t>Activation Function</a:t>
+            </a:r>
+            <a:endParaRPr sz="1700" b="1">
+              <a:latin typeface="Comic Sans MS"/>
+              <a:ea typeface="Comic Sans MS"/>
+              <a:cs typeface="Comic Sans MS"/>
+              <a:sym typeface="Comic Sans MS"/>
+            </a:endParaRPr>
+          </a:p>
+        </p:txBody>
+      </p:sp>
+      <p:sp>
+        <p:nvSpPr>
+          <p:cNvPr id="339" name="Google Shape;339;g253b21ef07d_0_0"/>
+          <p:cNvSpPr txBox="1"/>
+          <p:nvPr/>
+        </p:nvSpPr>
+        <p:spPr>
+          <a:xfrm>
+            <a:off x="4589400" y="1985613"/>
+            <a:ext cx="3318000" cy="708000"/>
+          </a:xfrm>
+          <a:prstGeom prst="rect">
+            <a:avLst/>
+          </a:prstGeom>
+          <a:noFill/>
+          <a:ln>
+            <a:noFill/>
+          </a:ln>
+        </p:spPr>
+        <p:txBody>
+          <a:bodyPr spcFirstLastPara="1" wrap="square" lIns="91425" tIns="91425" rIns="91425" bIns="91425" anchor="t" anchorCtr="0">
+            <a:spAutoFit/>
+          </a:bodyPr>
+          <a:lstStyle/>
+          <a:p>
+            <a:pPr marL="0" lvl="0" indent="0" algn="l" rtl="0">
+              <a:spcBef>
+                <a:spcPts val="0"/>
+              </a:spcBef>
+              <a:spcAft>
+                <a:spcPts val="0"/>
+              </a:spcAft>
+              <a:buNone/>
+            </a:pPr>
+            <a:r>
+              <a:rPr lang="en-US" sz="1700" b="1" dirty="0">
+                <a:latin typeface="Comic Sans MS"/>
+                <a:ea typeface="Comic Sans MS"/>
+                <a:cs typeface="Comic Sans MS"/>
+                <a:sym typeface="Comic Sans MS"/>
+              </a:rPr>
+              <a:t>Hyper-</a:t>
+            </a:r>
+            <a:endParaRPr sz="1700" b="1" dirty="0">
+              <a:latin typeface="Comic Sans MS"/>
+              <a:ea typeface="Comic Sans MS"/>
+              <a:cs typeface="Comic Sans MS"/>
+              <a:sym typeface="Comic Sans MS"/>
+            </a:endParaRPr>
+          </a:p>
+          <a:p>
+            <a:pPr marL="0" lvl="0" indent="0" algn="l" rtl="0">
+              <a:spcBef>
+                <a:spcPts val="0"/>
+              </a:spcBef>
+              <a:spcAft>
+                <a:spcPts val="0"/>
+              </a:spcAft>
+              <a:buNone/>
+            </a:pPr>
+            <a:r>
+              <a:rPr lang="en-US" sz="1700" b="1" dirty="0">
+                <a:latin typeface="Comic Sans MS"/>
+                <a:ea typeface="Comic Sans MS"/>
+                <a:cs typeface="Comic Sans MS"/>
+                <a:sym typeface="Comic Sans MS"/>
+              </a:rPr>
+              <a:t>parameters</a:t>
+            </a:r>
+            <a:endParaRPr sz="1700" b="1" dirty="0">
+              <a:latin typeface="Comic Sans MS"/>
+              <a:ea typeface="Comic Sans MS"/>
+              <a:cs typeface="Comic Sans MS"/>
+              <a:sym typeface="Comic Sans MS"/>
+            </a:endParaRPr>
+          </a:p>
+        </p:txBody>
+      </p:sp>
+      <p:pic>
+        <p:nvPicPr>
+          <p:cNvPr id="340" name="Google Shape;340;g253b21ef07d_0_0"/>
+          <p:cNvPicPr preferRelativeResize="0"/>
+          <p:nvPr/>
+        </p:nvPicPr>
+        <p:blipFill>
+          <a:blip r:embed="rId3">
+            <a:alphaModFix/>
+          </a:blip>
+          <a:stretch>
+            <a:fillRect/>
+          </a:stretch>
+        </p:blipFill>
+        <p:spPr>
+          <a:xfrm>
+            <a:off x="217300" y="4419775"/>
+            <a:ext cx="3059300" cy="2252246"/>
+          </a:xfrm>
+          <a:prstGeom prst="rect">
+            <a:avLst/>
+          </a:prstGeom>
+          <a:noFill/>
+          <a:ln>
+            <a:noFill/>
+          </a:ln>
+        </p:spPr>
+      </p:pic>
+      <p:pic>
+        <p:nvPicPr>
+          <p:cNvPr id="341" name="Google Shape;341;g253b21ef07d_0_0"/>
+          <p:cNvPicPr preferRelativeResize="0"/>
+          <p:nvPr/>
+        </p:nvPicPr>
+        <p:blipFill>
+          <a:blip r:embed="rId4">
+            <a:alphaModFix/>
+          </a:blip>
+          <a:stretch>
+            <a:fillRect/>
+          </a:stretch>
+        </p:blipFill>
+        <p:spPr>
+          <a:xfrm>
+            <a:off x="3562558" y="4436600"/>
+            <a:ext cx="2741841" cy="2149000"/>
+          </a:xfrm>
+          <a:prstGeom prst="rect">
+            <a:avLst/>
+          </a:prstGeom>
+          <a:noFill/>
+          <a:ln>
+            <a:noFill/>
+          </a:ln>
+        </p:spPr>
+      </p:pic>
+      <p:pic>
+        <p:nvPicPr>
+          <p:cNvPr id="342" name="Google Shape;342;g253b21ef07d_0_0"/>
+          <p:cNvPicPr preferRelativeResize="0"/>
+          <p:nvPr/>
+        </p:nvPicPr>
+        <p:blipFill>
+          <a:blip r:embed="rId5">
+            <a:alphaModFix/>
+          </a:blip>
+          <a:stretch>
+            <a:fillRect/>
+          </a:stretch>
+        </p:blipFill>
+        <p:spPr>
+          <a:xfrm>
+            <a:off x="6619618" y="1457025"/>
+            <a:ext cx="4950357" cy="2149000"/>
+          </a:xfrm>
+          <a:prstGeom prst="rect">
+            <a:avLst/>
+          </a:prstGeom>
+          <a:noFill/>
+          <a:ln>
+            <a:noFill/>
+          </a:ln>
+        </p:spPr>
+      </p:pic>
+      <p:pic>
+        <p:nvPicPr>
+          <p:cNvPr id="343" name="Google Shape;343;g253b21ef07d_0_0"/>
+          <p:cNvPicPr preferRelativeResize="0"/>
+          <p:nvPr/>
+        </p:nvPicPr>
+        <p:blipFill>
+          <a:blip r:embed="rId6">
+            <a:alphaModFix/>
+          </a:blip>
+          <a:stretch>
+            <a:fillRect/>
+          </a:stretch>
+        </p:blipFill>
+        <p:spPr>
+          <a:xfrm>
+            <a:off x="6611017" y="4112700"/>
+            <a:ext cx="5068808" cy="2252250"/>
+          </a:xfrm>
+          <a:prstGeom prst="rect">
+            <a:avLst/>
+          </a:prstGeom>
+          <a:noFill/>
+          <a:ln>
+            <a:noFill/>
+          </a:ln>
+        </p:spPr>
+      </p:pic>
+    </p:spTree>
+  </p:cSld>
+  <p:clrMapOvr>
+    <a:masterClrMapping/>
+  </p:clrMapOvr>
+  <p:timing>
+    <p:tnLst>
+      <p:par>
+        <p:cTn id="1" dur="indefinite" restart="never" nodeType="tmRoot">
+          <p:childTnLst>
+            <p:seq concurrent="1" nextAc="seek">
+              <p:cTn id="2" dur="indefinite" nodeType="mainSeq">
+                <p:childTnLst>
+                  <p:par>
+                    <p:cTn id="3" fill="hold">
+                      <p:stCondLst>
+                        <p:cond delay="indefinite"/>
+                      </p:stCondLst>
+                      <p:childTnLst>
+                        <p:par>
+                          <p:cTn id="4" fill="hold">
+                            <p:stCondLst>
+                              <p:cond delay="0"/>
+                            </p:stCondLst>
+                            <p:childTnLst>
+                              <p:par>
+                                <p:cTn id="5" presetID="1" presetClass="entr" presetSubtype="0" fill="hold" nodeType="clickEffect">
+                                  <p:stCondLst>
+                                    <p:cond delay="0"/>
+                                  </p:stCondLst>
+                                  <p:childTnLst>
+                                    <p:set>
+                                      <p:cBhvr>
+                                        <p:cTn id="6" dur="1" fill="hold">
+                                          <p:stCondLst>
+                                            <p:cond delay="0"/>
+                                          </p:stCondLst>
+                                        </p:cTn>
+                                        <p:tgtEl>
+                                          <p:spTgt spid="341"/>
+                                        </p:tgtEl>
+                                        <p:attrNameLst>
+                                          <p:attrName>style.visibility</p:attrName>
+                                        </p:attrNameLst>
+                                      </p:cBhvr>
+                                      <p:to>
+                                        <p:strVal val="visible"/>
+                                      </p:to>
+                                    </p:set>
+                                  </p:childTnLst>
+                                </p:cTn>
+                              </p:par>
+                            </p:childTnLst>
+                          </p:cTn>
+                        </p:par>
+                      </p:childTnLst>
+                    </p:cTn>
+                  </p:par>
+                  <p:par>
+                    <p:cTn id="7" fill="hold">
+                      <p:stCondLst>
+                        <p:cond delay="indefinite"/>
+                      </p:stCondLst>
+                      <p:childTnLst>
+                        <p:par>
+                          <p:cTn id="8" fill="hold">
+                            <p:stCondLst>
+                              <p:cond delay="0"/>
+                            </p:stCondLst>
+                            <p:childTnLst>
+                              <p:par>
+                                <p:cTn id="9" presetID="1" presetClass="entr" presetSubtype="0" fill="hold" nodeType="clickEffect">
+                                  <p:stCondLst>
+                                    <p:cond delay="0"/>
+                                  </p:stCondLst>
+                                  <p:childTnLst>
+                                    <p:set>
+                                      <p:cBhvr>
+                                        <p:cTn id="10" dur="1" fill="hold">
+                                          <p:stCondLst>
+                                            <p:cond delay="0"/>
+                                          </p:stCondLst>
+                                        </p:cTn>
+                                        <p:tgtEl>
+                                          <p:spTgt spid="342"/>
+                                        </p:tgtEl>
+                                        <p:attrNameLst>
+                                          <p:attrName>style.visibility</p:attrName>
+                                        </p:attrNameLst>
+                                      </p:cBhvr>
+                                      <p:to>
+                                        <p:strVal val="visible"/>
+                                      </p:to>
+                                    </p:set>
+                                  </p:childTnLst>
+                                </p:cTn>
+                              </p:par>
+                            </p:childTnLst>
+                          </p:cTn>
+                        </p:par>
+                      </p:childTnLst>
+                    </p:cTn>
+                  </p:par>
+                  <p:par>
+                    <p:cTn id="11" fill="hold">
+                      <p:stCondLst>
+                        <p:cond delay="indefinite"/>
+                      </p:stCondLst>
+                      <p:childTnLst>
+                        <p:par>
+                          <p:cTn id="12" fill="hold">
+                            <p:stCondLst>
+                              <p:cond delay="0"/>
+                            </p:stCondLst>
+                            <p:childTnLst>
+                              <p:par>
+                                <p:cTn id="13" presetID="1" presetClass="entr" presetSubtype="0" fill="hold" nodeType="clickEffect">
+                                  <p:stCondLst>
+                                    <p:cond delay="0"/>
+                                  </p:stCondLst>
+                                  <p:childTnLst>
+                                    <p:set>
+                                      <p:cBhvr>
+                                        <p:cTn id="14" dur="1" fill="hold">
+                                          <p:stCondLst>
+                                            <p:cond delay="0"/>
+                                          </p:stCondLst>
+                                        </p:cTn>
+                                        <p:tgtEl>
+                                          <p:spTgt spid="343"/>
+                                        </p:tgtEl>
+                                        <p:attrNameLst>
+                                          <p:attrName>style.visibility</p:attrName>
+                                        </p:attrNameLst>
+                                      </p:cBhvr>
+                                      <p:to>
+                                        <p:strVal val="visible"/>
+                                      </p:to>
+                                    </p:set>
+                                  </p:childTnLst>
+                                </p:cTn>
+                              </p:par>
+                            </p:childTnLst>
+                          </p:cTn>
+                        </p:par>
+                      </p:childTnLst>
+                    </p:cTn>
+                  </p:par>
+                  <p:par>
+                    <p:cTn id="15" fill="hold">
+                      <p:stCondLst>
+                        <p:cond delay="indefinite"/>
+                      </p:stCondLst>
+                      <p:childTnLst>
+                        <p:par>
+                          <p:cTn id="16" fill="hold">
+                            <p:stCondLst>
+                              <p:cond delay="0"/>
+                            </p:stCondLst>
+                            <p:childTnLst>
+                              <p:par>
+                                <p:cTn id="17" presetID="1" presetClass="entr" presetSubtype="0" fill="hold" nodeType="clickEffect">
+                                  <p:stCondLst>
+                                    <p:cond delay="0"/>
+                                  </p:stCondLst>
+                                  <p:childTnLst>
+                                    <p:set>
+                                      <p:cBhvr>
+                                        <p:cTn id="18" dur="1" fill="hold">
+                                          <p:stCondLst>
+                                            <p:cond delay="0"/>
+                                          </p:stCondLst>
+                                        </p:cTn>
+                                        <p:tgtEl>
+                                          <p:spTgt spid="340"/>
+                                        </p:tgtEl>
+                                        <p:attrNameLst>
+                                          <p:attrName>style.visibility</p:attrName>
+                                        </p:attrNameLst>
+                                      </p:cBhvr>
+                                      <p:to>
+                                        <p:strVal val="visible"/>
+                                      </p:to>
+                                    </p:set>
+                                  </p:childTnLst>
+                                </p:cTn>
+                              </p:par>
+                            </p:childTnLst>
+                          </p:cTn>
+                        </p:par>
+                      </p:childTnLst>
+                    </p:cTn>
+                  </p:par>
+                </p:childTnLst>
+              </p:cTn>
+              <p:prevCondLst>
+                <p:cond evt="onPrev" delay="0">
+                  <p:tgtEl>
+                    <p:sldTgt/>
+                  </p:tgtEl>
+                </p:cond>
+              </p:prevCondLst>
+              <p:nextCondLst>
+                <p:cond evt="onNext" delay="0">
+                  <p:tgtEl>
+                    <p:sldTgt/>
+                  </p:tgtEl>
+                </p:cond>
+              </p:nextCondLst>
+            </p:seq>
+          </p:childTnLst>
+        </p:cTn>
+      </p:par>
+    </p:tnLst>
+  </p:timing>
+</p:sld>
+</file>
+
+<file path=ppt/slides/slide7.xml><?xml version="1.0" encoding="utf-8"?>
 <p:sld xmlns:a="http://schemas.openxmlformats.org/drawingml/2006/main" xmlns:r="http://schemas.openxmlformats.org/officeDocument/2006/relationships" xmlns:p="http://schemas.openxmlformats.org/presentationml/2006/main">
   <p:cSld>
     <p:spTree>

--- a/Presentation.pptx
+++ b/Presentation.pptx
@@ -43075,67 +43075,69 @@
         </p:nvSpPr>
         <p:spPr/>
         <p:txBody>
-          <a:bodyPr/>
+          <a:bodyPr>
+            <a:normAutofit/>
+          </a:bodyPr>
           <a:lstStyle/>
           <a:p>
             <a:r>
-              <a:rPr lang="en-GB" sz="1800" dirty="0">
+              <a:rPr lang="en-GB" sz="1400" dirty="0">
                 <a:effectLst/>
                 <a:latin typeface="LinLibertineT"/>
               </a:rPr>
               <a:t> “Adult census income,” </a:t>
             </a:r>
             <a:r>
-              <a:rPr lang="en-GB" sz="1800" dirty="0" err="1">
+              <a:rPr lang="en-GB" sz="1400" dirty="0" err="1">
                 <a:effectLst/>
                 <a:latin typeface="LinLibertineTI"/>
               </a:rPr>
               <a:t>kaggle</a:t>
             </a:r>
             <a:r>
-              <a:rPr lang="en-GB" sz="1800" dirty="0">
+              <a:rPr lang="en-GB" sz="1400" dirty="0">
                 <a:effectLst/>
                 <a:latin typeface="LinLibertineT"/>
               </a:rPr>
               <a:t>, https://</a:t>
             </a:r>
             <a:r>
-              <a:rPr lang="en-GB" sz="1800" dirty="0" err="1">
+              <a:rPr lang="en-GB" sz="1400" dirty="0" err="1">
                 <a:effectLst/>
                 <a:latin typeface="LinLibertineT"/>
               </a:rPr>
               <a:t>www.kaggle.com</a:t>
             </a:r>
             <a:r>
-              <a:rPr lang="en-GB" sz="1800" dirty="0">
+              <a:rPr lang="en-GB" sz="1400" dirty="0">
                 <a:effectLst/>
                 <a:latin typeface="LinLibertineT"/>
               </a:rPr>
               <a:t>/datasets/</a:t>
             </a:r>
             <a:r>
-              <a:rPr lang="en-GB" sz="1800" dirty="0" err="1">
+              <a:rPr lang="en-GB" sz="1400" dirty="0" err="1">
                 <a:effectLst/>
                 <a:latin typeface="LinLibertineT"/>
               </a:rPr>
               <a:t>uciml</a:t>
             </a:r>
             <a:r>
-              <a:rPr lang="en-GB" sz="1800" dirty="0">
+              <a:rPr lang="en-GB" sz="1400" dirty="0">
                 <a:effectLst/>
                 <a:latin typeface="LinLibertineT"/>
               </a:rPr>
               <a:t>/adult- census- </a:t>
             </a:r>
             <a:r>
-              <a:rPr lang="en-GB" sz="1800" dirty="0" err="1">
+              <a:rPr lang="en-GB" sz="1400" dirty="0" err="1">
                 <a:effectLst/>
                 <a:latin typeface="LinLibertineT"/>
               </a:rPr>
               <a:t>income?resource</a:t>
             </a:r>
             <a:r>
-              <a:rPr lang="en-GB" sz="1800" dirty="0">
+              <a:rPr lang="en-GB" sz="1400" dirty="0">
                 <a:effectLst/>
                 <a:latin typeface="LinLibertineT"/>
               </a:rPr>
@@ -43144,137 +43146,220 @@
           </a:p>
           <a:p>
             <a:r>
-              <a:rPr lang="en-GB" sz="1800" dirty="0">
+              <a:rPr lang="en-GB" sz="1400" dirty="0">
                 <a:effectLst/>
                 <a:latin typeface="LinLibertineT"/>
               </a:rPr>
               <a:t>“Handling missing data,” </a:t>
             </a:r>
             <a:r>
-              <a:rPr lang="en-GB" sz="1800" dirty="0">
+              <a:rPr lang="en-GB" sz="1400" dirty="0">
                 <a:effectLst/>
                 <a:latin typeface="LinLibertineTI"/>
               </a:rPr>
               <a:t>scikit-learn documentation</a:t>
             </a:r>
             <a:r>
-              <a:rPr lang="en-GB" sz="1800" dirty="0">
+              <a:rPr lang="en-GB" sz="1400" dirty="0">
                 <a:effectLst/>
                 <a:latin typeface="LinLibertineT"/>
               </a:rPr>
               <a:t>, 2023, https://scikit-learn. org/stable/modules/</a:t>
             </a:r>
             <a:r>
-              <a:rPr lang="en-GB" sz="1800" dirty="0" err="1">
+              <a:rPr lang="en-GB" sz="1400" dirty="0" err="1">
                 <a:effectLst/>
                 <a:latin typeface="LinLibertineT"/>
               </a:rPr>
               <a:t>impute.html</a:t>
             </a:r>
             <a:r>
-              <a:rPr lang="en-GB" sz="1800" dirty="0">
+              <a:rPr lang="en-GB" sz="1400" dirty="0">
                 <a:effectLst/>
                 <a:latin typeface="LinLibertineT"/>
               </a:rPr>
               <a:t>. </a:t>
             </a:r>
-            <a:endParaRPr lang="en-GB" dirty="0">
+            <a:endParaRPr lang="en-GB" sz="1400" dirty="0">
               <a:effectLst/>
             </a:endParaRPr>
           </a:p>
           <a:p>
             <a:r>
-              <a:rPr lang="en-GB" sz="1800" dirty="0">
+              <a:rPr lang="en-GB" sz="1400" dirty="0">
                 <a:effectLst/>
                 <a:latin typeface="LinLibertineT"/>
               </a:rPr>
               <a:t>D. </a:t>
             </a:r>
             <a:r>
-              <a:rPr lang="en-GB" sz="1800" dirty="0" err="1">
+              <a:rPr lang="en-GB" sz="1400" dirty="0" err="1">
                 <a:effectLst/>
                 <a:latin typeface="LinLibertineT"/>
               </a:rPr>
               <a:t>Omidvar</a:t>
             </a:r>
             <a:r>
-              <a:rPr lang="en-GB" sz="1800" dirty="0">
+              <a:rPr lang="en-GB" sz="1400" dirty="0">
                 <a:effectLst/>
                 <a:latin typeface="LinLibertineT"/>
               </a:rPr>
               <a:t>, N. </a:t>
             </a:r>
             <a:r>
-              <a:rPr lang="en-GB" sz="1800" dirty="0" err="1">
+              <a:rPr lang="en-GB" sz="1400" dirty="0" err="1">
                 <a:effectLst/>
                 <a:latin typeface="LinLibertineT"/>
               </a:rPr>
               <a:t>Tavakolian</a:t>
             </a:r>
             <a:r>
-              <a:rPr lang="en-GB" sz="1800" dirty="0">
+              <a:rPr lang="en-GB" sz="1400" dirty="0">
                 <a:effectLst/>
                 <a:latin typeface="LinLibertineT"/>
               </a:rPr>
               <a:t>, N. </a:t>
             </a:r>
             <a:r>
-              <a:rPr lang="en-GB" sz="1800" dirty="0" err="1">
+              <a:rPr lang="en-GB" sz="1400" dirty="0" err="1">
                 <a:effectLst/>
                 <a:latin typeface="LinLibertineT"/>
               </a:rPr>
               <a:t>Naseri</a:t>
             </a:r>
             <a:r>
-              <a:rPr lang="en-GB" sz="1800" dirty="0">
+              <a:rPr lang="en-GB" sz="1400" dirty="0">
                 <a:effectLst/>
                 <a:latin typeface="LinLibertineT"/>
               </a:rPr>
               <a:t>, and S. H. Hosseini, “Project </a:t>
             </a:r>
             <a:r>
-              <a:rPr lang="en-GB" sz="1800" dirty="0" err="1">
+              <a:rPr lang="en-GB" sz="1400" dirty="0" err="1">
                 <a:effectLst/>
                 <a:latin typeface="LinLibertineT"/>
               </a:rPr>
               <a:t>github</a:t>
             </a:r>
             <a:r>
-              <a:rPr lang="en-GB" sz="1800" dirty="0">
+              <a:rPr lang="en-GB" sz="1400" dirty="0">
                 <a:effectLst/>
                 <a:latin typeface="LinLibertineT"/>
               </a:rPr>
               <a:t>,” https: //</a:t>
             </a:r>
             <a:r>
-              <a:rPr lang="en-GB" sz="1800" dirty="0" err="1">
+              <a:rPr lang="en-GB" sz="1400" dirty="0" err="1">
                 <a:effectLst/>
                 <a:latin typeface="LinLibertineT"/>
               </a:rPr>
               <a:t>github.com</a:t>
             </a:r>
             <a:r>
-              <a:rPr lang="en-GB" sz="1800" dirty="0">
+              <a:rPr lang="en-GB" sz="1400" dirty="0">
                 <a:effectLst/>
                 <a:latin typeface="LinLibertineT"/>
               </a:rPr>
               <a:t>/</a:t>
             </a:r>
             <a:r>
-              <a:rPr lang="en-GB" sz="1800" dirty="0" err="1">
+              <a:rPr lang="en-GB" sz="1400" dirty="0" err="1">
                 <a:effectLst/>
                 <a:latin typeface="LinLibertineT"/>
               </a:rPr>
               <a:t>dinaomidvartehrani</a:t>
             </a:r>
             <a:r>
-              <a:rPr lang="en-GB" sz="1800" dirty="0">
+              <a:rPr lang="en-GB" sz="1400" dirty="0">
                 <a:effectLst/>
                 <a:latin typeface="LinLibertineT"/>
               </a:rPr>
               <a:t>/Applied- AI- .git. </a:t>
             </a:r>
-            <a:endParaRPr lang="en-GB" dirty="0">
+          </a:p>
+          <a:p>
+            <a:r>
+              <a:rPr lang="en-GB" sz="1400" dirty="0">
+                <a:effectLst/>
+                <a:latin typeface="LinLibertineT"/>
+              </a:rPr>
+              <a:t>“Resampling methods,” </a:t>
+            </a:r>
+            <a:r>
+              <a:rPr lang="en-GB" sz="1400" dirty="0">
+                <a:effectLst/>
+                <a:latin typeface="LinLibertineTI"/>
+              </a:rPr>
+              <a:t>scikit-learn documentation</a:t>
+            </a:r>
+            <a:r>
+              <a:rPr lang="en-GB" sz="1400" dirty="0">
+                <a:effectLst/>
+                <a:latin typeface="LinLibertineT"/>
+              </a:rPr>
+              <a:t>, 2023, https://scikit-learn. org/stable/modules/</a:t>
+            </a:r>
+            <a:r>
+              <a:rPr lang="en-GB" sz="1400" dirty="0" err="1">
+                <a:effectLst/>
+                <a:latin typeface="LinLibertineT"/>
+              </a:rPr>
+              <a:t>classes.html#module</a:t>
+            </a:r>
+            <a:r>
+              <a:rPr lang="en-GB" sz="1400" dirty="0">
+                <a:effectLst/>
+                <a:latin typeface="LinLibertineT"/>
+              </a:rPr>
+              <a:t>- </a:t>
+            </a:r>
+            <a:r>
+              <a:rPr lang="en-GB" sz="1400" dirty="0" err="1">
+                <a:effectLst/>
+                <a:latin typeface="LinLibertineT"/>
+              </a:rPr>
+              <a:t>sklearn.utils</a:t>
+            </a:r>
+            <a:r>
+              <a:rPr lang="en-GB" sz="1400" dirty="0">
+                <a:effectLst/>
+                <a:latin typeface="LinLibertineT"/>
+              </a:rPr>
+              <a:t>. </a:t>
+            </a:r>
+            <a:endParaRPr lang="en-GB" sz="1400" dirty="0">
+              <a:effectLst/>
+            </a:endParaRPr>
+          </a:p>
+          <a:p>
+            <a:r>
+              <a:rPr lang="en-GB" sz="1400" dirty="0">
+                <a:effectLst/>
+                <a:latin typeface="LinLibertineT"/>
+              </a:rPr>
+              <a:t>J. Brownlee, “Why one-hot encode data in machine learning?” 2020, https://</a:t>
+            </a:r>
+            <a:r>
+              <a:rPr lang="en-GB" sz="1400" dirty="0" err="1">
+                <a:effectLst/>
+                <a:latin typeface="LinLibertineT"/>
+              </a:rPr>
+              <a:t>machinelearningmastery.com</a:t>
+            </a:r>
+            <a:r>
+              <a:rPr lang="en-GB" sz="1400" dirty="0">
+                <a:effectLst/>
+                <a:latin typeface="LinLibertineT"/>
+              </a:rPr>
+              <a:t>/why-one-hot-encode-data-in-machine- learning/. </a:t>
+            </a:r>
+            <a:endParaRPr lang="en-GB" sz="1400" dirty="0"/>
+          </a:p>
+          <a:p>
+            <a:pPr marL="0" indent="0">
+              <a:buNone/>
+            </a:pPr>
+            <a:endParaRPr lang="en-GB" sz="1200" dirty="0">
               <a:effectLst/>
             </a:endParaRPr>
           </a:p>
@@ -43282,12 +43367,12 @@
             <a:pPr marL="0" indent="0">
               <a:buNone/>
             </a:pPr>
-            <a:endParaRPr lang="en-GB" dirty="0">
+            <a:endParaRPr lang="en-GB" sz="1200" dirty="0">
               <a:effectLst/>
             </a:endParaRPr>
           </a:p>
           <a:p>
-            <a:endParaRPr lang="en-NO" dirty="0"/>
+            <a:endParaRPr lang="en-NO" sz="1200" dirty="0"/>
           </a:p>
         </p:txBody>
       </p:sp>

--- a/Presentation.pptx
+++ b/Presentation.pptx
@@ -3506,8 +3506,8 @@
     <dgm:cxn modelId="{7A601D28-5B8F-1644-BF6F-C8421E98D142}" srcId="{2C12ECFD-7935-C44E-B4E8-10D7B0C409B0}" destId="{94658F79-AA86-7A43-B4D0-29FF79958936}" srcOrd="0" destOrd="0" parTransId="{9D1F1708-4BCD-9D4E-94CE-281F7EC9E68B}" sibTransId="{49C4B526-2B7B-DE43-AD6B-56A5EB1C1563}"/>
     <dgm:cxn modelId="{92EB072F-293E-7A42-BD27-72DD550CA33D}" srcId="{2C12ECFD-7935-C44E-B4E8-10D7B0C409B0}" destId="{2CAAEA0B-F825-A34F-8673-706860AAB33C}" srcOrd="2" destOrd="0" parTransId="{6AC3CF5B-ACE7-5045-9376-2B8E19923569}" sibTransId="{DD69B42D-F9EB-3640-B66D-79DD1B649E42}"/>
     <dgm:cxn modelId="{43379E30-2B7E-1343-82CF-66E6391C6BDC}" type="presOf" srcId="{D7D838F9-3E7B-1348-90F6-64B0AAFD33EE}" destId="{A82E2351-2FAC-F743-8242-0E1180BDED0A}" srcOrd="0" destOrd="0" presId="urn:microsoft.com/office/officeart/2005/8/layout/chevron2"/>
+    <dgm:cxn modelId="{3A900566-E819-C341-A7E4-823EA04D88DE}" srcId="{94658F79-AA86-7A43-B4D0-29FF79958936}" destId="{5EA931B8-FF8E-5C4C-8776-CB4C75A97135}" srcOrd="0" destOrd="0" parTransId="{F1C03D0F-5DFC-8E42-985D-F2FECE0E4317}" sibTransId="{D4EAED0B-D030-1747-9A19-0E35E77F6584}"/>
     <dgm:cxn modelId="{ECD7DD51-A0B9-5E44-9C60-07550E0664D8}" srcId="{2CAAEA0B-F825-A34F-8673-706860AAB33C}" destId="{A2E33774-D224-2C4D-A186-6519CFDF99D3}" srcOrd="0" destOrd="0" parTransId="{75C1AB96-1F20-DE4E-AABA-94784041462D}" sibTransId="{6BB0CE83-8751-FB45-AD0E-63E1A914AC32}"/>
-    <dgm:cxn modelId="{3A900566-E819-C341-A7E4-823EA04D88DE}" srcId="{94658F79-AA86-7A43-B4D0-29FF79958936}" destId="{5EA931B8-FF8E-5C4C-8776-CB4C75A97135}" srcOrd="0" destOrd="0" parTransId="{F1C03D0F-5DFC-8E42-985D-F2FECE0E4317}" sibTransId="{D4EAED0B-D030-1747-9A19-0E35E77F6584}"/>
     <dgm:cxn modelId="{E1DD4683-1BB3-5546-AA80-0D55E2756489}" srcId="{2C12ECFD-7935-C44E-B4E8-10D7B0C409B0}" destId="{7E09BA94-69DD-3740-985F-5FEAAF425051}" srcOrd="1" destOrd="0" parTransId="{108852F6-6C1F-8F4B-A0FF-893AD419BA9A}" sibTransId="{B7478BC4-4329-414C-9F1B-27BA6172BD73}"/>
     <dgm:cxn modelId="{66B6CDAC-5601-144C-9860-5C3CE929B294}" type="presOf" srcId="{2C12ECFD-7935-C44E-B4E8-10D7B0C409B0}" destId="{D4EC1D79-F10E-BC43-8DDF-9B516845C539}" srcOrd="0" destOrd="0" presId="urn:microsoft.com/office/officeart/2005/8/layout/chevron2"/>
     <dgm:cxn modelId="{4B283BC6-23DC-924F-A4C9-2FCD97163817}" type="presOf" srcId="{A2E33774-D224-2C4D-A186-6519CFDF99D3}" destId="{0E5FEC16-B61E-B145-BFAB-D1039B5F7697}" srcOrd="0" destOrd="0" presId="urn:microsoft.com/office/officeart/2005/8/layout/chevron2"/>
@@ -3897,9 +3897,9 @@
     <dgm:cxn modelId="{A1AF5A26-DC4E-9649-A3EB-20A9CEA38470}" srcId="{D309F7A8-DF9C-F647-8A07-9EEF2E51F149}" destId="{F0A33C00-8F72-964B-B2BB-E26773E56557}" srcOrd="0" destOrd="0" parTransId="{0F368DDF-4D4F-BB4B-BBA3-E4FD653BDAF8}" sibTransId="{2F1305DC-0B8A-7146-A8EC-B70D87FEB46D}"/>
     <dgm:cxn modelId="{92FA8633-4DC5-7A4B-96A5-2A8EA3218DAD}" type="presOf" srcId="{F0A33C00-8F72-964B-B2BB-E26773E56557}" destId="{7ECD0F86-4C78-B644-9AE9-F579DC96FF75}" srcOrd="0" destOrd="0" presId="urn:microsoft.com/office/officeart/2005/8/layout/StepDownProcess"/>
     <dgm:cxn modelId="{42F5B43D-35B3-ED48-89D8-ED60C8D19686}" srcId="{D309F7A8-DF9C-F647-8A07-9EEF2E51F149}" destId="{29E60E1E-CF67-5545-B777-3381CE8A0B94}" srcOrd="2" destOrd="0" parTransId="{7475ECA2-8752-3446-8B34-85E1105FA2BD}" sibTransId="{044144AD-5362-4D4E-ADD3-CB6534A054A9}"/>
-    <dgm:cxn modelId="{E0FE1141-B281-F540-BB95-E92AAFF41EB4}" type="presOf" srcId="{102F201C-C696-5A43-938B-2F01A89EC4A2}" destId="{B3E9FAE6-8A82-A447-AFE9-93CC58DD35B7}" srcOrd="0" destOrd="0" presId="urn:microsoft.com/office/officeart/2005/8/layout/StepDownProcess"/>
     <dgm:cxn modelId="{C7293F5B-5D63-F946-97B9-8425B26097CA}" type="presOf" srcId="{3CB8E34E-003A-504D-BB5F-9D87D487BD62}" destId="{E11F0AD5-5449-C149-B816-AD1E9B6FE45F}" srcOrd="0" destOrd="0" presId="urn:microsoft.com/office/officeart/2005/8/layout/StepDownProcess"/>
     <dgm:cxn modelId="{CDC8E35E-E097-2F48-A0FF-CDEF4F72CCA8}" type="presOf" srcId="{E367D378-21CA-D747-8226-584A780A0753}" destId="{DB861F52-90ED-6C41-8D59-1B8E567F04DB}" srcOrd="0" destOrd="0" presId="urn:microsoft.com/office/officeart/2005/8/layout/StepDownProcess"/>
+    <dgm:cxn modelId="{E0FE1141-B281-F540-BB95-E92AAFF41EB4}" type="presOf" srcId="{102F201C-C696-5A43-938B-2F01A89EC4A2}" destId="{B3E9FAE6-8A82-A447-AFE9-93CC58DD35B7}" srcOrd="0" destOrd="0" presId="urn:microsoft.com/office/officeart/2005/8/layout/StepDownProcess"/>
     <dgm:cxn modelId="{0148466D-0E18-514E-B5C3-DDED61F1CE03}" type="presOf" srcId="{F638AF2D-9B3E-7B40-9326-4479C29BD191}" destId="{93A5AB16-CBAB-4E46-907B-2F563095902A}" srcOrd="0" destOrd="0" presId="urn:microsoft.com/office/officeart/2005/8/layout/StepDownProcess"/>
     <dgm:cxn modelId="{4F606594-5064-D84D-BDF7-8851C609E9EB}" srcId="{29E60E1E-CF67-5545-B777-3381CE8A0B94}" destId="{F638AF2D-9B3E-7B40-9326-4479C29BD191}" srcOrd="0" destOrd="0" parTransId="{28FD4A03-3F03-2A46-A2E2-F58A6D98FD5E}" sibTransId="{AEB21EDA-FC90-C941-B8D6-DBDC49AC2665}"/>
     <dgm:cxn modelId="{6904A695-FB3D-8049-9E9E-06B25EB10FD3}" type="presOf" srcId="{29E60E1E-CF67-5545-B777-3381CE8A0B94}" destId="{3A279212-B1B0-384E-A8E0-3398794D9DF3}" srcOrd="0" destOrd="0" presId="urn:microsoft.com/office/officeart/2005/8/layout/StepDownProcess"/>
@@ -4853,13 +4853,13 @@
     <dgm:cxn modelId="{B8E8502F-71C0-CA43-B0FC-7341C51E9D36}" type="presOf" srcId="{49973049-313E-AA47-A326-B8C404868CEB}" destId="{D11A3A8D-A4DF-844A-9922-2C8335C8431F}" srcOrd="0" destOrd="0" presId="urn:microsoft.com/office/officeart/2005/8/layout/vList5"/>
     <dgm:cxn modelId="{3DAB1639-2994-C64C-B3AC-DCF33F65ADDA}" srcId="{AB9F54BB-AD31-B54C-B661-41DF090A5600}" destId="{010A435A-814F-C640-9421-BC790482DFFD}" srcOrd="1" destOrd="0" parTransId="{AA572B3E-E9D1-1B40-AC21-1D617B371D68}" sibTransId="{0508AFA3-3532-FB42-A6E4-3741ED62D9F5}"/>
     <dgm:cxn modelId="{1B1E533C-B5B4-A544-9887-76DB02B56702}" type="presOf" srcId="{99F34494-85E8-504E-9885-ED3D3BF69EB8}" destId="{B74562FE-4F46-124E-9D5A-4722DE0586B6}" srcOrd="0" destOrd="2" presId="urn:microsoft.com/office/officeart/2005/8/layout/vList5"/>
+    <dgm:cxn modelId="{71B5B95B-A89B-DF4E-A092-CF44A30B96B2}" srcId="{AB9F54BB-AD31-B54C-B661-41DF090A5600}" destId="{498CF8C3-4572-1047-9DB3-3BE8B06F17F4}" srcOrd="4" destOrd="0" parTransId="{5AC63EAA-9D07-3047-8E78-BF77450F3D0B}" sibTransId="{0ABE1082-958D-3B43-A947-B51F5043DC6A}"/>
     <dgm:cxn modelId="{60DC4E43-5F6E-5141-9987-7414686B0145}" srcId="{9F65ABA9-81A7-FF44-8BF6-FDDF03CFE4A0}" destId="{8507490D-D8BE-554C-BE2A-13EC4A93BE4C}" srcOrd="0" destOrd="0" parTransId="{486C507F-50E1-1F4E-A763-530FFA3008B3}" sibTransId="{D7166440-998C-BB46-92E8-D914E8AFBD7A}"/>
+    <dgm:cxn modelId="{22A39A63-868A-9147-ABDA-E2F0064CE0E0}" type="presOf" srcId="{498CF8C3-4572-1047-9DB3-3BE8B06F17F4}" destId="{B74562FE-4F46-124E-9D5A-4722DE0586B6}" srcOrd="0" destOrd="4" presId="urn:microsoft.com/office/officeart/2005/8/layout/vList5"/>
+    <dgm:cxn modelId="{10C7E463-F382-054F-B8C4-CC344C8E1FD9}" srcId="{134233AB-357E-0143-A7B6-5782D81DFF0A}" destId="{B91E4569-4575-BC45-87F2-A9E8847E76EE}" srcOrd="1" destOrd="0" parTransId="{37F77CBD-CCD8-EF44-B632-46B020986538}" sibTransId="{D4F42AA3-225E-904E-8A45-71AB298CEFB9}"/>
     <dgm:cxn modelId="{57E6B647-815D-8841-9BB6-18DD0C03E78D}" type="presOf" srcId="{010A435A-814F-C640-9421-BC790482DFFD}" destId="{B74562FE-4F46-124E-9D5A-4722DE0586B6}" srcOrd="0" destOrd="1" presId="urn:microsoft.com/office/officeart/2005/8/layout/vList5"/>
     <dgm:cxn modelId="{89378D49-C217-964F-A809-B605C621CD1A}" type="presOf" srcId="{71AA6D27-8776-414A-8909-1B616E69E8B3}" destId="{15B9FDB4-EE05-B740-AEB4-C273C919AEC4}" srcOrd="0" destOrd="3" presId="urn:microsoft.com/office/officeart/2005/8/layout/vList5"/>
     <dgm:cxn modelId="{3FEE664A-E7A6-5C40-915B-9205ECA8000E}" srcId="{B3D4A462-5BDB-D647-A004-7D52834A9747}" destId="{134233AB-357E-0143-A7B6-5782D81DFF0A}" srcOrd="2" destOrd="0" parTransId="{4550B440-7AB6-FD4F-82F6-2908E83540FD}" sibTransId="{449CA739-231A-194C-ABDB-E19864FF0AE3}"/>
-    <dgm:cxn modelId="{71B5B95B-A89B-DF4E-A092-CF44A30B96B2}" srcId="{AB9F54BB-AD31-B54C-B661-41DF090A5600}" destId="{498CF8C3-4572-1047-9DB3-3BE8B06F17F4}" srcOrd="4" destOrd="0" parTransId="{5AC63EAA-9D07-3047-8E78-BF77450F3D0B}" sibTransId="{0ABE1082-958D-3B43-A947-B51F5043DC6A}"/>
-    <dgm:cxn modelId="{22A39A63-868A-9147-ABDA-E2F0064CE0E0}" type="presOf" srcId="{498CF8C3-4572-1047-9DB3-3BE8B06F17F4}" destId="{B74562FE-4F46-124E-9D5A-4722DE0586B6}" srcOrd="0" destOrd="4" presId="urn:microsoft.com/office/officeart/2005/8/layout/vList5"/>
-    <dgm:cxn modelId="{10C7E463-F382-054F-B8C4-CC344C8E1FD9}" srcId="{134233AB-357E-0143-A7B6-5782D81DFF0A}" destId="{B91E4569-4575-BC45-87F2-A9E8847E76EE}" srcOrd="1" destOrd="0" parTransId="{37F77CBD-CCD8-EF44-B632-46B020986538}" sibTransId="{D4F42AA3-225E-904E-8A45-71AB298CEFB9}"/>
     <dgm:cxn modelId="{5DB1E76E-10ED-994F-A855-151E4EA875AD}" type="presOf" srcId="{8133396C-6C4E-234D-91DB-BB3ADFCE29E9}" destId="{B74562FE-4F46-124E-9D5A-4722DE0586B6}" srcOrd="0" destOrd="6" presId="urn:microsoft.com/office/officeart/2005/8/layout/vList5"/>
     <dgm:cxn modelId="{F4575470-FC84-394F-814C-FAE14F2B13D9}" srcId="{F9338F1E-051B-5041-8C3E-D5EB09942169}" destId="{5027AA2F-786E-5148-B859-9E3199EE0330}" srcOrd="0" destOrd="0" parTransId="{F6D60FE2-FD25-6541-8F28-E87B3DE6EB38}" sibTransId="{0571F4D9-18F9-1548-8E55-513B34217640}"/>
     <dgm:cxn modelId="{02097372-79FC-4D48-A7D1-269E617F8D82}" srcId="{134233AB-357E-0143-A7B6-5782D81DFF0A}" destId="{49973049-313E-AA47-A326-B8C404868CEB}" srcOrd="0" destOrd="0" parTransId="{E6C12E38-B063-D84F-9D0A-7E07BA444DDF}" sibTransId="{398BAC39-C686-3A42-B46E-5ED454F13C48}"/>
@@ -5348,8 +5348,8 @@
     <dgm:cxn modelId="{6FC9F402-226E-2841-9F53-E33C75FD430F}" srcId="{FD4A308E-FEEC-5041-86E8-46DC7A58000A}" destId="{9695AF52-AF37-524B-8875-62AF68A2C979}" srcOrd="1" destOrd="0" parTransId="{4F61258F-109B-8548-90A0-8AA4C85ECAD5}" sibTransId="{0B5BADF5-A022-9944-9C8B-95F7858EC754}"/>
     <dgm:cxn modelId="{787A4210-84F6-A148-9ED3-770F1F09A334}" type="presOf" srcId="{9EBDF077-68D3-924C-AD4D-335E7AE1EC85}" destId="{C6CB2F3A-C7DC-244A-8DB2-FD959A351AB4}" srcOrd="0" destOrd="0" presId="urn:microsoft.com/office/officeart/2005/8/layout/cycle3"/>
     <dgm:cxn modelId="{B35BBF2F-7AF7-DB49-9135-A80A111C63C4}" srcId="{FD4A308E-FEEC-5041-86E8-46DC7A58000A}" destId="{9EBDF077-68D3-924C-AD4D-335E7AE1EC85}" srcOrd="2" destOrd="0" parTransId="{76C15A82-8BAC-8446-BE45-0EC203119B42}" sibTransId="{A385C24F-1C19-C744-A76F-4EE7B67A5BC5}"/>
+    <dgm:cxn modelId="{34DF0361-7F79-4842-B964-10439B45EE72}" type="presOf" srcId="{A3FBE15D-30F1-8047-87B3-1850049F3DB8}" destId="{DE2487FD-A396-F34D-82B2-EFDAE8205939}" srcOrd="0" destOrd="0" presId="urn:microsoft.com/office/officeart/2005/8/layout/cycle3"/>
     <dgm:cxn modelId="{D740A843-E537-B747-9D6A-5D6A1C5765E6}" srcId="{FD4A308E-FEEC-5041-86E8-46DC7A58000A}" destId="{C57FD88A-845E-A949-B857-6D5F46FC4596}" srcOrd="4" destOrd="0" parTransId="{EB2C57AB-EBCA-2442-B334-16538BBA7410}" sibTransId="{DA383D03-E59F-5B47-AEF1-AEAAD7D1CB8F}"/>
-    <dgm:cxn modelId="{34DF0361-7F79-4842-B964-10439B45EE72}" type="presOf" srcId="{A3FBE15D-30F1-8047-87B3-1850049F3DB8}" destId="{DE2487FD-A396-F34D-82B2-EFDAE8205939}" srcOrd="0" destOrd="0" presId="urn:microsoft.com/office/officeart/2005/8/layout/cycle3"/>
     <dgm:cxn modelId="{CB47F26D-C8D2-4A4B-A1DA-B1119B34416F}" type="presOf" srcId="{77DC03ED-8871-964D-BB88-5EBEEDF3D407}" destId="{FDA7A3F3-36A1-4448-9299-F44AD252986E}" srcOrd="0" destOrd="0" presId="urn:microsoft.com/office/officeart/2005/8/layout/cycle3"/>
     <dgm:cxn modelId="{48138471-7956-3B4D-B8E7-E5BC96266DA6}" srcId="{FD4A308E-FEEC-5041-86E8-46DC7A58000A}" destId="{9BDB2D73-8E64-8245-8703-9A83DD685A93}" srcOrd="0" destOrd="0" parTransId="{322B24A4-A56B-5749-B0C5-40B91C67BFDA}" sibTransId="{5B1E5E5C-8FF7-8F42-BF66-49712D5171E5}"/>
     <dgm:cxn modelId="{3D686B7A-5278-1F4B-A7B2-CFEA8CD02C80}" type="presOf" srcId="{FD4A308E-FEEC-5041-86E8-46DC7A58000A}" destId="{8D81C13B-AB60-1B4F-96F7-B713409DFCCF}" srcOrd="0" destOrd="0" presId="urn:microsoft.com/office/officeart/2005/8/layout/cycle3"/>
@@ -5377,7 +5377,7 @@
   <dgm:whole/>
   <dgm:extLst>
     <a:ext uri="http://schemas.microsoft.com/office/drawing/2008/diagram">
-      <dsp:dataModelExt xmlns:dsp="http://schemas.microsoft.com/office/drawing/2008/diagram" relId="rId8" minVer="http://schemas.openxmlformats.org/drawingml/2006/diagram"/>
+      <dsp:dataModelExt xmlns:dsp="http://schemas.microsoft.com/office/drawing/2008/diagram" relId="rId7" minVer="http://schemas.openxmlformats.org/drawingml/2006/diagram"/>
     </a:ext>
   </dgm:extLst>
 </dgm:dataModel>
@@ -13493,7 +13493,7 @@
           <a:p>
             <a:fld id="{7BF5E78B-FE7C-474B-AC91-ABC1B62969E2}" type="datetimeFigureOut">
               <a:rPr lang="en-US" smtClean="0"/>
-              <a:t>6/20/23</a:t>
+              <a:t>6/20/2023</a:t>
             </a:fld>
             <a:endParaRPr lang="en-US"/>
           </a:p>
@@ -13931,7 +13931,7 @@
                 <a:effectLst/>
                 <a:latin typeface="Söhne"/>
               </a:rPr>
-              <a:t>we were curious to learn how 'Unlocking Income Patterns' can help us understand the factors influencing adult income levels.</a:t>
+              <a:t>we are curious to learn how 'Unlocking Income Patterns' can help us understand the factors influencing adult income levels.</a:t>
             </a:r>
             <a:endParaRPr lang="en-GB" dirty="0"/>
           </a:p>
@@ -13941,7 +13941,7 @@
           <a:p>
             <a:r>
               <a:rPr lang="en-GB" dirty="0"/>
-              <a:t>Also</a:t>
+              <a:t>Also,</a:t>
             </a:r>
             <a:r>
               <a:rPr lang="en-GB" b="0" i="0" dirty="0">
@@ -13966,15 +13966,7 @@
           <a:p>
             <a:r>
               <a:rPr lang="en-GB" dirty="0"/>
-              <a:t>And </a:t>
-            </a:r>
-            <a:r>
-              <a:rPr lang="en-GB" dirty="0" err="1"/>
-              <a:t>filnally</a:t>
-            </a:r>
-            <a:r>
-              <a:rPr lang="en-GB" dirty="0"/>
-              <a:t> </a:t>
+              <a:t>And finally, </a:t>
             </a:r>
             <a:r>
               <a:rPr lang="en-GB" b="0" i="0" dirty="0">
@@ -13984,7 +13976,27 @@
                 <a:effectLst/>
                 <a:latin typeface="Söhne"/>
               </a:rPr>
-              <a:t>how 'Demographic Insights' can unravel the socioeconomic dynamics behind income levels?"</a:t>
+              <a:t>how 'Demographic Insights' can </a:t>
+            </a:r>
+            <a:r>
+              <a:rPr lang="en-GB" b="0" i="0" dirty="0" err="1">
+                <a:solidFill>
+                  <a:srgbClr val="D1D5DB"/>
+                </a:solidFill>
+                <a:effectLst/>
+                <a:latin typeface="Söhne"/>
+              </a:rPr>
+              <a:t>unreveal</a:t>
+            </a:r>
+            <a:r>
+              <a:rPr lang="en-GB" b="0" i="0" dirty="0">
+                <a:solidFill>
+                  <a:srgbClr val="D1D5DB"/>
+                </a:solidFill>
+                <a:effectLst/>
+                <a:latin typeface="Söhne"/>
+              </a:rPr>
+              <a:t> the socioeconomic dynamics behind income levels?"</a:t>
             </a:r>
             <a:endParaRPr lang="en-GB" dirty="0"/>
           </a:p>
@@ -14650,26 +14662,8 @@
                 <a:effectLst/>
                 <a:latin typeface="Söhne"/>
               </a:rPr>
-              <a:t>Feature engineering: Extracting meaningful information and selecting relevant features for predicting income levels.</a:t>
+              <a:t>Dealing with categorical features in the dataset poses a challenge, and one-hot encoding was used in this study to effectively transform them into binary vectors. </a:t>
             </a:r>
-          </a:p>
-          <a:p>
-            <a:pPr algn="l">
-              <a:buFont typeface="Arial" panose="020B0604020202020204" pitchFamily="34" charset="0"/>
-              <a:buChar char="•"/>
-            </a:pPr>
-            <a:r>
-              <a:rPr lang="en-US" b="0" i="0" dirty="0">
-                <a:solidFill>
-                  <a:srgbClr val="374151"/>
-                </a:solidFill>
-                <a:effectLst/>
-                <a:latin typeface="Söhne"/>
-              </a:rPr>
-              <a:t>Interpreting and explaining results: Providing insights into income disparities and potential intervention strategies.</a:t>
-            </a:r>
-          </a:p>
-          <a:p>
             <a:endParaRPr lang="en-NO" dirty="0"/>
           </a:p>
         </p:txBody>
@@ -14754,142 +14748,6 @@
           <a:bodyPr/>
           <a:lstStyle/>
           <a:p>
-            <a:pPr algn="l"/>
-            <a:r>
-              <a:rPr lang="en-US" sz="1800" b="0" i="0" u="none" strike="noStrike" baseline="0" dirty="0">
-                <a:latin typeface="LinLibertineT"/>
-              </a:rPr>
-              <a:t>we have decided to employ a decision tree classifier as our model of choice for predicting income levels. We tried to address some challenges for training the Decision Tree Model.</a:t>
-            </a:r>
-            <a:endParaRPr lang="en-US" b="0" i="0" dirty="0">
-              <a:solidFill>
-                <a:srgbClr val="374151"/>
-              </a:solidFill>
-              <a:effectLst/>
-              <a:latin typeface="Söhne"/>
-            </a:endParaRPr>
-          </a:p>
-          <a:p>
-            <a:pPr algn="l">
-              <a:buFont typeface="Arial" panose="020B0604020202020204" pitchFamily="34" charset="0"/>
-              <a:buChar char="•"/>
-            </a:pPr>
-            <a:r>
-              <a:rPr lang="en-US" b="0" i="0" dirty="0">
-                <a:solidFill>
-                  <a:srgbClr val="374151"/>
-                </a:solidFill>
-                <a:effectLst/>
-                <a:latin typeface="Söhne"/>
-              </a:rPr>
-              <a:t>Handling missing values: The challenge of missing values in features like </a:t>
-            </a:r>
-            <a:r>
-              <a:rPr lang="en-US" b="0" i="0" dirty="0" err="1">
-                <a:solidFill>
-                  <a:srgbClr val="374151"/>
-                </a:solidFill>
-                <a:effectLst/>
-                <a:latin typeface="Söhne"/>
-              </a:rPr>
-              <a:t>workclass</a:t>
-            </a:r>
-            <a:r>
-              <a:rPr lang="en-US" b="0" i="0" dirty="0">
-                <a:solidFill>
-                  <a:srgbClr val="374151"/>
-                </a:solidFill>
-                <a:effectLst/>
-                <a:latin typeface="Söhne"/>
-              </a:rPr>
-              <a:t> and occupation was addressed by removing the corresponding samples from the dataset to maintain data integrity.</a:t>
-            </a:r>
-          </a:p>
-          <a:p>
-            <a:pPr algn="l">
-              <a:buFont typeface="Arial" panose="020B0604020202020204" pitchFamily="34" charset="0"/>
-              <a:buChar char="•"/>
-            </a:pPr>
-            <a:r>
-              <a:rPr lang="en-US" b="0" i="0" dirty="0">
-                <a:solidFill>
-                  <a:srgbClr val="374151"/>
-                </a:solidFill>
-                <a:effectLst/>
-                <a:latin typeface="Söhne"/>
-              </a:rPr>
-              <a:t>Class imbalance: The target variable exhibited a class imbalance, with a larger number of samples having income &lt;= $50,000. To address this, </a:t>
-            </a:r>
-            <a:r>
-              <a:rPr lang="en-US" b="0" i="0" dirty="0" err="1">
-                <a:solidFill>
-                  <a:srgbClr val="374151"/>
-                </a:solidFill>
-                <a:effectLst/>
-                <a:latin typeface="Söhne"/>
-              </a:rPr>
-              <a:t>downsampling</a:t>
-            </a:r>
-            <a:r>
-              <a:rPr lang="en-US" b="0" i="0" dirty="0">
-                <a:solidFill>
-                  <a:srgbClr val="374151"/>
-                </a:solidFill>
-                <a:effectLst/>
-                <a:latin typeface="Söhne"/>
-              </a:rPr>
-              <a:t> of the majority class was performed to create a more balanced dataset, improving prediction accuracy.</a:t>
-            </a:r>
-          </a:p>
-          <a:p>
-            <a:pPr algn="l">
-              <a:buFont typeface="Arial" panose="020B0604020202020204" pitchFamily="34" charset="0"/>
-              <a:buChar char="•"/>
-            </a:pPr>
-            <a:r>
-              <a:rPr lang="en-US" b="0" i="0" dirty="0">
-                <a:solidFill>
-                  <a:srgbClr val="374151"/>
-                </a:solidFill>
-                <a:effectLst/>
-                <a:latin typeface="Söhne"/>
-              </a:rPr>
-              <a:t>Mixed data handling: The dataset consisted of both numerical and categorical data, posing a challenge in training the decision tree classifier. One-hot encoding was used to transform categorical features into numerical representations compatible with the algorithm.</a:t>
-            </a:r>
-          </a:p>
-          <a:p>
-            <a:pPr algn="l">
-              <a:buFont typeface="Arial" panose="020B0604020202020204" pitchFamily="34" charset="0"/>
-              <a:buChar char="•"/>
-            </a:pPr>
-            <a:r>
-              <a:rPr lang="en-US" b="0" i="0" dirty="0">
-                <a:solidFill>
-                  <a:srgbClr val="374151"/>
-                </a:solidFill>
-                <a:effectLst/>
-                <a:latin typeface="Söhne"/>
-              </a:rPr>
-              <a:t>Ensuring representation in datasets: Extra measures were taken to verify that all categories within categorical features were adequately represented in the training, testing, and validation sets. This ensured the decision tree classifier learned from the entire range of categorical values without biases or performance disparities.</a:t>
-            </a:r>
-          </a:p>
-          <a:p>
-            <a:endParaRPr lang="en-US" dirty="0"/>
-          </a:p>
-          <a:p>
-            <a:endParaRPr lang="en-US" dirty="0"/>
-          </a:p>
-          <a:p>
-            <a:pPr algn="l"/>
-            <a:r>
-              <a:rPr lang="en-US" sz="1800" b="0" i="0" u="none" strike="noStrike" baseline="0" dirty="0">
-                <a:latin typeface="LinLibertineT"/>
-              </a:rPr>
-              <a:t>To ensure compatibility with the decision tree classifier, the categorical features in the dataset are encoded using one-hot encoding.</a:t>
-            </a:r>
-            <a:endParaRPr lang="en-US" dirty="0"/>
-          </a:p>
-          <a:p>
             <a:endParaRPr lang="en-US" dirty="0"/>
           </a:p>
           <a:p>
@@ -14901,14 +14759,8 @@
                 <a:effectLst/>
                 <a:latin typeface="Söhne"/>
               </a:rPr>
-              <a:t>The table illustrates the model's performance assessment using suitable metrics including accuracy, precision, recall, and F1 score. Confusion matrix is also obtained based on predicted and Actual labels.</a:t>
+              <a:t>A Decision Tree classifier was created to predict income. The dataset was split into training, validation, and test sets (60%, 20%, and 20% respectively). Categorical variables were converted using one-hot encoding. The Decision Tree was trained with a maximum depth of 11, minimum samples per leaf of 4, and minimum samples for splitting of 2. Accuracy was calculated for the validation and test sets. The decision tree structure was visualized in GitHub and a classification report was generated, including precision, recall, F1-score, and overall accuracy.</a:t>
             </a:r>
-            <a:endParaRPr lang="en-US" dirty="0"/>
-          </a:p>
-          <a:p>
-            <a:endParaRPr lang="en-US" dirty="0"/>
-          </a:p>
-          <a:p>
             <a:endParaRPr lang="en-US" dirty="0"/>
           </a:p>
         </p:txBody>
@@ -31475,13 +31327,13 @@
           <p:nvPr>
             <p:extLst>
               <p:ext uri="{D42A27DB-BD31-4B8C-83A1-F6EECF244321}">
-                <p14:modId xmlns:p14="http://schemas.microsoft.com/office/powerpoint/2010/main" val="343959984"/>
+                <p14:modId xmlns:p14="http://schemas.microsoft.com/office/powerpoint/2010/main" val="1865699419"/>
               </p:ext>
             </p:extLst>
           </p:nvPr>
         </p:nvGraphicFramePr>
         <p:xfrm>
-          <a:off x="1025769" y="3041807"/>
+          <a:off x="1602031" y="3050442"/>
           <a:ext cx="8575431" cy="3305908"/>
         </p:xfrm>
         <a:graphic>
@@ -31595,7 +31447,7 @@
         </p:nvSpPr>
         <p:spPr>
           <a:xfrm>
-            <a:off x="3328069" y="0"/>
+            <a:off x="8852021" y="-524528"/>
             <a:ext cx="6679957" cy="1134086"/>
           </a:xfrm>
         </p:spPr>
@@ -31606,8 +31458,9 @@
           <a:lstStyle/>
           <a:p>
             <a:r>
-              <a:rPr lang="en-NO" sz="4400" b="1" dirty="0">
-                <a:latin typeface="Comic Sans MS" panose="030F0902030302020204" pitchFamily="66" charset="0"/>
+              <a:rPr lang="en-NO" sz="2800" b="1" dirty="0">
+                <a:latin typeface="Comic Sans MS" panose="030F0702030302020204" pitchFamily="66" charset="0"/>
+                <a:cs typeface="Arshia" panose="00000400000000000000" pitchFamily="2" charset="-78"/>
               </a:rPr>
               <a:t>Dataset selection</a:t>
             </a:r>
@@ -35931,1422 +35784,6 @@
           </a:p>
         </p:txBody>
       </p:sp>
-      <p:grpSp>
-        <p:nvGrpSpPr>
-          <p:cNvPr id="52" name="Group 51">
-            <a:extLst>
-              <a:ext uri="{FF2B5EF4-FFF2-40B4-BE49-F238E27FC236}">
-                <a16:creationId xmlns:a16="http://schemas.microsoft.com/office/drawing/2014/main" id="{53C57E91-2B8F-8602-C5E5-05067B79DD21}"/>
-              </a:ext>
-            </a:extLst>
-          </p:cNvPr>
-          <p:cNvGrpSpPr/>
-          <p:nvPr/>
-        </p:nvGrpSpPr>
-        <p:grpSpPr>
-          <a:xfrm>
-            <a:off x="656510" y="1347710"/>
-            <a:ext cx="633966" cy="2423760"/>
-            <a:chOff x="3220890" y="1440752"/>
-            <a:chExt cx="633966" cy="2423760"/>
-          </a:xfrm>
-        </p:grpSpPr>
-        <p:grpSp>
-          <p:nvGrpSpPr>
-            <p:cNvPr id="53" name="Group 52">
-              <a:extLst>
-                <a:ext uri="{FF2B5EF4-FFF2-40B4-BE49-F238E27FC236}">
-                  <a16:creationId xmlns:a16="http://schemas.microsoft.com/office/drawing/2014/main" id="{15542F02-9993-E8A4-758D-9074C436006B}"/>
-                </a:ext>
-              </a:extLst>
-            </p:cNvPr>
-            <p:cNvGrpSpPr/>
-            <p:nvPr/>
-          </p:nvGrpSpPr>
-          <p:grpSpPr>
-            <a:xfrm>
-              <a:off x="3220890" y="1440752"/>
-              <a:ext cx="556015" cy="593238"/>
-              <a:chOff x="3066306" y="887135"/>
-              <a:chExt cx="675875" cy="646467"/>
-            </a:xfrm>
-          </p:grpSpPr>
-          <p:sp>
-            <p:nvSpPr>
-              <p:cNvPr id="60" name="Rectangle 59">
-                <a:extLst>
-                  <a:ext uri="{FF2B5EF4-FFF2-40B4-BE49-F238E27FC236}">
-                    <a16:creationId xmlns:a16="http://schemas.microsoft.com/office/drawing/2014/main" id="{AF854029-EED6-24C5-BF80-788AED6418F1}"/>
-                  </a:ext>
-                </a:extLst>
-              </p:cNvPr>
-              <p:cNvSpPr/>
-              <p:nvPr/>
-            </p:nvSpPr>
-            <p:spPr>
-              <a:xfrm rot="2700000" flipH="1">
-                <a:off x="3081010" y="872431"/>
-                <a:ext cx="646467" cy="675875"/>
-              </a:xfrm>
-              <a:prstGeom prst="rect">
-                <a:avLst/>
-              </a:prstGeom>
-              <a:solidFill>
-                <a:srgbClr val="FFCC4C"/>
-              </a:solidFill>
-              <a:ln w="12700" cap="flat" cmpd="sng" algn="ctr">
-                <a:noFill/>
-                <a:prstDash val="solid"/>
-                <a:miter lim="800000"/>
-              </a:ln>
-              <a:effectLst>
-                <a:outerShdw blurRad="50800" dist="38100" dir="2700000" algn="tl" rotWithShape="0">
-                  <a:prstClr val="black">
-                    <a:alpha val="40000"/>
-                  </a:prstClr>
-                </a:outerShdw>
-              </a:effectLst>
-            </p:spPr>
-            <p:txBody>
-              <a:bodyPr rtlCol="0" anchor="ctr"/>
-              <a:lstStyle/>
-              <a:p>
-                <a:pPr marL="0" marR="0" lvl="0" indent="0" algn="ctr" defTabSz="914400" eaLnBrk="1" fontAlgn="auto" latinLnBrk="0" hangingPunct="1">
-                  <a:lnSpc>
-                    <a:spcPct val="100000"/>
-                  </a:lnSpc>
-                  <a:spcBef>
-                    <a:spcPts val="0"/>
-                  </a:spcBef>
-                  <a:spcAft>
-                    <a:spcPts val="0"/>
-                  </a:spcAft>
-                  <a:buClrTx/>
-                  <a:buSzTx/>
-                  <a:buFontTx/>
-                  <a:buNone/>
-                  <a:tabLst/>
-                  <a:defRPr/>
-                </a:pPr>
-                <a:endParaRPr kumimoji="0" lang="en-US" sz="1800" b="0" i="0" u="none" strike="noStrike" kern="0" cap="none" spc="0" normalizeH="0" baseline="0" noProof="1">
-                  <a:ln>
-                    <a:noFill/>
-                  </a:ln>
-                  <a:solidFill>
-                    <a:srgbClr val="272D36"/>
-                  </a:solidFill>
-                  <a:effectLst/>
-                  <a:uLnTx/>
-                  <a:uFillTx/>
-                  <a:latin typeface="Calibri" panose="020F0502020204030204"/>
-                  <a:ea typeface="+mn-ea"/>
-                  <a:cs typeface="+mn-cs"/>
-                </a:endParaRPr>
-              </a:p>
-            </p:txBody>
-          </p:sp>
-          <p:sp>
-            <p:nvSpPr>
-              <p:cNvPr id="61" name="Graphic 55" descr="Puzzle">
-                <a:extLst>
-                  <a:ext uri="{FF2B5EF4-FFF2-40B4-BE49-F238E27FC236}">
-                    <a16:creationId xmlns:a16="http://schemas.microsoft.com/office/drawing/2014/main" id="{8CF8FB23-A664-F50D-7FCF-1FBEB92C84AF}"/>
-                  </a:ext>
-                </a:extLst>
-              </p:cNvPr>
-              <p:cNvSpPr/>
-              <p:nvPr/>
-            </p:nvSpPr>
-            <p:spPr>
-              <a:xfrm>
-                <a:off x="3197402" y="1003555"/>
-                <a:ext cx="445162" cy="425793"/>
-              </a:xfrm>
-              <a:custGeom>
-                <a:avLst/>
-                <a:gdLst>
-                  <a:gd name="connsiteX0" fmla="*/ 295466 w 457200"/>
-                  <a:gd name="connsiteY0" fmla="*/ 346900 h 457200"/>
-                  <a:gd name="connsiteX1" fmla="*/ 270891 w 457200"/>
-                  <a:gd name="connsiteY1" fmla="*/ 271463 h 457200"/>
-                  <a:gd name="connsiteX2" fmla="*/ 274892 w 457200"/>
-                  <a:gd name="connsiteY2" fmla="*/ 267462 h 457200"/>
-                  <a:gd name="connsiteX3" fmla="*/ 351473 w 457200"/>
-                  <a:gd name="connsiteY3" fmla="*/ 290894 h 457200"/>
-                  <a:gd name="connsiteX4" fmla="*/ 392049 w 457200"/>
-                  <a:gd name="connsiteY4" fmla="*/ 323469 h 457200"/>
-                  <a:gd name="connsiteX5" fmla="*/ 457200 w 457200"/>
-                  <a:gd name="connsiteY5" fmla="*/ 258318 h 457200"/>
-                  <a:gd name="connsiteX6" fmla="*/ 360045 w 457200"/>
-                  <a:gd name="connsiteY6" fmla="*/ 161163 h 457200"/>
-                  <a:gd name="connsiteX7" fmla="*/ 392620 w 457200"/>
-                  <a:gd name="connsiteY7" fmla="*/ 120587 h 457200"/>
-                  <a:gd name="connsiteX8" fmla="*/ 416052 w 457200"/>
-                  <a:gd name="connsiteY8" fmla="*/ 44006 h 457200"/>
-                  <a:gd name="connsiteX9" fmla="*/ 412052 w 457200"/>
-                  <a:gd name="connsiteY9" fmla="*/ 40005 h 457200"/>
-                  <a:gd name="connsiteX10" fmla="*/ 336614 w 457200"/>
-                  <a:gd name="connsiteY10" fmla="*/ 64579 h 457200"/>
-                  <a:gd name="connsiteX11" fmla="*/ 296037 w 457200"/>
-                  <a:gd name="connsiteY11" fmla="*/ 97155 h 457200"/>
-                  <a:gd name="connsiteX12" fmla="*/ 198882 w 457200"/>
-                  <a:gd name="connsiteY12" fmla="*/ 0 h 457200"/>
-                  <a:gd name="connsiteX13" fmla="*/ 133160 w 457200"/>
-                  <a:gd name="connsiteY13" fmla="*/ 65151 h 457200"/>
-                  <a:gd name="connsiteX14" fmla="*/ 165735 w 457200"/>
-                  <a:gd name="connsiteY14" fmla="*/ 105728 h 457200"/>
-                  <a:gd name="connsiteX15" fmla="*/ 190310 w 457200"/>
-                  <a:gd name="connsiteY15" fmla="*/ 181166 h 457200"/>
-                  <a:gd name="connsiteX16" fmla="*/ 186309 w 457200"/>
-                  <a:gd name="connsiteY16" fmla="*/ 185166 h 457200"/>
-                  <a:gd name="connsiteX17" fmla="*/ 109728 w 457200"/>
-                  <a:gd name="connsiteY17" fmla="*/ 161735 h 457200"/>
-                  <a:gd name="connsiteX18" fmla="*/ 69152 w 457200"/>
-                  <a:gd name="connsiteY18" fmla="*/ 129159 h 457200"/>
-                  <a:gd name="connsiteX19" fmla="*/ 0 w 457200"/>
-                  <a:gd name="connsiteY19" fmla="*/ 198882 h 457200"/>
-                  <a:gd name="connsiteX20" fmla="*/ 97155 w 457200"/>
-                  <a:gd name="connsiteY20" fmla="*/ 296037 h 457200"/>
-                  <a:gd name="connsiteX21" fmla="*/ 64579 w 457200"/>
-                  <a:gd name="connsiteY21" fmla="*/ 336614 h 457200"/>
-                  <a:gd name="connsiteX22" fmla="*/ 41148 w 457200"/>
-                  <a:gd name="connsiteY22" fmla="*/ 413195 h 457200"/>
-                  <a:gd name="connsiteX23" fmla="*/ 45148 w 457200"/>
-                  <a:gd name="connsiteY23" fmla="*/ 417195 h 457200"/>
-                  <a:gd name="connsiteX24" fmla="*/ 120587 w 457200"/>
-                  <a:gd name="connsiteY24" fmla="*/ 392620 h 457200"/>
-                  <a:gd name="connsiteX25" fmla="*/ 161163 w 457200"/>
-                  <a:gd name="connsiteY25" fmla="*/ 360045 h 457200"/>
-                  <a:gd name="connsiteX26" fmla="*/ 258318 w 457200"/>
-                  <a:gd name="connsiteY26" fmla="*/ 457200 h 457200"/>
-                  <a:gd name="connsiteX27" fmla="*/ 328041 w 457200"/>
-                  <a:gd name="connsiteY27" fmla="*/ 387477 h 457200"/>
-                  <a:gd name="connsiteX28" fmla="*/ 295466 w 457200"/>
-                  <a:gd name="connsiteY28" fmla="*/ 346900 h 457200"/>
-                </a:gdLst>
-                <a:ahLst/>
-                <a:cxnLst>
-                  <a:cxn ang="0">
-                    <a:pos x="connsiteX0" y="connsiteY0"/>
-                  </a:cxn>
-                  <a:cxn ang="0">
-                    <a:pos x="connsiteX1" y="connsiteY1"/>
-                  </a:cxn>
-                  <a:cxn ang="0">
-                    <a:pos x="connsiteX2" y="connsiteY2"/>
-                  </a:cxn>
-                  <a:cxn ang="0">
-                    <a:pos x="connsiteX3" y="connsiteY3"/>
-                  </a:cxn>
-                  <a:cxn ang="0">
-                    <a:pos x="connsiteX4" y="connsiteY4"/>
-                  </a:cxn>
-                  <a:cxn ang="0">
-                    <a:pos x="connsiteX5" y="connsiteY5"/>
-                  </a:cxn>
-                  <a:cxn ang="0">
-                    <a:pos x="connsiteX6" y="connsiteY6"/>
-                  </a:cxn>
-                  <a:cxn ang="0">
-                    <a:pos x="connsiteX7" y="connsiteY7"/>
-                  </a:cxn>
-                  <a:cxn ang="0">
-                    <a:pos x="connsiteX8" y="connsiteY8"/>
-                  </a:cxn>
-                  <a:cxn ang="0">
-                    <a:pos x="connsiteX9" y="connsiteY9"/>
-                  </a:cxn>
-                  <a:cxn ang="0">
-                    <a:pos x="connsiteX10" y="connsiteY10"/>
-                  </a:cxn>
-                  <a:cxn ang="0">
-                    <a:pos x="connsiteX11" y="connsiteY11"/>
-                  </a:cxn>
-                  <a:cxn ang="0">
-                    <a:pos x="connsiteX12" y="connsiteY12"/>
-                  </a:cxn>
-                  <a:cxn ang="0">
-                    <a:pos x="connsiteX13" y="connsiteY13"/>
-                  </a:cxn>
-                  <a:cxn ang="0">
-                    <a:pos x="connsiteX14" y="connsiteY14"/>
-                  </a:cxn>
-                  <a:cxn ang="0">
-                    <a:pos x="connsiteX15" y="connsiteY15"/>
-                  </a:cxn>
-                  <a:cxn ang="0">
-                    <a:pos x="connsiteX16" y="connsiteY16"/>
-                  </a:cxn>
-                  <a:cxn ang="0">
-                    <a:pos x="connsiteX17" y="connsiteY17"/>
-                  </a:cxn>
-                  <a:cxn ang="0">
-                    <a:pos x="connsiteX18" y="connsiteY18"/>
-                  </a:cxn>
-                  <a:cxn ang="0">
-                    <a:pos x="connsiteX19" y="connsiteY19"/>
-                  </a:cxn>
-                  <a:cxn ang="0">
-                    <a:pos x="connsiteX20" y="connsiteY20"/>
-                  </a:cxn>
-                  <a:cxn ang="0">
-                    <a:pos x="connsiteX21" y="connsiteY21"/>
-                  </a:cxn>
-                  <a:cxn ang="0">
-                    <a:pos x="connsiteX22" y="connsiteY22"/>
-                  </a:cxn>
-                  <a:cxn ang="0">
-                    <a:pos x="connsiteX23" y="connsiteY23"/>
-                  </a:cxn>
-                  <a:cxn ang="0">
-                    <a:pos x="connsiteX24" y="connsiteY24"/>
-                  </a:cxn>
-                  <a:cxn ang="0">
-                    <a:pos x="connsiteX25" y="connsiteY25"/>
-                  </a:cxn>
-                  <a:cxn ang="0">
-                    <a:pos x="connsiteX26" y="connsiteY26"/>
-                  </a:cxn>
-                  <a:cxn ang="0">
-                    <a:pos x="connsiteX27" y="connsiteY27"/>
-                  </a:cxn>
-                  <a:cxn ang="0">
-                    <a:pos x="connsiteX28" y="connsiteY28"/>
-                  </a:cxn>
-                </a:cxnLst>
-                <a:rect l="l" t="t" r="r" b="b"/>
-                <a:pathLst>
-                  <a:path w="457200" h="457200">
-                    <a:moveTo>
-                      <a:pt x="295466" y="346900"/>
-                    </a:moveTo>
-                    <a:cubicBezTo>
-                      <a:pt x="257746" y="348044"/>
-                      <a:pt x="244031" y="299466"/>
-                      <a:pt x="270891" y="271463"/>
-                    </a:cubicBezTo>
-                    <a:lnTo>
-                      <a:pt x="274892" y="267462"/>
-                    </a:lnTo>
-                    <a:cubicBezTo>
-                      <a:pt x="302895" y="240601"/>
-                      <a:pt x="352615" y="253175"/>
-                      <a:pt x="351473" y="290894"/>
-                    </a:cubicBezTo>
-                    <a:cubicBezTo>
-                      <a:pt x="350901" y="312611"/>
-                      <a:pt x="376619" y="338900"/>
-                      <a:pt x="392049" y="323469"/>
-                    </a:cubicBezTo>
-                    <a:lnTo>
-                      <a:pt x="457200" y="258318"/>
-                    </a:lnTo>
-                    <a:lnTo>
-                      <a:pt x="360045" y="161163"/>
-                    </a:lnTo>
-                    <a:cubicBezTo>
-                      <a:pt x="344615" y="145733"/>
-                      <a:pt x="370904" y="120015"/>
-                      <a:pt x="392620" y="120587"/>
-                    </a:cubicBezTo>
-                    <a:cubicBezTo>
-                      <a:pt x="430340" y="121729"/>
-                      <a:pt x="442913" y="72009"/>
-                      <a:pt x="416052" y="44006"/>
-                    </a:cubicBezTo>
-                    <a:lnTo>
-                      <a:pt x="412052" y="40005"/>
-                    </a:lnTo>
-                    <a:cubicBezTo>
-                      <a:pt x="384048" y="13145"/>
-                      <a:pt x="335470" y="26860"/>
-                      <a:pt x="336614" y="64579"/>
-                    </a:cubicBezTo>
-                    <a:cubicBezTo>
-                      <a:pt x="337185" y="86297"/>
-                      <a:pt x="311468" y="112586"/>
-                      <a:pt x="296037" y="97155"/>
-                    </a:cubicBezTo>
-                    <a:lnTo>
-                      <a:pt x="198882" y="0"/>
-                    </a:lnTo>
-                    <a:lnTo>
-                      <a:pt x="133160" y="65151"/>
-                    </a:lnTo>
-                    <a:cubicBezTo>
-                      <a:pt x="117729" y="80582"/>
-                      <a:pt x="144018" y="106299"/>
-                      <a:pt x="165735" y="105728"/>
-                    </a:cubicBezTo>
-                    <a:cubicBezTo>
-                      <a:pt x="203454" y="104584"/>
-                      <a:pt x="217170" y="153162"/>
-                      <a:pt x="190310" y="181166"/>
-                    </a:cubicBezTo>
-                    <a:lnTo>
-                      <a:pt x="186309" y="185166"/>
-                    </a:lnTo>
-                    <a:cubicBezTo>
-                      <a:pt x="158306" y="212026"/>
-                      <a:pt x="108585" y="199454"/>
-                      <a:pt x="109728" y="161735"/>
-                    </a:cubicBezTo>
-                    <a:cubicBezTo>
-                      <a:pt x="110299" y="140018"/>
-                      <a:pt x="84582" y="113729"/>
-                      <a:pt x="69152" y="129159"/>
-                    </a:cubicBezTo>
-                    <a:lnTo>
-                      <a:pt x="0" y="198882"/>
-                    </a:lnTo>
-                    <a:lnTo>
-                      <a:pt x="97155" y="296037"/>
-                    </a:lnTo>
-                    <a:cubicBezTo>
-                      <a:pt x="112586" y="311468"/>
-                      <a:pt x="86297" y="337185"/>
-                      <a:pt x="64579" y="336614"/>
-                    </a:cubicBezTo>
-                    <a:cubicBezTo>
-                      <a:pt x="26860" y="335470"/>
-                      <a:pt x="14288" y="385191"/>
-                      <a:pt x="41148" y="413195"/>
-                    </a:cubicBezTo>
-                    <a:lnTo>
-                      <a:pt x="45148" y="417195"/>
-                    </a:lnTo>
-                    <a:cubicBezTo>
-                      <a:pt x="73152" y="444055"/>
-                      <a:pt x="121729" y="430340"/>
-                      <a:pt x="120587" y="392620"/>
-                    </a:cubicBezTo>
-                    <a:cubicBezTo>
-                      <a:pt x="120015" y="370904"/>
-                      <a:pt x="145733" y="344615"/>
-                      <a:pt x="161163" y="360045"/>
-                    </a:cubicBezTo>
-                    <a:lnTo>
-                      <a:pt x="258318" y="457200"/>
-                    </a:lnTo>
-                    <a:lnTo>
-                      <a:pt x="328041" y="387477"/>
-                    </a:lnTo>
-                    <a:cubicBezTo>
-                      <a:pt x="343472" y="372047"/>
-                      <a:pt x="317754" y="346329"/>
-                      <a:pt x="295466" y="346900"/>
-                    </a:cubicBezTo>
-                    <a:close/>
-                  </a:path>
-                </a:pathLst>
-              </a:custGeom>
-              <a:solidFill>
-                <a:srgbClr val="000000"/>
-              </a:solidFill>
-              <a:ln w="5655" cap="flat">
-                <a:noFill/>
-                <a:prstDash val="solid"/>
-                <a:miter/>
-              </a:ln>
-            </p:spPr>
-            <p:txBody>
-              <a:bodyPr rtlCol="0" anchor="ctr"/>
-              <a:lstStyle/>
-              <a:p>
-                <a:pPr marL="0" marR="0" lvl="0" indent="0" defTabSz="914400" eaLnBrk="1" fontAlgn="auto" latinLnBrk="0" hangingPunct="1">
-                  <a:lnSpc>
-                    <a:spcPct val="100000"/>
-                  </a:lnSpc>
-                  <a:spcBef>
-                    <a:spcPts val="0"/>
-                  </a:spcBef>
-                  <a:spcAft>
-                    <a:spcPts val="0"/>
-                  </a:spcAft>
-                  <a:buClrTx/>
-                  <a:buSzTx/>
-                  <a:buFontTx/>
-                  <a:buNone/>
-                  <a:tabLst/>
-                  <a:defRPr/>
-                </a:pPr>
-                <a:endParaRPr kumimoji="0" lang="en-US" sz="1800" b="0" i="0" u="none" strike="noStrike" kern="0" cap="none" spc="0" normalizeH="0" baseline="0" noProof="0">
-                  <a:ln>
-                    <a:noFill/>
-                  </a:ln>
-                  <a:solidFill>
-                    <a:prstClr val="black"/>
-                  </a:solidFill>
-                  <a:effectLst/>
-                  <a:uLnTx/>
-                  <a:uFillTx/>
-                </a:endParaRPr>
-              </a:p>
-            </p:txBody>
-          </p:sp>
-        </p:grpSp>
-        <p:grpSp>
-          <p:nvGrpSpPr>
-            <p:cNvPr id="54" name="Group 53">
-              <a:extLst>
-                <a:ext uri="{FF2B5EF4-FFF2-40B4-BE49-F238E27FC236}">
-                  <a16:creationId xmlns:a16="http://schemas.microsoft.com/office/drawing/2014/main" id="{6149A53A-1180-6944-6806-8B74FBBCB780}"/>
-                </a:ext>
-              </a:extLst>
-            </p:cNvPr>
-            <p:cNvGrpSpPr/>
-            <p:nvPr/>
-          </p:nvGrpSpPr>
-          <p:grpSpPr>
-            <a:xfrm>
-              <a:off x="3241156" y="2373106"/>
-              <a:ext cx="556015" cy="593238"/>
-              <a:chOff x="3066306" y="887135"/>
-              <a:chExt cx="675875" cy="646467"/>
-            </a:xfrm>
-          </p:grpSpPr>
-          <p:sp>
-            <p:nvSpPr>
-              <p:cNvPr id="58" name="Rectangle 57">
-                <a:extLst>
-                  <a:ext uri="{FF2B5EF4-FFF2-40B4-BE49-F238E27FC236}">
-                    <a16:creationId xmlns:a16="http://schemas.microsoft.com/office/drawing/2014/main" id="{3A8936C5-75A3-752B-D65C-2F43763F730A}"/>
-                  </a:ext>
-                </a:extLst>
-              </p:cNvPr>
-              <p:cNvSpPr/>
-              <p:nvPr/>
-            </p:nvSpPr>
-            <p:spPr>
-              <a:xfrm rot="2700000" flipH="1">
-                <a:off x="3081010" y="872431"/>
-                <a:ext cx="646467" cy="675875"/>
-              </a:xfrm>
-              <a:prstGeom prst="rect">
-                <a:avLst/>
-              </a:prstGeom>
-              <a:solidFill>
-                <a:srgbClr val="00B050"/>
-              </a:solidFill>
-              <a:ln w="12700" cap="flat" cmpd="sng" algn="ctr">
-                <a:noFill/>
-                <a:prstDash val="solid"/>
-                <a:miter lim="800000"/>
-              </a:ln>
-              <a:effectLst>
-                <a:outerShdw blurRad="50800" dist="38100" dir="2700000" algn="tl" rotWithShape="0">
-                  <a:prstClr val="black">
-                    <a:alpha val="40000"/>
-                  </a:prstClr>
-                </a:outerShdw>
-              </a:effectLst>
-            </p:spPr>
-            <p:txBody>
-              <a:bodyPr rtlCol="0" anchor="ctr"/>
-              <a:lstStyle/>
-              <a:p>
-                <a:pPr marL="0" marR="0" lvl="0" indent="0" algn="ctr" defTabSz="914400" eaLnBrk="1" fontAlgn="auto" latinLnBrk="0" hangingPunct="1">
-                  <a:lnSpc>
-                    <a:spcPct val="100000"/>
-                  </a:lnSpc>
-                  <a:spcBef>
-                    <a:spcPts val="0"/>
-                  </a:spcBef>
-                  <a:spcAft>
-                    <a:spcPts val="0"/>
-                  </a:spcAft>
-                  <a:buClrTx/>
-                  <a:buSzTx/>
-                  <a:buFontTx/>
-                  <a:buNone/>
-                  <a:tabLst/>
-                  <a:defRPr/>
-                </a:pPr>
-                <a:endParaRPr kumimoji="0" lang="en-US" sz="1800" b="0" i="0" u="none" strike="noStrike" kern="0" cap="none" spc="0" normalizeH="0" baseline="0" noProof="1">
-                  <a:ln>
-                    <a:noFill/>
-                  </a:ln>
-                  <a:solidFill>
-                    <a:srgbClr val="272D36"/>
-                  </a:solidFill>
-                  <a:effectLst/>
-                  <a:uLnTx/>
-                  <a:uFillTx/>
-                  <a:latin typeface="Calibri" panose="020F0502020204030204"/>
-                  <a:ea typeface="+mn-ea"/>
-                  <a:cs typeface="+mn-cs"/>
-                </a:endParaRPr>
-              </a:p>
-            </p:txBody>
-          </p:sp>
-          <p:sp>
-            <p:nvSpPr>
-              <p:cNvPr id="59" name="Graphic 55" descr="Puzzle">
-                <a:extLst>
-                  <a:ext uri="{FF2B5EF4-FFF2-40B4-BE49-F238E27FC236}">
-                    <a16:creationId xmlns:a16="http://schemas.microsoft.com/office/drawing/2014/main" id="{01D20298-4C82-DBA0-0BE4-3AF1C092C1BB}"/>
-                  </a:ext>
-                </a:extLst>
-              </p:cNvPr>
-              <p:cNvSpPr/>
-              <p:nvPr/>
-            </p:nvSpPr>
-            <p:spPr>
-              <a:xfrm>
-                <a:off x="3197402" y="1003555"/>
-                <a:ext cx="445162" cy="425793"/>
-              </a:xfrm>
-              <a:custGeom>
-                <a:avLst/>
-                <a:gdLst>
-                  <a:gd name="connsiteX0" fmla="*/ 295466 w 457200"/>
-                  <a:gd name="connsiteY0" fmla="*/ 346900 h 457200"/>
-                  <a:gd name="connsiteX1" fmla="*/ 270891 w 457200"/>
-                  <a:gd name="connsiteY1" fmla="*/ 271463 h 457200"/>
-                  <a:gd name="connsiteX2" fmla="*/ 274892 w 457200"/>
-                  <a:gd name="connsiteY2" fmla="*/ 267462 h 457200"/>
-                  <a:gd name="connsiteX3" fmla="*/ 351473 w 457200"/>
-                  <a:gd name="connsiteY3" fmla="*/ 290894 h 457200"/>
-                  <a:gd name="connsiteX4" fmla="*/ 392049 w 457200"/>
-                  <a:gd name="connsiteY4" fmla="*/ 323469 h 457200"/>
-                  <a:gd name="connsiteX5" fmla="*/ 457200 w 457200"/>
-                  <a:gd name="connsiteY5" fmla="*/ 258318 h 457200"/>
-                  <a:gd name="connsiteX6" fmla="*/ 360045 w 457200"/>
-                  <a:gd name="connsiteY6" fmla="*/ 161163 h 457200"/>
-                  <a:gd name="connsiteX7" fmla="*/ 392620 w 457200"/>
-                  <a:gd name="connsiteY7" fmla="*/ 120587 h 457200"/>
-                  <a:gd name="connsiteX8" fmla="*/ 416052 w 457200"/>
-                  <a:gd name="connsiteY8" fmla="*/ 44006 h 457200"/>
-                  <a:gd name="connsiteX9" fmla="*/ 412052 w 457200"/>
-                  <a:gd name="connsiteY9" fmla="*/ 40005 h 457200"/>
-                  <a:gd name="connsiteX10" fmla="*/ 336614 w 457200"/>
-                  <a:gd name="connsiteY10" fmla="*/ 64579 h 457200"/>
-                  <a:gd name="connsiteX11" fmla="*/ 296037 w 457200"/>
-                  <a:gd name="connsiteY11" fmla="*/ 97155 h 457200"/>
-                  <a:gd name="connsiteX12" fmla="*/ 198882 w 457200"/>
-                  <a:gd name="connsiteY12" fmla="*/ 0 h 457200"/>
-                  <a:gd name="connsiteX13" fmla="*/ 133160 w 457200"/>
-                  <a:gd name="connsiteY13" fmla="*/ 65151 h 457200"/>
-                  <a:gd name="connsiteX14" fmla="*/ 165735 w 457200"/>
-                  <a:gd name="connsiteY14" fmla="*/ 105728 h 457200"/>
-                  <a:gd name="connsiteX15" fmla="*/ 190310 w 457200"/>
-                  <a:gd name="connsiteY15" fmla="*/ 181166 h 457200"/>
-                  <a:gd name="connsiteX16" fmla="*/ 186309 w 457200"/>
-                  <a:gd name="connsiteY16" fmla="*/ 185166 h 457200"/>
-                  <a:gd name="connsiteX17" fmla="*/ 109728 w 457200"/>
-                  <a:gd name="connsiteY17" fmla="*/ 161735 h 457200"/>
-                  <a:gd name="connsiteX18" fmla="*/ 69152 w 457200"/>
-                  <a:gd name="connsiteY18" fmla="*/ 129159 h 457200"/>
-                  <a:gd name="connsiteX19" fmla="*/ 0 w 457200"/>
-                  <a:gd name="connsiteY19" fmla="*/ 198882 h 457200"/>
-                  <a:gd name="connsiteX20" fmla="*/ 97155 w 457200"/>
-                  <a:gd name="connsiteY20" fmla="*/ 296037 h 457200"/>
-                  <a:gd name="connsiteX21" fmla="*/ 64579 w 457200"/>
-                  <a:gd name="connsiteY21" fmla="*/ 336614 h 457200"/>
-                  <a:gd name="connsiteX22" fmla="*/ 41148 w 457200"/>
-                  <a:gd name="connsiteY22" fmla="*/ 413195 h 457200"/>
-                  <a:gd name="connsiteX23" fmla="*/ 45148 w 457200"/>
-                  <a:gd name="connsiteY23" fmla="*/ 417195 h 457200"/>
-                  <a:gd name="connsiteX24" fmla="*/ 120587 w 457200"/>
-                  <a:gd name="connsiteY24" fmla="*/ 392620 h 457200"/>
-                  <a:gd name="connsiteX25" fmla="*/ 161163 w 457200"/>
-                  <a:gd name="connsiteY25" fmla="*/ 360045 h 457200"/>
-                  <a:gd name="connsiteX26" fmla="*/ 258318 w 457200"/>
-                  <a:gd name="connsiteY26" fmla="*/ 457200 h 457200"/>
-                  <a:gd name="connsiteX27" fmla="*/ 328041 w 457200"/>
-                  <a:gd name="connsiteY27" fmla="*/ 387477 h 457200"/>
-                  <a:gd name="connsiteX28" fmla="*/ 295466 w 457200"/>
-                  <a:gd name="connsiteY28" fmla="*/ 346900 h 457200"/>
-                </a:gdLst>
-                <a:ahLst/>
-                <a:cxnLst>
-                  <a:cxn ang="0">
-                    <a:pos x="connsiteX0" y="connsiteY0"/>
-                  </a:cxn>
-                  <a:cxn ang="0">
-                    <a:pos x="connsiteX1" y="connsiteY1"/>
-                  </a:cxn>
-                  <a:cxn ang="0">
-                    <a:pos x="connsiteX2" y="connsiteY2"/>
-                  </a:cxn>
-                  <a:cxn ang="0">
-                    <a:pos x="connsiteX3" y="connsiteY3"/>
-                  </a:cxn>
-                  <a:cxn ang="0">
-                    <a:pos x="connsiteX4" y="connsiteY4"/>
-                  </a:cxn>
-                  <a:cxn ang="0">
-                    <a:pos x="connsiteX5" y="connsiteY5"/>
-                  </a:cxn>
-                  <a:cxn ang="0">
-                    <a:pos x="connsiteX6" y="connsiteY6"/>
-                  </a:cxn>
-                  <a:cxn ang="0">
-                    <a:pos x="connsiteX7" y="connsiteY7"/>
-                  </a:cxn>
-                  <a:cxn ang="0">
-                    <a:pos x="connsiteX8" y="connsiteY8"/>
-                  </a:cxn>
-                  <a:cxn ang="0">
-                    <a:pos x="connsiteX9" y="connsiteY9"/>
-                  </a:cxn>
-                  <a:cxn ang="0">
-                    <a:pos x="connsiteX10" y="connsiteY10"/>
-                  </a:cxn>
-                  <a:cxn ang="0">
-                    <a:pos x="connsiteX11" y="connsiteY11"/>
-                  </a:cxn>
-                  <a:cxn ang="0">
-                    <a:pos x="connsiteX12" y="connsiteY12"/>
-                  </a:cxn>
-                  <a:cxn ang="0">
-                    <a:pos x="connsiteX13" y="connsiteY13"/>
-                  </a:cxn>
-                  <a:cxn ang="0">
-                    <a:pos x="connsiteX14" y="connsiteY14"/>
-                  </a:cxn>
-                  <a:cxn ang="0">
-                    <a:pos x="connsiteX15" y="connsiteY15"/>
-                  </a:cxn>
-                  <a:cxn ang="0">
-                    <a:pos x="connsiteX16" y="connsiteY16"/>
-                  </a:cxn>
-                  <a:cxn ang="0">
-                    <a:pos x="connsiteX17" y="connsiteY17"/>
-                  </a:cxn>
-                  <a:cxn ang="0">
-                    <a:pos x="connsiteX18" y="connsiteY18"/>
-                  </a:cxn>
-                  <a:cxn ang="0">
-                    <a:pos x="connsiteX19" y="connsiteY19"/>
-                  </a:cxn>
-                  <a:cxn ang="0">
-                    <a:pos x="connsiteX20" y="connsiteY20"/>
-                  </a:cxn>
-                  <a:cxn ang="0">
-                    <a:pos x="connsiteX21" y="connsiteY21"/>
-                  </a:cxn>
-                  <a:cxn ang="0">
-                    <a:pos x="connsiteX22" y="connsiteY22"/>
-                  </a:cxn>
-                  <a:cxn ang="0">
-                    <a:pos x="connsiteX23" y="connsiteY23"/>
-                  </a:cxn>
-                  <a:cxn ang="0">
-                    <a:pos x="connsiteX24" y="connsiteY24"/>
-                  </a:cxn>
-                  <a:cxn ang="0">
-                    <a:pos x="connsiteX25" y="connsiteY25"/>
-                  </a:cxn>
-                  <a:cxn ang="0">
-                    <a:pos x="connsiteX26" y="connsiteY26"/>
-                  </a:cxn>
-                  <a:cxn ang="0">
-                    <a:pos x="connsiteX27" y="connsiteY27"/>
-                  </a:cxn>
-                  <a:cxn ang="0">
-                    <a:pos x="connsiteX28" y="connsiteY28"/>
-                  </a:cxn>
-                </a:cxnLst>
-                <a:rect l="l" t="t" r="r" b="b"/>
-                <a:pathLst>
-                  <a:path w="457200" h="457200">
-                    <a:moveTo>
-                      <a:pt x="295466" y="346900"/>
-                    </a:moveTo>
-                    <a:cubicBezTo>
-                      <a:pt x="257746" y="348044"/>
-                      <a:pt x="244031" y="299466"/>
-                      <a:pt x="270891" y="271463"/>
-                    </a:cubicBezTo>
-                    <a:lnTo>
-                      <a:pt x="274892" y="267462"/>
-                    </a:lnTo>
-                    <a:cubicBezTo>
-                      <a:pt x="302895" y="240601"/>
-                      <a:pt x="352615" y="253175"/>
-                      <a:pt x="351473" y="290894"/>
-                    </a:cubicBezTo>
-                    <a:cubicBezTo>
-                      <a:pt x="350901" y="312611"/>
-                      <a:pt x="376619" y="338900"/>
-                      <a:pt x="392049" y="323469"/>
-                    </a:cubicBezTo>
-                    <a:lnTo>
-                      <a:pt x="457200" y="258318"/>
-                    </a:lnTo>
-                    <a:lnTo>
-                      <a:pt x="360045" y="161163"/>
-                    </a:lnTo>
-                    <a:cubicBezTo>
-                      <a:pt x="344615" y="145733"/>
-                      <a:pt x="370904" y="120015"/>
-                      <a:pt x="392620" y="120587"/>
-                    </a:cubicBezTo>
-                    <a:cubicBezTo>
-                      <a:pt x="430340" y="121729"/>
-                      <a:pt x="442913" y="72009"/>
-                      <a:pt x="416052" y="44006"/>
-                    </a:cubicBezTo>
-                    <a:lnTo>
-                      <a:pt x="412052" y="40005"/>
-                    </a:lnTo>
-                    <a:cubicBezTo>
-                      <a:pt x="384048" y="13145"/>
-                      <a:pt x="335470" y="26860"/>
-                      <a:pt x="336614" y="64579"/>
-                    </a:cubicBezTo>
-                    <a:cubicBezTo>
-                      <a:pt x="337185" y="86297"/>
-                      <a:pt x="311468" y="112586"/>
-                      <a:pt x="296037" y="97155"/>
-                    </a:cubicBezTo>
-                    <a:lnTo>
-                      <a:pt x="198882" y="0"/>
-                    </a:lnTo>
-                    <a:lnTo>
-                      <a:pt x="133160" y="65151"/>
-                    </a:lnTo>
-                    <a:cubicBezTo>
-                      <a:pt x="117729" y="80582"/>
-                      <a:pt x="144018" y="106299"/>
-                      <a:pt x="165735" y="105728"/>
-                    </a:cubicBezTo>
-                    <a:cubicBezTo>
-                      <a:pt x="203454" y="104584"/>
-                      <a:pt x="217170" y="153162"/>
-                      <a:pt x="190310" y="181166"/>
-                    </a:cubicBezTo>
-                    <a:lnTo>
-                      <a:pt x="186309" y="185166"/>
-                    </a:lnTo>
-                    <a:cubicBezTo>
-                      <a:pt x="158306" y="212026"/>
-                      <a:pt x="108585" y="199454"/>
-                      <a:pt x="109728" y="161735"/>
-                    </a:cubicBezTo>
-                    <a:cubicBezTo>
-                      <a:pt x="110299" y="140018"/>
-                      <a:pt x="84582" y="113729"/>
-                      <a:pt x="69152" y="129159"/>
-                    </a:cubicBezTo>
-                    <a:lnTo>
-                      <a:pt x="0" y="198882"/>
-                    </a:lnTo>
-                    <a:lnTo>
-                      <a:pt x="97155" y="296037"/>
-                    </a:lnTo>
-                    <a:cubicBezTo>
-                      <a:pt x="112586" y="311468"/>
-                      <a:pt x="86297" y="337185"/>
-                      <a:pt x="64579" y="336614"/>
-                    </a:cubicBezTo>
-                    <a:cubicBezTo>
-                      <a:pt x="26860" y="335470"/>
-                      <a:pt x="14288" y="385191"/>
-                      <a:pt x="41148" y="413195"/>
-                    </a:cubicBezTo>
-                    <a:lnTo>
-                      <a:pt x="45148" y="417195"/>
-                    </a:lnTo>
-                    <a:cubicBezTo>
-                      <a:pt x="73152" y="444055"/>
-                      <a:pt x="121729" y="430340"/>
-                      <a:pt x="120587" y="392620"/>
-                    </a:cubicBezTo>
-                    <a:cubicBezTo>
-                      <a:pt x="120015" y="370904"/>
-                      <a:pt x="145733" y="344615"/>
-                      <a:pt x="161163" y="360045"/>
-                    </a:cubicBezTo>
-                    <a:lnTo>
-                      <a:pt x="258318" y="457200"/>
-                    </a:lnTo>
-                    <a:lnTo>
-                      <a:pt x="328041" y="387477"/>
-                    </a:lnTo>
-                    <a:cubicBezTo>
-                      <a:pt x="343472" y="372047"/>
-                      <a:pt x="317754" y="346329"/>
-                      <a:pt x="295466" y="346900"/>
-                    </a:cubicBezTo>
-                    <a:close/>
-                  </a:path>
-                </a:pathLst>
-              </a:custGeom>
-              <a:solidFill>
-                <a:srgbClr val="000000"/>
-              </a:solidFill>
-              <a:ln w="5655" cap="flat">
-                <a:noFill/>
-                <a:prstDash val="solid"/>
-                <a:miter/>
-              </a:ln>
-            </p:spPr>
-            <p:txBody>
-              <a:bodyPr rtlCol="0" anchor="ctr"/>
-              <a:lstStyle/>
-              <a:p>
-                <a:pPr marL="0" marR="0" lvl="0" indent="0" defTabSz="914400" eaLnBrk="1" fontAlgn="auto" latinLnBrk="0" hangingPunct="1">
-                  <a:lnSpc>
-                    <a:spcPct val="100000"/>
-                  </a:lnSpc>
-                  <a:spcBef>
-                    <a:spcPts val="0"/>
-                  </a:spcBef>
-                  <a:spcAft>
-                    <a:spcPts val="0"/>
-                  </a:spcAft>
-                  <a:buClrTx/>
-                  <a:buSzTx/>
-                  <a:buFontTx/>
-                  <a:buNone/>
-                  <a:tabLst/>
-                  <a:defRPr/>
-                </a:pPr>
-                <a:endParaRPr kumimoji="0" lang="en-US" sz="1800" b="0" i="0" u="none" strike="noStrike" kern="0" cap="none" spc="0" normalizeH="0" baseline="0" noProof="0">
-                  <a:ln>
-                    <a:noFill/>
-                  </a:ln>
-                  <a:solidFill>
-                    <a:prstClr val="black"/>
-                  </a:solidFill>
-                  <a:effectLst/>
-                  <a:uLnTx/>
-                  <a:uFillTx/>
-                </a:endParaRPr>
-              </a:p>
-            </p:txBody>
-          </p:sp>
-        </p:grpSp>
-        <p:grpSp>
-          <p:nvGrpSpPr>
-            <p:cNvPr id="55" name="Group 54">
-              <a:extLst>
-                <a:ext uri="{FF2B5EF4-FFF2-40B4-BE49-F238E27FC236}">
-                  <a16:creationId xmlns:a16="http://schemas.microsoft.com/office/drawing/2014/main" id="{B3007541-3A75-B96B-FC3A-0DF7F4ADFAE8}"/>
-                </a:ext>
-              </a:extLst>
-            </p:cNvPr>
-            <p:cNvGrpSpPr/>
-            <p:nvPr/>
-          </p:nvGrpSpPr>
-          <p:grpSpPr>
-            <a:xfrm>
-              <a:off x="3298841" y="3271274"/>
-              <a:ext cx="556015" cy="593238"/>
-              <a:chOff x="3066306" y="887135"/>
-              <a:chExt cx="675875" cy="646467"/>
-            </a:xfrm>
-          </p:grpSpPr>
-          <p:sp>
-            <p:nvSpPr>
-              <p:cNvPr id="56" name="Rectangle 55">
-                <a:extLst>
-                  <a:ext uri="{FF2B5EF4-FFF2-40B4-BE49-F238E27FC236}">
-                    <a16:creationId xmlns:a16="http://schemas.microsoft.com/office/drawing/2014/main" id="{2DCC012E-13B6-B802-C162-D46BF3F7871E}"/>
-                  </a:ext>
-                </a:extLst>
-              </p:cNvPr>
-              <p:cNvSpPr/>
-              <p:nvPr/>
-            </p:nvSpPr>
-            <p:spPr>
-              <a:xfrm rot="2700000" flipH="1">
-                <a:off x="3081010" y="872431"/>
-                <a:ext cx="646467" cy="675875"/>
-              </a:xfrm>
-              <a:prstGeom prst="rect">
-                <a:avLst/>
-              </a:prstGeom>
-              <a:solidFill>
-                <a:srgbClr val="4CC1EF"/>
-              </a:solidFill>
-              <a:ln w="12700" cap="flat" cmpd="sng" algn="ctr">
-                <a:noFill/>
-                <a:prstDash val="solid"/>
-                <a:miter lim="800000"/>
-              </a:ln>
-              <a:effectLst>
-                <a:outerShdw blurRad="50800" dist="38100" dir="2700000" algn="tl" rotWithShape="0">
-                  <a:prstClr val="black">
-                    <a:alpha val="40000"/>
-                  </a:prstClr>
-                </a:outerShdw>
-              </a:effectLst>
-            </p:spPr>
-            <p:txBody>
-              <a:bodyPr rtlCol="0" anchor="ctr"/>
-              <a:lstStyle/>
-              <a:p>
-                <a:pPr marL="0" marR="0" lvl="0" indent="0" algn="ctr" defTabSz="914400" eaLnBrk="1" fontAlgn="auto" latinLnBrk="0" hangingPunct="1">
-                  <a:lnSpc>
-                    <a:spcPct val="100000"/>
-                  </a:lnSpc>
-                  <a:spcBef>
-                    <a:spcPts val="0"/>
-                  </a:spcBef>
-                  <a:spcAft>
-                    <a:spcPts val="0"/>
-                  </a:spcAft>
-                  <a:buClrTx/>
-                  <a:buSzTx/>
-                  <a:buFontTx/>
-                  <a:buNone/>
-                  <a:tabLst/>
-                  <a:defRPr/>
-                </a:pPr>
-                <a:endParaRPr kumimoji="0" lang="en-US" sz="1800" b="0" i="0" u="none" strike="noStrike" kern="0" cap="none" spc="0" normalizeH="0" baseline="0" noProof="1">
-                  <a:ln>
-                    <a:noFill/>
-                  </a:ln>
-                  <a:solidFill>
-                    <a:srgbClr val="272D36"/>
-                  </a:solidFill>
-                  <a:effectLst/>
-                  <a:uLnTx/>
-                  <a:uFillTx/>
-                  <a:latin typeface="Calibri" panose="020F0502020204030204"/>
-                  <a:ea typeface="+mn-ea"/>
-                  <a:cs typeface="+mn-cs"/>
-                </a:endParaRPr>
-              </a:p>
-            </p:txBody>
-          </p:sp>
-          <p:sp>
-            <p:nvSpPr>
-              <p:cNvPr id="57" name="Graphic 55" descr="Puzzle">
-                <a:extLst>
-                  <a:ext uri="{FF2B5EF4-FFF2-40B4-BE49-F238E27FC236}">
-                    <a16:creationId xmlns:a16="http://schemas.microsoft.com/office/drawing/2014/main" id="{87D91871-BC2C-B1A2-AA07-0461B0F4FB7C}"/>
-                  </a:ext>
-                </a:extLst>
-              </p:cNvPr>
-              <p:cNvSpPr/>
-              <p:nvPr/>
-            </p:nvSpPr>
-            <p:spPr>
-              <a:xfrm>
-                <a:off x="3197402" y="1003555"/>
-                <a:ext cx="445162" cy="425793"/>
-              </a:xfrm>
-              <a:custGeom>
-                <a:avLst/>
-                <a:gdLst>
-                  <a:gd name="connsiteX0" fmla="*/ 295466 w 457200"/>
-                  <a:gd name="connsiteY0" fmla="*/ 346900 h 457200"/>
-                  <a:gd name="connsiteX1" fmla="*/ 270891 w 457200"/>
-                  <a:gd name="connsiteY1" fmla="*/ 271463 h 457200"/>
-                  <a:gd name="connsiteX2" fmla="*/ 274892 w 457200"/>
-                  <a:gd name="connsiteY2" fmla="*/ 267462 h 457200"/>
-                  <a:gd name="connsiteX3" fmla="*/ 351473 w 457200"/>
-                  <a:gd name="connsiteY3" fmla="*/ 290894 h 457200"/>
-                  <a:gd name="connsiteX4" fmla="*/ 392049 w 457200"/>
-                  <a:gd name="connsiteY4" fmla="*/ 323469 h 457200"/>
-                  <a:gd name="connsiteX5" fmla="*/ 457200 w 457200"/>
-                  <a:gd name="connsiteY5" fmla="*/ 258318 h 457200"/>
-                  <a:gd name="connsiteX6" fmla="*/ 360045 w 457200"/>
-                  <a:gd name="connsiteY6" fmla="*/ 161163 h 457200"/>
-                  <a:gd name="connsiteX7" fmla="*/ 392620 w 457200"/>
-                  <a:gd name="connsiteY7" fmla="*/ 120587 h 457200"/>
-                  <a:gd name="connsiteX8" fmla="*/ 416052 w 457200"/>
-                  <a:gd name="connsiteY8" fmla="*/ 44006 h 457200"/>
-                  <a:gd name="connsiteX9" fmla="*/ 412052 w 457200"/>
-                  <a:gd name="connsiteY9" fmla="*/ 40005 h 457200"/>
-                  <a:gd name="connsiteX10" fmla="*/ 336614 w 457200"/>
-                  <a:gd name="connsiteY10" fmla="*/ 64579 h 457200"/>
-                  <a:gd name="connsiteX11" fmla="*/ 296037 w 457200"/>
-                  <a:gd name="connsiteY11" fmla="*/ 97155 h 457200"/>
-                  <a:gd name="connsiteX12" fmla="*/ 198882 w 457200"/>
-                  <a:gd name="connsiteY12" fmla="*/ 0 h 457200"/>
-                  <a:gd name="connsiteX13" fmla="*/ 133160 w 457200"/>
-                  <a:gd name="connsiteY13" fmla="*/ 65151 h 457200"/>
-                  <a:gd name="connsiteX14" fmla="*/ 165735 w 457200"/>
-                  <a:gd name="connsiteY14" fmla="*/ 105728 h 457200"/>
-                  <a:gd name="connsiteX15" fmla="*/ 190310 w 457200"/>
-                  <a:gd name="connsiteY15" fmla="*/ 181166 h 457200"/>
-                  <a:gd name="connsiteX16" fmla="*/ 186309 w 457200"/>
-                  <a:gd name="connsiteY16" fmla="*/ 185166 h 457200"/>
-                  <a:gd name="connsiteX17" fmla="*/ 109728 w 457200"/>
-                  <a:gd name="connsiteY17" fmla="*/ 161735 h 457200"/>
-                  <a:gd name="connsiteX18" fmla="*/ 69152 w 457200"/>
-                  <a:gd name="connsiteY18" fmla="*/ 129159 h 457200"/>
-                  <a:gd name="connsiteX19" fmla="*/ 0 w 457200"/>
-                  <a:gd name="connsiteY19" fmla="*/ 198882 h 457200"/>
-                  <a:gd name="connsiteX20" fmla="*/ 97155 w 457200"/>
-                  <a:gd name="connsiteY20" fmla="*/ 296037 h 457200"/>
-                  <a:gd name="connsiteX21" fmla="*/ 64579 w 457200"/>
-                  <a:gd name="connsiteY21" fmla="*/ 336614 h 457200"/>
-                  <a:gd name="connsiteX22" fmla="*/ 41148 w 457200"/>
-                  <a:gd name="connsiteY22" fmla="*/ 413195 h 457200"/>
-                  <a:gd name="connsiteX23" fmla="*/ 45148 w 457200"/>
-                  <a:gd name="connsiteY23" fmla="*/ 417195 h 457200"/>
-                  <a:gd name="connsiteX24" fmla="*/ 120587 w 457200"/>
-                  <a:gd name="connsiteY24" fmla="*/ 392620 h 457200"/>
-                  <a:gd name="connsiteX25" fmla="*/ 161163 w 457200"/>
-                  <a:gd name="connsiteY25" fmla="*/ 360045 h 457200"/>
-                  <a:gd name="connsiteX26" fmla="*/ 258318 w 457200"/>
-                  <a:gd name="connsiteY26" fmla="*/ 457200 h 457200"/>
-                  <a:gd name="connsiteX27" fmla="*/ 328041 w 457200"/>
-                  <a:gd name="connsiteY27" fmla="*/ 387477 h 457200"/>
-                  <a:gd name="connsiteX28" fmla="*/ 295466 w 457200"/>
-                  <a:gd name="connsiteY28" fmla="*/ 346900 h 457200"/>
-                </a:gdLst>
-                <a:ahLst/>
-                <a:cxnLst>
-                  <a:cxn ang="0">
-                    <a:pos x="connsiteX0" y="connsiteY0"/>
-                  </a:cxn>
-                  <a:cxn ang="0">
-                    <a:pos x="connsiteX1" y="connsiteY1"/>
-                  </a:cxn>
-                  <a:cxn ang="0">
-                    <a:pos x="connsiteX2" y="connsiteY2"/>
-                  </a:cxn>
-                  <a:cxn ang="0">
-                    <a:pos x="connsiteX3" y="connsiteY3"/>
-                  </a:cxn>
-                  <a:cxn ang="0">
-                    <a:pos x="connsiteX4" y="connsiteY4"/>
-                  </a:cxn>
-                  <a:cxn ang="0">
-                    <a:pos x="connsiteX5" y="connsiteY5"/>
-                  </a:cxn>
-                  <a:cxn ang="0">
-                    <a:pos x="connsiteX6" y="connsiteY6"/>
-                  </a:cxn>
-                  <a:cxn ang="0">
-                    <a:pos x="connsiteX7" y="connsiteY7"/>
-                  </a:cxn>
-                  <a:cxn ang="0">
-                    <a:pos x="connsiteX8" y="connsiteY8"/>
-                  </a:cxn>
-                  <a:cxn ang="0">
-                    <a:pos x="connsiteX9" y="connsiteY9"/>
-                  </a:cxn>
-                  <a:cxn ang="0">
-                    <a:pos x="connsiteX10" y="connsiteY10"/>
-                  </a:cxn>
-                  <a:cxn ang="0">
-                    <a:pos x="connsiteX11" y="connsiteY11"/>
-                  </a:cxn>
-                  <a:cxn ang="0">
-                    <a:pos x="connsiteX12" y="connsiteY12"/>
-                  </a:cxn>
-                  <a:cxn ang="0">
-                    <a:pos x="connsiteX13" y="connsiteY13"/>
-                  </a:cxn>
-                  <a:cxn ang="0">
-                    <a:pos x="connsiteX14" y="connsiteY14"/>
-                  </a:cxn>
-                  <a:cxn ang="0">
-                    <a:pos x="connsiteX15" y="connsiteY15"/>
-                  </a:cxn>
-                  <a:cxn ang="0">
-                    <a:pos x="connsiteX16" y="connsiteY16"/>
-                  </a:cxn>
-                  <a:cxn ang="0">
-                    <a:pos x="connsiteX17" y="connsiteY17"/>
-                  </a:cxn>
-                  <a:cxn ang="0">
-                    <a:pos x="connsiteX18" y="connsiteY18"/>
-                  </a:cxn>
-                  <a:cxn ang="0">
-                    <a:pos x="connsiteX19" y="connsiteY19"/>
-                  </a:cxn>
-                  <a:cxn ang="0">
-                    <a:pos x="connsiteX20" y="connsiteY20"/>
-                  </a:cxn>
-                  <a:cxn ang="0">
-                    <a:pos x="connsiteX21" y="connsiteY21"/>
-                  </a:cxn>
-                  <a:cxn ang="0">
-                    <a:pos x="connsiteX22" y="connsiteY22"/>
-                  </a:cxn>
-                  <a:cxn ang="0">
-                    <a:pos x="connsiteX23" y="connsiteY23"/>
-                  </a:cxn>
-                  <a:cxn ang="0">
-                    <a:pos x="connsiteX24" y="connsiteY24"/>
-                  </a:cxn>
-                  <a:cxn ang="0">
-                    <a:pos x="connsiteX25" y="connsiteY25"/>
-                  </a:cxn>
-                  <a:cxn ang="0">
-                    <a:pos x="connsiteX26" y="connsiteY26"/>
-                  </a:cxn>
-                  <a:cxn ang="0">
-                    <a:pos x="connsiteX27" y="connsiteY27"/>
-                  </a:cxn>
-                  <a:cxn ang="0">
-                    <a:pos x="connsiteX28" y="connsiteY28"/>
-                  </a:cxn>
-                </a:cxnLst>
-                <a:rect l="l" t="t" r="r" b="b"/>
-                <a:pathLst>
-                  <a:path w="457200" h="457200">
-                    <a:moveTo>
-                      <a:pt x="295466" y="346900"/>
-                    </a:moveTo>
-                    <a:cubicBezTo>
-                      <a:pt x="257746" y="348044"/>
-                      <a:pt x="244031" y="299466"/>
-                      <a:pt x="270891" y="271463"/>
-                    </a:cubicBezTo>
-                    <a:lnTo>
-                      <a:pt x="274892" y="267462"/>
-                    </a:lnTo>
-                    <a:cubicBezTo>
-                      <a:pt x="302895" y="240601"/>
-                      <a:pt x="352615" y="253175"/>
-                      <a:pt x="351473" y="290894"/>
-                    </a:cubicBezTo>
-                    <a:cubicBezTo>
-                      <a:pt x="350901" y="312611"/>
-                      <a:pt x="376619" y="338900"/>
-                      <a:pt x="392049" y="323469"/>
-                    </a:cubicBezTo>
-                    <a:lnTo>
-                      <a:pt x="457200" y="258318"/>
-                    </a:lnTo>
-                    <a:lnTo>
-                      <a:pt x="360045" y="161163"/>
-                    </a:lnTo>
-                    <a:cubicBezTo>
-                      <a:pt x="344615" y="145733"/>
-                      <a:pt x="370904" y="120015"/>
-                      <a:pt x="392620" y="120587"/>
-                    </a:cubicBezTo>
-                    <a:cubicBezTo>
-                      <a:pt x="430340" y="121729"/>
-                      <a:pt x="442913" y="72009"/>
-                      <a:pt x="416052" y="44006"/>
-                    </a:cubicBezTo>
-                    <a:lnTo>
-                      <a:pt x="412052" y="40005"/>
-                    </a:lnTo>
-                    <a:cubicBezTo>
-                      <a:pt x="384048" y="13145"/>
-                      <a:pt x="335470" y="26860"/>
-                      <a:pt x="336614" y="64579"/>
-                    </a:cubicBezTo>
-                    <a:cubicBezTo>
-                      <a:pt x="337185" y="86297"/>
-                      <a:pt x="311468" y="112586"/>
-                      <a:pt x="296037" y="97155"/>
-                    </a:cubicBezTo>
-                    <a:lnTo>
-                      <a:pt x="198882" y="0"/>
-                    </a:lnTo>
-                    <a:lnTo>
-                      <a:pt x="133160" y="65151"/>
-                    </a:lnTo>
-                    <a:cubicBezTo>
-                      <a:pt x="117729" y="80582"/>
-                      <a:pt x="144018" y="106299"/>
-                      <a:pt x="165735" y="105728"/>
-                    </a:cubicBezTo>
-                    <a:cubicBezTo>
-                      <a:pt x="203454" y="104584"/>
-                      <a:pt x="217170" y="153162"/>
-                      <a:pt x="190310" y="181166"/>
-                    </a:cubicBezTo>
-                    <a:lnTo>
-                      <a:pt x="186309" y="185166"/>
-                    </a:lnTo>
-                    <a:cubicBezTo>
-                      <a:pt x="158306" y="212026"/>
-                      <a:pt x="108585" y="199454"/>
-                      <a:pt x="109728" y="161735"/>
-                    </a:cubicBezTo>
-                    <a:cubicBezTo>
-                      <a:pt x="110299" y="140018"/>
-                      <a:pt x="84582" y="113729"/>
-                      <a:pt x="69152" y="129159"/>
-                    </a:cubicBezTo>
-                    <a:lnTo>
-                      <a:pt x="0" y="198882"/>
-                    </a:lnTo>
-                    <a:lnTo>
-                      <a:pt x="97155" y="296037"/>
-                    </a:lnTo>
-                    <a:cubicBezTo>
-                      <a:pt x="112586" y="311468"/>
-                      <a:pt x="86297" y="337185"/>
-                      <a:pt x="64579" y="336614"/>
-                    </a:cubicBezTo>
-                    <a:cubicBezTo>
-                      <a:pt x="26860" y="335470"/>
-                      <a:pt x="14288" y="385191"/>
-                      <a:pt x="41148" y="413195"/>
-                    </a:cubicBezTo>
-                    <a:lnTo>
-                      <a:pt x="45148" y="417195"/>
-                    </a:lnTo>
-                    <a:cubicBezTo>
-                      <a:pt x="73152" y="444055"/>
-                      <a:pt x="121729" y="430340"/>
-                      <a:pt x="120587" y="392620"/>
-                    </a:cubicBezTo>
-                    <a:cubicBezTo>
-                      <a:pt x="120015" y="370904"/>
-                      <a:pt x="145733" y="344615"/>
-                      <a:pt x="161163" y="360045"/>
-                    </a:cubicBezTo>
-                    <a:lnTo>
-                      <a:pt x="258318" y="457200"/>
-                    </a:lnTo>
-                    <a:lnTo>
-                      <a:pt x="328041" y="387477"/>
-                    </a:lnTo>
-                    <a:cubicBezTo>
-                      <a:pt x="343472" y="372047"/>
-                      <a:pt x="317754" y="346329"/>
-                      <a:pt x="295466" y="346900"/>
-                    </a:cubicBezTo>
-                    <a:close/>
-                  </a:path>
-                </a:pathLst>
-              </a:custGeom>
-              <a:solidFill>
-                <a:srgbClr val="000000"/>
-              </a:solidFill>
-              <a:ln w="5655" cap="flat">
-                <a:noFill/>
-                <a:prstDash val="solid"/>
-                <a:miter/>
-              </a:ln>
-            </p:spPr>
-            <p:txBody>
-              <a:bodyPr rtlCol="0" anchor="ctr"/>
-              <a:lstStyle/>
-              <a:p>
-                <a:pPr marL="0" marR="0" lvl="0" indent="0" defTabSz="914400" eaLnBrk="1" fontAlgn="auto" latinLnBrk="0" hangingPunct="1">
-                  <a:lnSpc>
-                    <a:spcPct val="100000"/>
-                  </a:lnSpc>
-                  <a:spcBef>
-                    <a:spcPts val="0"/>
-                  </a:spcBef>
-                  <a:spcAft>
-                    <a:spcPts val="0"/>
-                  </a:spcAft>
-                  <a:buClrTx/>
-                  <a:buSzTx/>
-                  <a:buFontTx/>
-                  <a:buNone/>
-                  <a:tabLst/>
-                  <a:defRPr/>
-                </a:pPr>
-                <a:endParaRPr kumimoji="0" lang="en-US" sz="1800" b="0" i="0" u="none" strike="noStrike" kern="0" cap="none" spc="0" normalizeH="0" baseline="0" noProof="0">
-                  <a:ln>
-                    <a:noFill/>
-                  </a:ln>
-                  <a:solidFill>
-                    <a:prstClr val="black"/>
-                  </a:solidFill>
-                  <a:effectLst/>
-                  <a:uLnTx/>
-                  <a:uFillTx/>
-                </a:endParaRPr>
-              </a:p>
-            </p:txBody>
-          </p:sp>
-        </p:grpSp>
-      </p:grpSp>
-      <p:sp>
-        <p:nvSpPr>
-          <p:cNvPr id="62" name="TextBox 61">
-            <a:extLst>
-              <a:ext uri="{FF2B5EF4-FFF2-40B4-BE49-F238E27FC236}">
-                <a16:creationId xmlns:a16="http://schemas.microsoft.com/office/drawing/2014/main" id="{EC6E2030-BB76-F981-6F4D-311D2409CF13}"/>
-              </a:ext>
-            </a:extLst>
-          </p:cNvPr>
-          <p:cNvSpPr txBox="1"/>
-          <p:nvPr/>
-        </p:nvSpPr>
-        <p:spPr>
-          <a:xfrm>
-            <a:off x="3293618" y="1050171"/>
-            <a:ext cx="5276180" cy="2088799"/>
-          </a:xfrm>
-          <a:prstGeom prst="round2DiagRect">
-            <a:avLst/>
-          </a:prstGeom>
-          <a:solidFill>
-            <a:srgbClr val="FFC000">
-              <a:alpha val="43000"/>
-            </a:srgbClr>
-          </a:solidFill>
-        </p:spPr>
-        <p:txBody>
-          <a:bodyPr wrap="square">
-            <a:spAutoFit/>
-          </a:bodyPr>
-          <a:lstStyle/>
-          <a:p>
-            <a:pPr algn="ctr">
-              <a:lnSpc>
-                <a:spcPct val="150000"/>
-              </a:lnSpc>
-            </a:pPr>
-            <a:r>
-              <a:rPr lang="en-US" sz="2000" dirty="0">
-                <a:latin typeface="Comic Sans MS" panose="030F0702030302020204" pitchFamily="66" charset="0"/>
-                <a:ea typeface="+mj-ea"/>
-                <a:cs typeface="Arshia" panose="00000400000000000000" pitchFamily="2" charset="-78"/>
-              </a:rPr>
-              <a:t>Handling missing values</a:t>
-            </a:r>
-          </a:p>
-          <a:p>
-            <a:pPr algn="ctr">
-              <a:lnSpc>
-                <a:spcPct val="150000"/>
-              </a:lnSpc>
-            </a:pPr>
-            <a:r>
-              <a:rPr lang="en-US" sz="2000" dirty="0">
-                <a:latin typeface="Comic Sans MS" panose="030F0702030302020204" pitchFamily="66" charset="0"/>
-                <a:ea typeface="+mj-ea"/>
-                <a:cs typeface="Arshia" panose="00000400000000000000" pitchFamily="2" charset="-78"/>
-              </a:rPr>
-              <a:t>Dealing with class imbalance</a:t>
-            </a:r>
-          </a:p>
-          <a:p>
-            <a:pPr algn="ctr">
-              <a:lnSpc>
-                <a:spcPct val="150000"/>
-              </a:lnSpc>
-            </a:pPr>
-            <a:r>
-              <a:rPr lang="en-US" sz="2000" dirty="0">
-                <a:latin typeface="Comic Sans MS" panose="030F0702030302020204" pitchFamily="66" charset="0"/>
-                <a:ea typeface="+mj-ea"/>
-                <a:cs typeface="Arshia" panose="00000400000000000000" pitchFamily="2" charset="-78"/>
-              </a:rPr>
-              <a:t>Feature engineering</a:t>
-            </a:r>
-          </a:p>
-          <a:p>
-            <a:pPr algn="ctr">
-              <a:lnSpc>
-                <a:spcPct val="150000"/>
-              </a:lnSpc>
-            </a:pPr>
-            <a:r>
-              <a:rPr lang="en-US" sz="2000" dirty="0">
-                <a:latin typeface="Comic Sans MS" panose="030F0702030302020204" pitchFamily="66" charset="0"/>
-                <a:ea typeface="+mj-ea"/>
-                <a:cs typeface="Arshia" panose="00000400000000000000" pitchFamily="2" charset="-78"/>
-              </a:rPr>
-              <a:t>Interpreting and explaining results</a:t>
-            </a:r>
-          </a:p>
-        </p:txBody>
-      </p:sp>
       <p:pic>
         <p:nvPicPr>
           <p:cNvPr id="86" name="Picture 85">
@@ -37369,8 +35806,8 @@
         </p:blipFill>
         <p:spPr>
           <a:xfrm>
-            <a:off x="3044998" y="3565552"/>
-            <a:ext cx="2414058" cy="2505441"/>
+            <a:off x="3493952" y="3877397"/>
+            <a:ext cx="2157032" cy="2238685"/>
           </a:xfrm>
           <a:prstGeom prst="rect">
             <a:avLst/>
@@ -37399,259 +35836,20 @@
         </p:blipFill>
         <p:spPr>
           <a:xfrm>
-            <a:off x="5766918" y="3526516"/>
-            <a:ext cx="2640799" cy="2544477"/>
+            <a:off x="6013773" y="3855913"/>
+            <a:ext cx="2359632" cy="2273565"/>
           </a:xfrm>
           <a:prstGeom prst="rect">
             <a:avLst/>
           </a:prstGeom>
         </p:spPr>
       </p:pic>
-    </p:spTree>
-    <p:extLst>
-      <p:ext uri="{BB962C8B-B14F-4D97-AF65-F5344CB8AC3E}">
-        <p14:creationId xmlns:p14="http://schemas.microsoft.com/office/powerpoint/2010/main" val="1220024993"/>
-      </p:ext>
-    </p:extLst>
-  </p:cSld>
-  <p:clrMapOvr>
-    <a:masterClrMapping/>
-  </p:clrMapOvr>
-</p:sld>
-</file>
-
-<file path=ppt/slides/slide6.xml><?xml version="1.0" encoding="utf-8"?>
-<p:sld xmlns:a="http://schemas.openxmlformats.org/drawingml/2006/main" xmlns:r="http://schemas.openxmlformats.org/officeDocument/2006/relationships" xmlns:p="http://schemas.openxmlformats.org/presentationml/2006/main">
-  <p:cSld>
-    <p:spTree>
-      <p:nvGrpSpPr>
-        <p:cNvPr id="1" name=""/>
-        <p:cNvGrpSpPr/>
-        <p:nvPr/>
-      </p:nvGrpSpPr>
-      <p:grpSpPr>
-        <a:xfrm>
-          <a:off x="0" y="0"/>
-          <a:ext cx="0" cy="0"/>
-          <a:chOff x="0" y="0"/>
-          <a:chExt cx="0" cy="0"/>
-        </a:xfrm>
-      </p:grpSpPr>
-      <p:sp>
-        <p:nvSpPr>
-          <p:cNvPr id="128" name="Title 3">
-            <a:extLst>
-              <a:ext uri="{FF2B5EF4-FFF2-40B4-BE49-F238E27FC236}">
-                <a16:creationId xmlns:a16="http://schemas.microsoft.com/office/drawing/2014/main" id="{5515BC33-8625-509E-69FD-4CF86EB03F19}"/>
-              </a:ext>
-            </a:extLst>
-          </p:cNvPr>
-          <p:cNvSpPr>
-            <a:spLocks noGrp="1"/>
-          </p:cNvSpPr>
-          <p:nvPr>
-            <p:ph type="title"/>
-          </p:nvPr>
-        </p:nvSpPr>
-        <p:spPr>
-          <a:xfrm>
-            <a:off x="152400" y="-11265"/>
-            <a:ext cx="12039600" cy="935038"/>
-          </a:xfrm>
-        </p:spPr>
-        <p:txBody>
-          <a:bodyPr>
-            <a:normAutofit/>
-          </a:bodyPr>
-          <a:lstStyle/>
-          <a:p>
-            <a:pPr algn="ctr"/>
-            <a:r>
-              <a:rPr lang="en-US" sz="2800" b="1" dirty="0">
-                <a:latin typeface="Comic Sans MS" panose="030F0702030302020204" pitchFamily="66" charset="0"/>
-                <a:cs typeface="Arshia" panose="00000400000000000000" pitchFamily="2" charset="-78"/>
-              </a:rPr>
-              <a:t>Supervised Learning: </a:t>
-            </a:r>
-            <a:br>
-              <a:rPr lang="en-US" sz="2800" b="1" dirty="0">
-                <a:latin typeface="Comic Sans MS" panose="030F0702030302020204" pitchFamily="66" charset="0"/>
-                <a:cs typeface="Arshia" panose="00000400000000000000" pitchFamily="2" charset="-78"/>
-              </a:rPr>
-            </a:br>
-            <a:r>
-              <a:rPr lang="en-US" sz="2800" b="1" dirty="0">
-                <a:latin typeface="Comic Sans MS" panose="030F0702030302020204" pitchFamily="66" charset="0"/>
-                <a:cs typeface="Arshia" panose="00000400000000000000" pitchFamily="2" charset="-78"/>
-              </a:rPr>
-              <a:t>Decision Tree classification</a:t>
-            </a:r>
-          </a:p>
-        </p:txBody>
-      </p:sp>
-      <p:sp>
-        <p:nvSpPr>
-          <p:cNvPr id="155" name="TextBox 154">
-            <a:extLst>
-              <a:ext uri="{FF2B5EF4-FFF2-40B4-BE49-F238E27FC236}">
-                <a16:creationId xmlns:a16="http://schemas.microsoft.com/office/drawing/2014/main" id="{249C6F6B-9B4D-416F-FCB2-869FDEC84F65}"/>
-              </a:ext>
-            </a:extLst>
-          </p:cNvPr>
-          <p:cNvSpPr txBox="1"/>
-          <p:nvPr/>
-        </p:nvSpPr>
-        <p:spPr>
-          <a:xfrm>
-            <a:off x="3193834" y="2014340"/>
-            <a:ext cx="6261467" cy="400110"/>
-          </a:xfrm>
-          <a:prstGeom prst="rect">
-            <a:avLst/>
-          </a:prstGeom>
-          <a:noFill/>
-        </p:spPr>
-        <p:txBody>
-          <a:bodyPr wrap="square" lIns="0" rIns="0" rtlCol="0" anchor="b">
-            <a:spAutoFit/>
-          </a:bodyPr>
-          <a:lstStyle/>
-          <a:p>
-            <a:endParaRPr lang="en-US" sz="2000" b="1" noProof="1">
-              <a:solidFill>
-                <a:srgbClr val="863D0C"/>
-              </a:solidFill>
-              <a:latin typeface="Comic Sans MS" panose="030F0702030302020204" pitchFamily="66" charset="0"/>
-            </a:endParaRPr>
-          </a:p>
-        </p:txBody>
-      </p:sp>
-      <p:sp>
-        <p:nvSpPr>
-          <p:cNvPr id="158" name="TextBox 157">
-            <a:extLst>
-              <a:ext uri="{FF2B5EF4-FFF2-40B4-BE49-F238E27FC236}">
-                <a16:creationId xmlns:a16="http://schemas.microsoft.com/office/drawing/2014/main" id="{DF6CF31D-145F-2C5F-406D-10E20C109BDA}"/>
-              </a:ext>
-            </a:extLst>
-          </p:cNvPr>
-          <p:cNvSpPr txBox="1"/>
-          <p:nvPr/>
-        </p:nvSpPr>
-        <p:spPr>
-          <a:xfrm>
-            <a:off x="2472143" y="2414869"/>
-            <a:ext cx="2926080" cy="400110"/>
-          </a:xfrm>
-          <a:prstGeom prst="rect">
-            <a:avLst/>
-          </a:prstGeom>
-          <a:noFill/>
-        </p:spPr>
-        <p:txBody>
-          <a:bodyPr wrap="square" lIns="0" rIns="0" rtlCol="0" anchor="b">
-            <a:spAutoFit/>
-          </a:bodyPr>
-          <a:lstStyle/>
-          <a:p>
-            <a:pPr algn="r"/>
-            <a:r>
-              <a:rPr lang="en-US" sz="2000" b="1" noProof="1">
-                <a:solidFill>
-                  <a:srgbClr val="CC9B00"/>
-                </a:solidFill>
-                <a:latin typeface="Comic Sans MS" panose="030F0702030302020204" pitchFamily="66" charset="0"/>
-              </a:rPr>
-              <a:t>Mixed data handling</a:t>
-            </a:r>
-          </a:p>
-        </p:txBody>
-      </p:sp>
-      <p:sp>
-        <p:nvSpPr>
-          <p:cNvPr id="161" name="TextBox 160">
-            <a:extLst>
-              <a:ext uri="{FF2B5EF4-FFF2-40B4-BE49-F238E27FC236}">
-                <a16:creationId xmlns:a16="http://schemas.microsoft.com/office/drawing/2014/main" id="{A83652B0-8051-A58D-0AA3-DA3B2EB8AC65}"/>
-              </a:ext>
-            </a:extLst>
-          </p:cNvPr>
-          <p:cNvSpPr txBox="1"/>
-          <p:nvPr/>
-        </p:nvSpPr>
-        <p:spPr>
-          <a:xfrm>
-            <a:off x="3383421" y="1574979"/>
-            <a:ext cx="5425157" cy="400110"/>
-          </a:xfrm>
-          <a:prstGeom prst="rect">
-            <a:avLst/>
-          </a:prstGeom>
-          <a:noFill/>
-        </p:spPr>
-        <p:txBody>
-          <a:bodyPr wrap="square" lIns="0" rIns="0" rtlCol="0" anchor="b">
-            <a:spAutoFit/>
-          </a:bodyPr>
-          <a:lstStyle/>
-          <a:p>
-            <a:endParaRPr lang="en-US" sz="2000" b="1" noProof="1">
-              <a:solidFill>
-                <a:schemeClr val="accent1">
-                  <a:lumMod val="50000"/>
-                </a:schemeClr>
-              </a:solidFill>
-              <a:latin typeface="Comic Sans MS" panose="030F0702030302020204" pitchFamily="66" charset="0"/>
-            </a:endParaRPr>
-          </a:p>
-        </p:txBody>
-      </p:sp>
-      <p:sp>
-        <p:nvSpPr>
-          <p:cNvPr id="183" name="TextBox 182">
-            <a:extLst>
-              <a:ext uri="{FF2B5EF4-FFF2-40B4-BE49-F238E27FC236}">
-                <a16:creationId xmlns:a16="http://schemas.microsoft.com/office/drawing/2014/main" id="{B7782001-8C49-0D68-4204-2D533B63B8DE}"/>
-              </a:ext>
-            </a:extLst>
-          </p:cNvPr>
-          <p:cNvSpPr txBox="1"/>
-          <p:nvPr/>
-        </p:nvSpPr>
-        <p:spPr>
-          <a:xfrm>
-            <a:off x="2458696" y="2798742"/>
-            <a:ext cx="6986032" cy="400110"/>
-          </a:xfrm>
-          <a:prstGeom prst="rect">
-            <a:avLst/>
-          </a:prstGeom>
-          <a:noFill/>
-        </p:spPr>
-        <p:txBody>
-          <a:bodyPr wrap="square" lIns="0" rIns="0" rtlCol="0" anchor="b">
-            <a:spAutoFit/>
-          </a:bodyPr>
-          <a:lstStyle/>
-          <a:p>
-            <a:r>
-              <a:rPr lang="en-US" sz="2000" b="1" noProof="1">
-                <a:solidFill>
-                  <a:srgbClr val="007033"/>
-                </a:solidFill>
-                <a:latin typeface="Comic Sans MS" panose="030F0702030302020204" pitchFamily="66" charset="0"/>
-              </a:rPr>
-              <a:t>Ensuring representation in datasets</a:t>
-            </a:r>
-          </a:p>
-        </p:txBody>
-      </p:sp>
       <p:grpSp>
         <p:nvGrpSpPr>
           <p:cNvPr id="2" name="Group 1">
             <a:extLst>
               <a:ext uri="{FF2B5EF4-FFF2-40B4-BE49-F238E27FC236}">
-                <a16:creationId xmlns:a16="http://schemas.microsoft.com/office/drawing/2014/main" id="{50C27C92-70B0-A87E-699F-0773696A12BF}"/>
+                <a16:creationId xmlns:a16="http://schemas.microsoft.com/office/drawing/2014/main" id="{62F8574A-3C5C-5471-18AF-77A342DCA060}"/>
               </a:ext>
             </a:extLst>
           </p:cNvPr>
@@ -37660,7 +35858,7 @@
         </p:nvGrpSpPr>
         <p:grpSpPr>
           <a:xfrm>
-            <a:off x="390209" y="1193089"/>
+            <a:off x="1141338" y="1145169"/>
             <a:ext cx="2714941" cy="2845511"/>
             <a:chOff x="902792" y="1855741"/>
             <a:chExt cx="4187678" cy="4315925"/>
@@ -37668,10 +35866,10 @@
         </p:grpSpPr>
         <p:grpSp>
           <p:nvGrpSpPr>
-            <p:cNvPr id="163" name="Group 162">
+            <p:cNvPr id="3" name="Group 2">
               <a:extLst>
                 <a:ext uri="{FF2B5EF4-FFF2-40B4-BE49-F238E27FC236}">
-                  <a16:creationId xmlns:a16="http://schemas.microsoft.com/office/drawing/2014/main" id="{4A74E5E0-F305-AAF6-D64A-52F4814D0547}"/>
+                  <a16:creationId xmlns:a16="http://schemas.microsoft.com/office/drawing/2014/main" id="{21234BB4-7B98-A5D7-8F8F-B80A47EA9CB5}"/>
                 </a:ext>
               </a:extLst>
             </p:cNvPr>
@@ -37688,10 +35886,10 @@
           </p:grpSpPr>
           <p:sp>
             <p:nvSpPr>
-              <p:cNvPr id="164" name="Freeform: Shape 163">
+              <p:cNvPr id="11" name="Freeform: Shape 10">
                 <a:extLst>
                   <a:ext uri="{FF2B5EF4-FFF2-40B4-BE49-F238E27FC236}">
-                    <a16:creationId xmlns:a16="http://schemas.microsoft.com/office/drawing/2014/main" id="{4E1F3E8B-49EF-AF23-A2E5-AD261D6DC709}"/>
+                    <a16:creationId xmlns:a16="http://schemas.microsoft.com/office/drawing/2014/main" id="{24E2CCCD-C998-6DAA-1F36-E0B0C743DA35}"/>
                   </a:ext>
                 </a:extLst>
               </p:cNvPr>
@@ -37877,10 +36075,10 @@
           </p:sp>
           <p:sp>
             <p:nvSpPr>
-              <p:cNvPr id="165" name="Freeform: Shape 164">
+              <p:cNvPr id="12" name="Freeform: Shape 11">
                 <a:extLst>
                   <a:ext uri="{FF2B5EF4-FFF2-40B4-BE49-F238E27FC236}">
-                    <a16:creationId xmlns:a16="http://schemas.microsoft.com/office/drawing/2014/main" id="{B1729302-7D94-F42A-0790-19074386CE9B}"/>
+                    <a16:creationId xmlns:a16="http://schemas.microsoft.com/office/drawing/2014/main" id="{C06FCD65-0CE3-CFBB-0093-0351D8FD6B95}"/>
                   </a:ext>
                 </a:extLst>
               </p:cNvPr>
@@ -38158,10 +36356,10 @@
           </p:sp>
           <p:sp>
             <p:nvSpPr>
-              <p:cNvPr id="166" name="Freeform: Shape 165">
+              <p:cNvPr id="13" name="Freeform: Shape 12">
                 <a:extLst>
                   <a:ext uri="{FF2B5EF4-FFF2-40B4-BE49-F238E27FC236}">
-                    <a16:creationId xmlns:a16="http://schemas.microsoft.com/office/drawing/2014/main" id="{F857D38A-B80A-DE98-3E3B-DC07FA4EAE37}"/>
+                    <a16:creationId xmlns:a16="http://schemas.microsoft.com/office/drawing/2014/main" id="{D1F67176-ABC1-351A-73E8-8E86D3C76688}"/>
                   </a:ext>
                 </a:extLst>
               </p:cNvPr>
@@ -38405,10 +36603,10 @@
           </p:sp>
           <p:sp>
             <p:nvSpPr>
-              <p:cNvPr id="167" name="Freeform: Shape 166">
+              <p:cNvPr id="14" name="Freeform: Shape 13">
                 <a:extLst>
                   <a:ext uri="{FF2B5EF4-FFF2-40B4-BE49-F238E27FC236}">
-                    <a16:creationId xmlns:a16="http://schemas.microsoft.com/office/drawing/2014/main" id="{FC6C70CC-23BF-A176-7E69-CC8CD1AD075F}"/>
+                    <a16:creationId xmlns:a16="http://schemas.microsoft.com/office/drawing/2014/main" id="{70E35024-1624-82B9-4F36-ACE08D838095}"/>
                   </a:ext>
                 </a:extLst>
               </p:cNvPr>
@@ -38666,16 +36864,16 @@
               <a:lstStyle/>
               <a:p>
                 <a:pPr algn="ctr"/>
-                <a:endParaRPr lang="en-US"/>
+                <a:endParaRPr lang="en-US" dirty="0"/>
               </a:p>
             </p:txBody>
           </p:sp>
           <p:sp>
             <p:nvSpPr>
-              <p:cNvPr id="168" name="Rectangle 167">
+              <p:cNvPr id="15" name="Rectangle 14">
                 <a:extLst>
                   <a:ext uri="{FF2B5EF4-FFF2-40B4-BE49-F238E27FC236}">
-                    <a16:creationId xmlns:a16="http://schemas.microsoft.com/office/drawing/2014/main" id="{071FDE3D-4634-B05D-D92F-5732FDACA037}"/>
+                    <a16:creationId xmlns:a16="http://schemas.microsoft.com/office/drawing/2014/main" id="{BD28188F-2717-0E4D-A26D-E7A455239E8D}"/>
                   </a:ext>
                 </a:extLst>
               </p:cNvPr>
@@ -38726,10 +36924,10 @@
           </p:sp>
           <p:sp>
             <p:nvSpPr>
-              <p:cNvPr id="169" name="Freeform: Shape 168">
+              <p:cNvPr id="16" name="Freeform: Shape 15">
                 <a:extLst>
                   <a:ext uri="{FF2B5EF4-FFF2-40B4-BE49-F238E27FC236}">
-                    <a16:creationId xmlns:a16="http://schemas.microsoft.com/office/drawing/2014/main" id="{226D7A9B-38C6-B34D-0259-CC39A27655D7}"/>
+                    <a16:creationId xmlns:a16="http://schemas.microsoft.com/office/drawing/2014/main" id="{B20C8977-D689-D5D8-F4F2-0FF885B339D6}"/>
                   </a:ext>
                 </a:extLst>
               </p:cNvPr>
@@ -38930,10 +37128,10 @@
           </p:sp>
           <p:sp>
             <p:nvSpPr>
-              <p:cNvPr id="170" name="Freeform: Shape 169">
+              <p:cNvPr id="17" name="Freeform: Shape 16">
                 <a:extLst>
                   <a:ext uri="{FF2B5EF4-FFF2-40B4-BE49-F238E27FC236}">
-                    <a16:creationId xmlns:a16="http://schemas.microsoft.com/office/drawing/2014/main" id="{0D1CF5A7-9CEB-4A84-A15C-739373486D69}"/>
+                    <a16:creationId xmlns:a16="http://schemas.microsoft.com/office/drawing/2014/main" id="{9549BB65-26FA-72CC-EB56-C4D6BA4D4B20}"/>
                   </a:ext>
                 </a:extLst>
               </p:cNvPr>
@@ -39089,10 +37287,10 @@
           </p:sp>
           <p:sp>
             <p:nvSpPr>
-              <p:cNvPr id="171" name="Freeform: Shape 170">
+              <p:cNvPr id="18" name="Freeform: Shape 17">
                 <a:extLst>
                   <a:ext uri="{FF2B5EF4-FFF2-40B4-BE49-F238E27FC236}">
-                    <a16:creationId xmlns:a16="http://schemas.microsoft.com/office/drawing/2014/main" id="{7B524C8D-740E-2072-35DF-982B1651A8D2}"/>
+                    <a16:creationId xmlns:a16="http://schemas.microsoft.com/office/drawing/2014/main" id="{4E8F54DC-2B2F-ACCD-F396-00EF8125D7FD}"/>
                   </a:ext>
                 </a:extLst>
               </p:cNvPr>
@@ -39204,10 +37402,10 @@
           </p:sp>
           <p:sp>
             <p:nvSpPr>
-              <p:cNvPr id="172" name="Freeform: Shape 171">
+              <p:cNvPr id="19" name="Freeform: Shape 18">
                 <a:extLst>
                   <a:ext uri="{FF2B5EF4-FFF2-40B4-BE49-F238E27FC236}">
-                    <a16:creationId xmlns:a16="http://schemas.microsoft.com/office/drawing/2014/main" id="{8E5034D6-ADD1-6C74-A087-9E8E3BB40289}"/>
+                    <a16:creationId xmlns:a16="http://schemas.microsoft.com/office/drawing/2014/main" id="{F073F0B9-5068-F94C-7FBA-A6BBD6C87EBF}"/>
                   </a:ext>
                 </a:extLst>
               </p:cNvPr>
@@ -39359,10 +37557,10 @@
           </p:sp>
           <p:sp>
             <p:nvSpPr>
-              <p:cNvPr id="173" name="Freeform: Shape 172">
+              <p:cNvPr id="20" name="Freeform: Shape 19">
                 <a:extLst>
                   <a:ext uri="{FF2B5EF4-FFF2-40B4-BE49-F238E27FC236}">
-                    <a16:creationId xmlns:a16="http://schemas.microsoft.com/office/drawing/2014/main" id="{3C9B0EE8-64E3-1613-24B0-A603B86437FA}"/>
+                    <a16:creationId xmlns:a16="http://schemas.microsoft.com/office/drawing/2014/main" id="{5D35EA2E-35B6-AE40-775E-9B364C601C8F}"/>
                   </a:ext>
                 </a:extLst>
               </p:cNvPr>
@@ -39597,10 +37795,10 @@
           </p:sp>
           <p:sp>
             <p:nvSpPr>
-              <p:cNvPr id="174" name="Freeform: Shape 173">
+              <p:cNvPr id="21" name="Freeform: Shape 20">
                 <a:extLst>
                   <a:ext uri="{FF2B5EF4-FFF2-40B4-BE49-F238E27FC236}">
-                    <a16:creationId xmlns:a16="http://schemas.microsoft.com/office/drawing/2014/main" id="{B8025D7E-CB00-360E-A851-EE9C27EFC190}"/>
+                    <a16:creationId xmlns:a16="http://schemas.microsoft.com/office/drawing/2014/main" id="{FCF54183-5A6C-8001-3280-907AB8C85514}"/>
                   </a:ext>
                 </a:extLst>
               </p:cNvPr>
@@ -39712,10 +37910,10 @@
           </p:sp>
           <p:sp>
             <p:nvSpPr>
-              <p:cNvPr id="175" name="Freeform: Shape 174">
+              <p:cNvPr id="22" name="Freeform: Shape 21">
                 <a:extLst>
                   <a:ext uri="{FF2B5EF4-FFF2-40B4-BE49-F238E27FC236}">
-                    <a16:creationId xmlns:a16="http://schemas.microsoft.com/office/drawing/2014/main" id="{6FC9CFB4-F5E5-B93D-E8C5-ABACFB33020A}"/>
+                    <a16:creationId xmlns:a16="http://schemas.microsoft.com/office/drawing/2014/main" id="{C48AD55C-D906-BC09-234D-ED23F5154CEF}"/>
                   </a:ext>
                 </a:extLst>
               </p:cNvPr>
@@ -39827,10 +38025,10 @@
           </p:sp>
           <p:sp>
             <p:nvSpPr>
-              <p:cNvPr id="176" name="Oval 175">
+              <p:cNvPr id="23" name="Oval 22">
                 <a:extLst>
                   <a:ext uri="{FF2B5EF4-FFF2-40B4-BE49-F238E27FC236}">
-                    <a16:creationId xmlns:a16="http://schemas.microsoft.com/office/drawing/2014/main" id="{78AF11B1-FEF7-6C96-5B31-BD7744D8DB40}"/>
+                    <a16:creationId xmlns:a16="http://schemas.microsoft.com/office/drawing/2014/main" id="{1AC388BA-AFB1-443D-32D8-9F65839A8FDD}"/>
                   </a:ext>
                 </a:extLst>
               </p:cNvPr>
@@ -39881,10 +38079,10 @@
           </p:sp>
           <p:sp>
             <p:nvSpPr>
-              <p:cNvPr id="177" name="Freeform: Shape 176">
+              <p:cNvPr id="24" name="Freeform: Shape 23">
                 <a:extLst>
                   <a:ext uri="{FF2B5EF4-FFF2-40B4-BE49-F238E27FC236}">
-                    <a16:creationId xmlns:a16="http://schemas.microsoft.com/office/drawing/2014/main" id="{A2F9DEE5-5745-DDBF-E5D0-B49A66B6B0AB}"/>
+                    <a16:creationId xmlns:a16="http://schemas.microsoft.com/office/drawing/2014/main" id="{9677AF94-CA99-1A5C-E254-037D489E40E3}"/>
                   </a:ext>
                 </a:extLst>
               </p:cNvPr>
@@ -40028,10 +38226,10 @@
           </p:sp>
           <p:sp>
             <p:nvSpPr>
-              <p:cNvPr id="178" name="Freeform: Shape 177">
+              <p:cNvPr id="25" name="Freeform: Shape 24">
                 <a:extLst>
                   <a:ext uri="{FF2B5EF4-FFF2-40B4-BE49-F238E27FC236}">
-                    <a16:creationId xmlns:a16="http://schemas.microsoft.com/office/drawing/2014/main" id="{0AA998E5-131A-0846-8662-9F5513BACCF9}"/>
+                    <a16:creationId xmlns:a16="http://schemas.microsoft.com/office/drawing/2014/main" id="{EFC94619-6FB1-D6A8-F182-CEFA34FB114C}"/>
                   </a:ext>
                 </a:extLst>
               </p:cNvPr>
@@ -40379,10 +38577,10 @@
           </p:sp>
           <p:sp>
             <p:nvSpPr>
-              <p:cNvPr id="179" name="Freeform: Shape 178">
+              <p:cNvPr id="26" name="Freeform: Shape 25">
                 <a:extLst>
                   <a:ext uri="{FF2B5EF4-FFF2-40B4-BE49-F238E27FC236}">
-                    <a16:creationId xmlns:a16="http://schemas.microsoft.com/office/drawing/2014/main" id="{D7804FD8-E311-2A5B-D302-E6FAABEEA0B6}"/>
+                    <a16:creationId xmlns:a16="http://schemas.microsoft.com/office/drawing/2014/main" id="{732AFB2D-6961-779A-4689-CFCAE21EC676}"/>
                   </a:ext>
                 </a:extLst>
               </p:cNvPr>
@@ -40494,10 +38692,10 @@
           </p:sp>
           <p:sp>
             <p:nvSpPr>
-              <p:cNvPr id="180" name="Freeform: Shape 179">
+              <p:cNvPr id="27" name="Freeform: Shape 26">
                 <a:extLst>
                   <a:ext uri="{FF2B5EF4-FFF2-40B4-BE49-F238E27FC236}">
-                    <a16:creationId xmlns:a16="http://schemas.microsoft.com/office/drawing/2014/main" id="{269E8D96-ACAF-8E12-57DF-C37ADFF24BD7}"/>
+                    <a16:creationId xmlns:a16="http://schemas.microsoft.com/office/drawing/2014/main" id="{4D7A2F31-A93F-4161-3E1E-CF07F208EF77}"/>
                   </a:ext>
                 </a:extLst>
               </p:cNvPr>
@@ -40609,10 +38807,10 @@
           </p:sp>
           <p:sp>
             <p:nvSpPr>
-              <p:cNvPr id="181" name="Freeform: Shape 180">
+              <p:cNvPr id="28" name="Freeform: Shape 27">
                 <a:extLst>
                   <a:ext uri="{FF2B5EF4-FFF2-40B4-BE49-F238E27FC236}">
-                    <a16:creationId xmlns:a16="http://schemas.microsoft.com/office/drawing/2014/main" id="{862EB265-D8F6-56F1-D16E-73B844E9304A}"/>
+                    <a16:creationId xmlns:a16="http://schemas.microsoft.com/office/drawing/2014/main" id="{F74B4A58-B5AA-D15D-E6F9-E0023DD2BBA3}"/>
                   </a:ext>
                 </a:extLst>
               </p:cNvPr>
@@ -40725,49 +38923,10 @@
         </p:grpSp>
         <p:pic>
           <p:nvPicPr>
-            <p:cNvPr id="185" name="Graphic 184" descr="Users">
+            <p:cNvPr id="7" name="Graphic 6" descr="Users">
               <a:extLst>
                 <a:ext uri="{FF2B5EF4-FFF2-40B4-BE49-F238E27FC236}">
-                  <a16:creationId xmlns:a16="http://schemas.microsoft.com/office/drawing/2014/main" id="{A194C2EA-3278-95BB-5692-A3313B38A29E}"/>
-                </a:ext>
-              </a:extLst>
-            </p:cNvPr>
-            <p:cNvPicPr>
-              <a:picLocks noChangeAspect="1"/>
-            </p:cNvPicPr>
-            <p:nvPr/>
-          </p:nvPicPr>
-          <p:blipFill>
-            <a:blip r:embed="rId3">
-              <a:extLst>
-                <a:ext uri="{28A0092B-C50C-407E-A947-70E740481C1C}">
-                  <a14:useLocalDpi xmlns:a14="http://schemas.microsoft.com/office/drawing/2010/main" val="0"/>
-                </a:ext>
-                <a:ext uri="{96DAC541-7B7A-43D3-8B79-37D633B846F1}">
-                  <asvg:svgBlip xmlns:asvg="http://schemas.microsoft.com/office/drawing/2016/SVG/main" r:embed="rId4"/>
-                </a:ext>
-              </a:extLst>
-            </a:blip>
-            <a:stretch>
-              <a:fillRect/>
-            </a:stretch>
-          </p:blipFill>
-          <p:spPr>
-            <a:xfrm>
-              <a:off x="1792628" y="3193071"/>
-              <a:ext cx="492090" cy="492090"/>
-            </a:xfrm>
-            <a:prstGeom prst="rect">
-              <a:avLst/>
-            </a:prstGeom>
-          </p:spPr>
-        </p:pic>
-        <p:pic>
-          <p:nvPicPr>
-            <p:cNvPr id="186" name="Graphic 185" descr="Puzzle">
-              <a:extLst>
-                <a:ext uri="{FF2B5EF4-FFF2-40B4-BE49-F238E27FC236}">
-                  <a16:creationId xmlns:a16="http://schemas.microsoft.com/office/drawing/2014/main" id="{10BE202F-2F22-09C4-250A-1A442355AD4D}"/>
+                  <a16:creationId xmlns:a16="http://schemas.microsoft.com/office/drawing/2014/main" id="{6BD754F2-1941-F754-ECBF-AFD549715870}"/>
                 </a:ext>
               </a:extLst>
             </p:cNvPr>
@@ -40793,7 +38952,7 @@
           </p:blipFill>
           <p:spPr>
             <a:xfrm>
-              <a:off x="2264819" y="3781544"/>
+              <a:off x="1792628" y="3193071"/>
               <a:ext cx="492090" cy="492090"/>
             </a:xfrm>
             <a:prstGeom prst="rect">
@@ -40803,10 +38962,10 @@
         </p:pic>
         <p:pic>
           <p:nvPicPr>
-            <p:cNvPr id="187" name="Graphic 186" descr="Lightbulb">
+            <p:cNvPr id="8" name="Graphic 7" descr="Puzzle">
               <a:extLst>
                 <a:ext uri="{FF2B5EF4-FFF2-40B4-BE49-F238E27FC236}">
-                  <a16:creationId xmlns:a16="http://schemas.microsoft.com/office/drawing/2014/main" id="{1D3F16FE-8852-DA57-E367-16159DD42D68}"/>
+                  <a16:creationId xmlns:a16="http://schemas.microsoft.com/office/drawing/2014/main" id="{820721C8-5B82-DD95-BB16-35F902B1ED28}"/>
                 </a:ext>
               </a:extLst>
             </p:cNvPr>
@@ -40832,7 +38991,7 @@
           </p:blipFill>
           <p:spPr>
             <a:xfrm>
-              <a:off x="2698366" y="4310032"/>
+              <a:off x="2264819" y="3781544"/>
               <a:ext cx="492090" cy="492090"/>
             </a:xfrm>
             <a:prstGeom prst="rect">
@@ -40842,10 +39001,10 @@
         </p:pic>
         <p:pic>
           <p:nvPicPr>
-            <p:cNvPr id="188" name="Graphic 187" descr="Rocket">
+            <p:cNvPr id="10" name="Graphic 9" descr="Rocket">
               <a:extLst>
                 <a:ext uri="{FF2B5EF4-FFF2-40B4-BE49-F238E27FC236}">
-                  <a16:creationId xmlns:a16="http://schemas.microsoft.com/office/drawing/2014/main" id="{C32F3FF9-36F6-21A6-92D0-B596F445C433}"/>
+                  <a16:creationId xmlns:a16="http://schemas.microsoft.com/office/drawing/2014/main" id="{1F63D586-7440-9A5D-D54A-F482795FA39B}"/>
                 </a:ext>
               </a:extLst>
             </p:cNvPr>
@@ -40880,12 +39039,317 @@
           </p:spPr>
         </p:pic>
       </p:grpSp>
+      <p:sp>
+        <p:nvSpPr>
+          <p:cNvPr id="29" name="TextBox 28">
+            <a:extLst>
+              <a:ext uri="{FF2B5EF4-FFF2-40B4-BE49-F238E27FC236}">
+                <a16:creationId xmlns:a16="http://schemas.microsoft.com/office/drawing/2014/main" id="{E4E1570C-A046-A982-F498-B597EBE95791}"/>
+              </a:ext>
+            </a:extLst>
+          </p:cNvPr>
+          <p:cNvSpPr txBox="1"/>
+          <p:nvPr/>
+        </p:nvSpPr>
+        <p:spPr>
+          <a:xfrm>
+            <a:off x="3656889" y="2043416"/>
+            <a:ext cx="2926080" cy="502958"/>
+          </a:xfrm>
+          <a:prstGeom prst="rect">
+            <a:avLst/>
+          </a:prstGeom>
+          <a:noFill/>
+        </p:spPr>
+        <p:txBody>
+          <a:bodyPr wrap="square" lIns="0" rIns="0" rtlCol="0" anchor="b">
+            <a:spAutoFit/>
+          </a:bodyPr>
+          <a:lstStyle/>
+          <a:p>
+            <a:pPr algn="ctr">
+              <a:lnSpc>
+                <a:spcPct val="150000"/>
+              </a:lnSpc>
+            </a:pPr>
+            <a:r>
+              <a:rPr lang="en-US" sz="2000" dirty="0">
+                <a:solidFill>
+                  <a:schemeClr val="accent2">
+                    <a:lumMod val="75000"/>
+                  </a:schemeClr>
+                </a:solidFill>
+                <a:latin typeface="Comic Sans MS" panose="030F0702030302020204" pitchFamily="66" charset="0"/>
+                <a:ea typeface="+mj-ea"/>
+                <a:cs typeface="Arshia" panose="00000400000000000000" pitchFamily="2" charset="-78"/>
+              </a:rPr>
+              <a:t>Handling missing values</a:t>
+            </a:r>
+          </a:p>
+        </p:txBody>
+      </p:sp>
+      <p:sp>
+        <p:nvSpPr>
+          <p:cNvPr id="30" name="TextBox 29">
+            <a:extLst>
+              <a:ext uri="{FF2B5EF4-FFF2-40B4-BE49-F238E27FC236}">
+                <a16:creationId xmlns:a16="http://schemas.microsoft.com/office/drawing/2014/main" id="{B8E7B399-3E75-7378-4F2F-F41818C2C11E}"/>
+              </a:ext>
+            </a:extLst>
+          </p:cNvPr>
+          <p:cNvSpPr txBox="1"/>
+          <p:nvPr/>
+        </p:nvSpPr>
+        <p:spPr>
+          <a:xfrm>
+            <a:off x="2314569" y="1575146"/>
+            <a:ext cx="6986032" cy="502958"/>
+          </a:xfrm>
+          <a:prstGeom prst="rect">
+            <a:avLst/>
+          </a:prstGeom>
+          <a:noFill/>
+        </p:spPr>
+        <p:txBody>
+          <a:bodyPr wrap="square" lIns="0" rIns="0" rtlCol="0" anchor="b">
+            <a:spAutoFit/>
+          </a:bodyPr>
+          <a:lstStyle/>
+          <a:p>
+            <a:pPr algn="ctr">
+              <a:lnSpc>
+                <a:spcPct val="150000"/>
+              </a:lnSpc>
+            </a:pPr>
+            <a:r>
+              <a:rPr lang="en-US" sz="2000" dirty="0">
+                <a:solidFill>
+                  <a:schemeClr val="accent1">
+                    <a:lumMod val="50000"/>
+                  </a:schemeClr>
+                </a:solidFill>
+                <a:latin typeface="Comic Sans MS" panose="030F0702030302020204" pitchFamily="66" charset="0"/>
+                <a:ea typeface="+mj-ea"/>
+                <a:cs typeface="Arshia" panose="00000400000000000000" pitchFamily="2" charset="-78"/>
+              </a:rPr>
+              <a:t>Dealing with class imbalance</a:t>
+            </a:r>
+          </a:p>
+        </p:txBody>
+      </p:sp>
+      <p:sp>
+        <p:nvSpPr>
+          <p:cNvPr id="31" name="TextBox 30">
+            <a:extLst>
+              <a:ext uri="{FF2B5EF4-FFF2-40B4-BE49-F238E27FC236}">
+                <a16:creationId xmlns:a16="http://schemas.microsoft.com/office/drawing/2014/main" id="{BFC1B36D-411E-1ADC-C7AC-959DEAE0A2CA}"/>
+              </a:ext>
+            </a:extLst>
+          </p:cNvPr>
+          <p:cNvSpPr txBox="1"/>
+          <p:nvPr/>
+        </p:nvSpPr>
+        <p:spPr>
+          <a:xfrm>
+            <a:off x="1831850" y="2492461"/>
+            <a:ext cx="6986032" cy="502958"/>
+          </a:xfrm>
+          <a:prstGeom prst="rect">
+            <a:avLst/>
+          </a:prstGeom>
+          <a:noFill/>
+        </p:spPr>
+        <p:txBody>
+          <a:bodyPr wrap="square" lIns="0" rIns="0" rtlCol="0" anchor="b">
+            <a:spAutoFit/>
+          </a:bodyPr>
+          <a:lstStyle/>
+          <a:p>
+            <a:pPr algn="ctr">
+              <a:lnSpc>
+                <a:spcPct val="150000"/>
+              </a:lnSpc>
+            </a:pPr>
+            <a:r>
+              <a:rPr lang="en-US" sz="2000" dirty="0">
+                <a:solidFill>
+                  <a:schemeClr val="accent6">
+                    <a:lumMod val="75000"/>
+                  </a:schemeClr>
+                </a:solidFill>
+                <a:latin typeface="Comic Sans MS" panose="030F0702030302020204" pitchFamily="66" charset="0"/>
+                <a:ea typeface="+mj-ea"/>
+                <a:cs typeface="Arshia" panose="00000400000000000000" pitchFamily="2" charset="-78"/>
+              </a:rPr>
+              <a:t>Dealing with categorical features</a:t>
+            </a:r>
+          </a:p>
+        </p:txBody>
+      </p:sp>
+    </p:spTree>
+    <p:extLst>
+      <p:ext uri="{BB962C8B-B14F-4D97-AF65-F5344CB8AC3E}">
+        <p14:creationId xmlns:p14="http://schemas.microsoft.com/office/powerpoint/2010/main" val="1220024993"/>
+      </p:ext>
+    </p:extLst>
+  </p:cSld>
+  <p:clrMapOvr>
+    <a:masterClrMapping/>
+  </p:clrMapOvr>
+</p:sld>
+</file>
+
+<file path=ppt/slides/slide6.xml><?xml version="1.0" encoding="utf-8"?>
+<p:sld xmlns:a="http://schemas.openxmlformats.org/drawingml/2006/main" xmlns:r="http://schemas.openxmlformats.org/officeDocument/2006/relationships" xmlns:p="http://schemas.openxmlformats.org/presentationml/2006/main">
+  <p:cSld>
+    <p:spTree>
+      <p:nvGrpSpPr>
+        <p:cNvPr id="1" name=""/>
+        <p:cNvGrpSpPr/>
+        <p:nvPr/>
+      </p:nvGrpSpPr>
+      <p:grpSpPr>
+        <a:xfrm>
+          <a:off x="0" y="0"/>
+          <a:ext cx="0" cy="0"/>
+          <a:chOff x="0" y="0"/>
+          <a:chExt cx="0" cy="0"/>
+        </a:xfrm>
+      </p:grpSpPr>
+      <p:sp>
+        <p:nvSpPr>
+          <p:cNvPr id="128" name="Title 3">
+            <a:extLst>
+              <a:ext uri="{FF2B5EF4-FFF2-40B4-BE49-F238E27FC236}">
+                <a16:creationId xmlns:a16="http://schemas.microsoft.com/office/drawing/2014/main" id="{5515BC33-8625-509E-69FD-4CF86EB03F19}"/>
+              </a:ext>
+            </a:extLst>
+          </p:cNvPr>
+          <p:cNvSpPr>
+            <a:spLocks noGrp="1"/>
+          </p:cNvSpPr>
+          <p:nvPr>
+            <p:ph type="title"/>
+          </p:nvPr>
+        </p:nvSpPr>
+        <p:spPr>
+          <a:xfrm>
+            <a:off x="152400" y="-11265"/>
+            <a:ext cx="12039600" cy="935038"/>
+          </a:xfrm>
+        </p:spPr>
+        <p:txBody>
+          <a:bodyPr>
+            <a:normAutofit/>
+          </a:bodyPr>
+          <a:lstStyle/>
+          <a:p>
+            <a:pPr algn="ctr"/>
+            <a:r>
+              <a:rPr lang="en-US" sz="2800" b="1" dirty="0">
+                <a:latin typeface="Comic Sans MS" panose="030F0702030302020204" pitchFamily="66" charset="0"/>
+                <a:cs typeface="Arshia" panose="00000400000000000000" pitchFamily="2" charset="-78"/>
+              </a:rPr>
+              <a:t>Supervised Learning: </a:t>
+            </a:r>
+            <a:br>
+              <a:rPr lang="en-US" sz="2800" b="1" dirty="0">
+                <a:latin typeface="Comic Sans MS" panose="030F0702030302020204" pitchFamily="66" charset="0"/>
+                <a:cs typeface="Arshia" panose="00000400000000000000" pitchFamily="2" charset="-78"/>
+              </a:rPr>
+            </a:br>
+            <a:r>
+              <a:rPr lang="en-US" sz="2800" b="1" dirty="0">
+                <a:latin typeface="Comic Sans MS" panose="030F0702030302020204" pitchFamily="66" charset="0"/>
+                <a:cs typeface="Arshia" panose="00000400000000000000" pitchFamily="2" charset="-78"/>
+              </a:rPr>
+              <a:t>Decision Tree classification</a:t>
+            </a:r>
+          </a:p>
+        </p:txBody>
+      </p:sp>
+      <p:sp>
+        <p:nvSpPr>
+          <p:cNvPr id="155" name="TextBox 154">
+            <a:extLst>
+              <a:ext uri="{FF2B5EF4-FFF2-40B4-BE49-F238E27FC236}">
+                <a16:creationId xmlns:a16="http://schemas.microsoft.com/office/drawing/2014/main" id="{249C6F6B-9B4D-416F-FCB2-869FDEC84F65}"/>
+              </a:ext>
+            </a:extLst>
+          </p:cNvPr>
+          <p:cNvSpPr txBox="1"/>
+          <p:nvPr/>
+        </p:nvSpPr>
+        <p:spPr>
+          <a:xfrm>
+            <a:off x="3193834" y="2014340"/>
+            <a:ext cx="6261467" cy="400110"/>
+          </a:xfrm>
+          <a:prstGeom prst="rect">
+            <a:avLst/>
+          </a:prstGeom>
+          <a:noFill/>
+        </p:spPr>
+        <p:txBody>
+          <a:bodyPr wrap="square" lIns="0" rIns="0" rtlCol="0" anchor="b">
+            <a:spAutoFit/>
+          </a:bodyPr>
+          <a:lstStyle/>
+          <a:p>
+            <a:endParaRPr lang="en-US" sz="2000" b="1" noProof="1">
+              <a:solidFill>
+                <a:srgbClr val="863D0C"/>
+              </a:solidFill>
+              <a:latin typeface="Comic Sans MS" panose="030F0702030302020204" pitchFamily="66" charset="0"/>
+            </a:endParaRPr>
+          </a:p>
+        </p:txBody>
+      </p:sp>
+      <p:sp>
+        <p:nvSpPr>
+          <p:cNvPr id="161" name="TextBox 160">
+            <a:extLst>
+              <a:ext uri="{FF2B5EF4-FFF2-40B4-BE49-F238E27FC236}">
+                <a16:creationId xmlns:a16="http://schemas.microsoft.com/office/drawing/2014/main" id="{A83652B0-8051-A58D-0AA3-DA3B2EB8AC65}"/>
+              </a:ext>
+            </a:extLst>
+          </p:cNvPr>
+          <p:cNvSpPr txBox="1"/>
+          <p:nvPr/>
+        </p:nvSpPr>
+        <p:spPr>
+          <a:xfrm>
+            <a:off x="3383421" y="1574979"/>
+            <a:ext cx="5425157" cy="400110"/>
+          </a:xfrm>
+          <a:prstGeom prst="rect">
+            <a:avLst/>
+          </a:prstGeom>
+          <a:noFill/>
+        </p:spPr>
+        <p:txBody>
+          <a:bodyPr wrap="square" lIns="0" rIns="0" rtlCol="0" anchor="b">
+            <a:spAutoFit/>
+          </a:bodyPr>
+          <a:lstStyle/>
+          <a:p>
+            <a:endParaRPr lang="en-US" sz="2000" b="1" noProof="1">
+              <a:solidFill>
+                <a:schemeClr val="accent1">
+                  <a:lumMod val="50000"/>
+                </a:schemeClr>
+              </a:solidFill>
+              <a:latin typeface="Comic Sans MS" panose="030F0702030302020204" pitchFamily="66" charset="0"/>
+            </a:endParaRPr>
+          </a:p>
+        </p:txBody>
+      </p:sp>
       <p:pic>
         <p:nvPicPr>
-          <p:cNvPr id="6" name="Picture 5">
+          <p:cNvPr id="4" name="Picture 3" descr="A picture containing text, screenshot, diagram, rectangle&#10;&#10;Description automatically generated">
             <a:extLst>
               <a:ext uri="{FF2B5EF4-FFF2-40B4-BE49-F238E27FC236}">
-                <a16:creationId xmlns:a16="http://schemas.microsoft.com/office/drawing/2014/main" id="{2976244F-C3AE-E2F9-20E3-13AED4E1B4AC}"/>
+                <a16:creationId xmlns:a16="http://schemas.microsoft.com/office/drawing/2014/main" id="{5189B0FB-4DE9-0E34-AE11-049D3C014445}"/>
               </a:ext>
             </a:extLst>
           </p:cNvPr>
@@ -40895,15 +39359,15 @@
           <p:nvPr/>
         </p:nvPicPr>
         <p:blipFill>
-          <a:blip r:embed="rId11"/>
+          <a:blip r:embed="rId3"/>
           <a:stretch>
             <a:fillRect/>
           </a:stretch>
         </p:blipFill>
         <p:spPr>
           <a:xfrm>
-            <a:off x="7020413" y="1504231"/>
-            <a:ext cx="2281847" cy="2368226"/>
+            <a:off x="7545272" y="2626295"/>
+            <a:ext cx="3820058" cy="3743847"/>
           </a:xfrm>
           <a:prstGeom prst="rect">
             <a:avLst/>
@@ -40912,10 +39376,10 @@
       </p:pic>
       <p:pic>
         <p:nvPicPr>
-          <p:cNvPr id="8" name="Picture 7">
+          <p:cNvPr id="7" name="Picture 6" descr="A picture containing text, screenshot, font, number&#10;&#10;Description automatically generated">
             <a:extLst>
               <a:ext uri="{FF2B5EF4-FFF2-40B4-BE49-F238E27FC236}">
-                <a16:creationId xmlns:a16="http://schemas.microsoft.com/office/drawing/2014/main" id="{82FBA5C8-CDF5-F7FF-2021-BA0580189DFB}"/>
+                <a16:creationId xmlns:a16="http://schemas.microsoft.com/office/drawing/2014/main" id="{E1781338-8B09-7487-4475-7359BF3BEBB3}"/>
               </a:ext>
             </a:extLst>
           </p:cNvPr>
@@ -40925,15 +39389,15 @@
           <p:nvPr/>
         </p:nvPicPr>
         <p:blipFill>
-          <a:blip r:embed="rId12"/>
+          <a:blip r:embed="rId4"/>
           <a:stretch>
             <a:fillRect/>
           </a:stretch>
         </p:blipFill>
         <p:spPr>
           <a:xfrm>
-            <a:off x="9444728" y="1504231"/>
-            <a:ext cx="2457875" cy="2368226"/>
+            <a:off x="3383421" y="1033128"/>
+            <a:ext cx="4239217" cy="1962424"/>
           </a:xfrm>
           <a:prstGeom prst="rect">
             <a:avLst/>
@@ -40942,10 +39406,10 @@
       </p:pic>
       <p:pic>
         <p:nvPicPr>
-          <p:cNvPr id="10" name="Picture 9" descr="A picture containing text, screenshot, font, number&#10;&#10;Description automatically generated">
+          <p:cNvPr id="11" name="Picture 10" descr="A picture containing text, diagram, screenshot&#10;&#10;Description automatically generated">
             <a:extLst>
               <a:ext uri="{FF2B5EF4-FFF2-40B4-BE49-F238E27FC236}">
-                <a16:creationId xmlns:a16="http://schemas.microsoft.com/office/drawing/2014/main" id="{C3A01E80-C1C1-6856-A9DA-F77F3935DA69}"/>
+                <a16:creationId xmlns:a16="http://schemas.microsoft.com/office/drawing/2014/main" id="{6BC5911A-8EA3-D43C-B01B-64555ED16E54}"/>
               </a:ext>
             </a:extLst>
           </p:cNvPr>
@@ -40955,45 +39419,15 @@
           <p:nvPr/>
         </p:nvPicPr>
         <p:blipFill>
-          <a:blip r:embed="rId13"/>
+          <a:blip r:embed="rId5"/>
           <a:stretch>
             <a:fillRect/>
           </a:stretch>
         </p:blipFill>
         <p:spPr>
           <a:xfrm>
-            <a:off x="2210150" y="4306075"/>
-            <a:ext cx="4534533" cy="2000529"/>
-          </a:xfrm>
-          <a:prstGeom prst="rect">
-            <a:avLst/>
-          </a:prstGeom>
-        </p:spPr>
-      </p:pic>
-      <p:pic>
-        <p:nvPicPr>
-          <p:cNvPr id="12" name="Picture 11" descr="A picture containing text, screenshot, font, number&#10;&#10;Description automatically generated">
-            <a:extLst>
-              <a:ext uri="{FF2B5EF4-FFF2-40B4-BE49-F238E27FC236}">
-                <a16:creationId xmlns:a16="http://schemas.microsoft.com/office/drawing/2014/main" id="{34810FD1-0755-1ACB-FAE0-8279B142C36B}"/>
-              </a:ext>
-            </a:extLst>
-          </p:cNvPr>
-          <p:cNvPicPr>
-            <a:picLocks noChangeAspect="1"/>
-          </p:cNvPicPr>
-          <p:nvPr/>
-        </p:nvPicPr>
-        <p:blipFill>
-          <a:blip r:embed="rId14"/>
-          <a:stretch>
-            <a:fillRect/>
-          </a:stretch>
-        </p:blipFill>
-        <p:spPr>
-          <a:xfrm>
-            <a:off x="7020413" y="4306075"/>
-            <a:ext cx="2888423" cy="2025730"/>
+            <a:off x="2373403" y="2812174"/>
+            <a:ext cx="4258269" cy="3419952"/>
           </a:xfrm>
           <a:prstGeom prst="rect">
             <a:avLst/>
@@ -41170,36 +39604,6 @@
           </a:p>
         </p:txBody>
       </p:sp>
-      <p:pic>
-        <p:nvPicPr>
-          <p:cNvPr id="19" name="Content Placeholder 9">
-            <a:extLst>
-              <a:ext uri="{FF2B5EF4-FFF2-40B4-BE49-F238E27FC236}">
-                <a16:creationId xmlns:a16="http://schemas.microsoft.com/office/drawing/2014/main" id="{5FDA0F46-3CB7-FC4F-A88C-97365184CCB7}"/>
-              </a:ext>
-            </a:extLst>
-          </p:cNvPr>
-          <p:cNvPicPr>
-            <a:picLocks noChangeAspect="1"/>
-          </p:cNvPicPr>
-          <p:nvPr/>
-        </p:nvPicPr>
-        <p:blipFill>
-          <a:blip r:embed="rId3"/>
-          <a:stretch>
-            <a:fillRect/>
-          </a:stretch>
-        </p:blipFill>
-        <p:spPr>
-          <a:xfrm>
-            <a:off x="7958939" y="860707"/>
-            <a:ext cx="3255762" cy="2393061"/>
-          </a:xfrm>
-          <a:prstGeom prst="rect">
-            <a:avLst/>
-          </a:prstGeom>
-        </p:spPr>
-      </p:pic>
       <p:sp>
         <p:nvSpPr>
           <p:cNvPr id="20" name="Date Placeholder 3">
@@ -41616,7 +40020,7 @@
         </p:xfrm>
         <a:graphic>
           <a:graphicData uri="http://schemas.openxmlformats.org/drawingml/2006/diagram">
-            <dgm:relIds xmlns:dgm="http://schemas.openxmlformats.org/drawingml/2006/diagram" xmlns:r="http://schemas.openxmlformats.org/officeDocument/2006/relationships" r:dm="rId4" r:lo="rId5" r:qs="rId6" r:cs="rId7"/>
+            <dgm:relIds xmlns:dgm="http://schemas.openxmlformats.org/drawingml/2006/diagram" xmlns:r="http://schemas.openxmlformats.org/officeDocument/2006/relationships" r:dm="rId3" r:lo="rId4" r:qs="rId5" r:cs="rId6"/>
           </a:graphicData>
         </a:graphic>
       </p:graphicFrame>
@@ -41802,10 +40206,40 @@
       </p:sp>
       <p:pic>
         <p:nvPicPr>
-          <p:cNvPr id="27" name="Picture 26">
+          <p:cNvPr id="3" name="Picture 2" descr="A picture containing text, screenshot, font, number&#10;&#10;Description automatically generated">
             <a:extLst>
               <a:ext uri="{FF2B5EF4-FFF2-40B4-BE49-F238E27FC236}">
-                <a16:creationId xmlns:a16="http://schemas.microsoft.com/office/drawing/2014/main" id="{C092E05D-8A3B-4A1D-C088-FF9C668864F3}"/>
+                <a16:creationId xmlns:a16="http://schemas.microsoft.com/office/drawing/2014/main" id="{9C42F043-ED42-F98B-F2F4-EB0DDF9AD3EB}"/>
+              </a:ext>
+            </a:extLst>
+          </p:cNvPr>
+          <p:cNvPicPr>
+            <a:picLocks noChangeAspect="1"/>
+          </p:cNvPicPr>
+          <p:nvPr/>
+        </p:nvPicPr>
+        <p:blipFill>
+          <a:blip r:embed="rId8"/>
+          <a:stretch>
+            <a:fillRect/>
+          </a:stretch>
+        </p:blipFill>
+        <p:spPr>
+          <a:xfrm>
+            <a:off x="7362268" y="1687393"/>
+            <a:ext cx="3991532" cy="1857634"/>
+          </a:xfrm>
+          <a:prstGeom prst="rect">
+            <a:avLst/>
+          </a:prstGeom>
+        </p:spPr>
+      </p:pic>
+      <p:pic>
+        <p:nvPicPr>
+          <p:cNvPr id="8" name="Picture 7" descr="A picture containing text, screenshot, diagram, number&#10;&#10;Description automatically generated">
+            <a:extLst>
+              <a:ext uri="{FF2B5EF4-FFF2-40B4-BE49-F238E27FC236}">
+                <a16:creationId xmlns:a16="http://schemas.microsoft.com/office/drawing/2014/main" id="{65C9604C-1448-E549-6E3B-3EBA3178787C}"/>
               </a:ext>
             </a:extLst>
           </p:cNvPr>
@@ -41822,8 +40256,38 @@
         </p:blipFill>
         <p:spPr>
           <a:xfrm>
-            <a:off x="7758112" y="3546500"/>
-            <a:ext cx="3923624" cy="2719107"/>
+            <a:off x="6190976" y="2905767"/>
+            <a:ext cx="3924848" cy="3781953"/>
+          </a:xfrm>
+          <a:prstGeom prst="rect">
+            <a:avLst/>
+          </a:prstGeom>
+        </p:spPr>
+      </p:pic>
+      <p:pic>
+        <p:nvPicPr>
+          <p:cNvPr id="10" name="Picture 9" descr="A picture containing text, font, diagram&#10;&#10;Description automatically generated">
+            <a:extLst>
+              <a:ext uri="{FF2B5EF4-FFF2-40B4-BE49-F238E27FC236}">
+                <a16:creationId xmlns:a16="http://schemas.microsoft.com/office/drawing/2014/main" id="{E6BB49DB-A942-A1C8-96C4-20B49042FBFB}"/>
+              </a:ext>
+            </a:extLst>
+          </p:cNvPr>
+          <p:cNvPicPr>
+            <a:picLocks noChangeAspect="1"/>
+          </p:cNvPicPr>
+          <p:nvPr/>
+        </p:nvPicPr>
+        <p:blipFill>
+          <a:blip r:embed="rId10"/>
+          <a:stretch>
+            <a:fillRect/>
+          </a:stretch>
+        </p:blipFill>
+        <p:spPr>
+          <a:xfrm>
+            <a:off x="2262466" y="1243652"/>
+            <a:ext cx="4153480" cy="3419952"/>
           </a:xfrm>
           <a:prstGeom prst="rect">
             <a:avLst/>
@@ -42680,333 +41144,11 @@
           </a:p>
         </p:txBody>
       </p:sp>
-      <p:pic>
-        <p:nvPicPr>
-          <p:cNvPr id="340" name="Google Shape;340;g253b21ef07d_0_0"/>
-          <p:cNvPicPr preferRelativeResize="0"/>
-          <p:nvPr/>
-        </p:nvPicPr>
-        <p:blipFill>
-          <a:blip r:embed="rId3">
-            <a:alphaModFix/>
-          </a:blip>
-          <a:stretch>
-            <a:fillRect/>
-          </a:stretch>
-        </p:blipFill>
-        <p:spPr>
-          <a:xfrm>
-            <a:off x="217300" y="4419775"/>
-            <a:ext cx="3059300" cy="2252246"/>
-          </a:xfrm>
-          <a:prstGeom prst="rect">
-            <a:avLst/>
-          </a:prstGeom>
-          <a:noFill/>
-          <a:ln>
-            <a:noFill/>
-          </a:ln>
-        </p:spPr>
-      </p:pic>
-      <p:pic>
-        <p:nvPicPr>
-          <p:cNvPr id="341" name="Google Shape;341;g253b21ef07d_0_0"/>
-          <p:cNvPicPr preferRelativeResize="0"/>
-          <p:nvPr/>
-        </p:nvPicPr>
-        <p:blipFill>
-          <a:blip r:embed="rId4">
-            <a:alphaModFix/>
-          </a:blip>
-          <a:stretch>
-            <a:fillRect/>
-          </a:stretch>
-        </p:blipFill>
-        <p:spPr>
-          <a:xfrm>
-            <a:off x="3562558" y="4436600"/>
-            <a:ext cx="2741841" cy="2149000"/>
-          </a:xfrm>
-          <a:prstGeom prst="rect">
-            <a:avLst/>
-          </a:prstGeom>
-          <a:noFill/>
-          <a:ln>
-            <a:noFill/>
-          </a:ln>
-        </p:spPr>
-      </p:pic>
-      <p:pic>
-        <p:nvPicPr>
-          <p:cNvPr id="342" name="Google Shape;342;g253b21ef07d_0_0"/>
-          <p:cNvPicPr preferRelativeResize="0"/>
-          <p:nvPr/>
-        </p:nvPicPr>
-        <p:blipFill>
-          <a:blip r:embed="rId5">
-            <a:alphaModFix/>
-          </a:blip>
-          <a:stretch>
-            <a:fillRect/>
-          </a:stretch>
-        </p:blipFill>
-        <p:spPr>
-          <a:xfrm>
-            <a:off x="6619618" y="1457025"/>
-            <a:ext cx="4950357" cy="2149000"/>
-          </a:xfrm>
-          <a:prstGeom prst="rect">
-            <a:avLst/>
-          </a:prstGeom>
-          <a:noFill/>
-          <a:ln>
-            <a:noFill/>
-          </a:ln>
-        </p:spPr>
-      </p:pic>
-      <p:pic>
-        <p:nvPicPr>
-          <p:cNvPr id="343" name="Google Shape;343;g253b21ef07d_0_0"/>
-          <p:cNvPicPr preferRelativeResize="0"/>
-          <p:nvPr/>
-        </p:nvPicPr>
-        <p:blipFill>
-          <a:blip r:embed="rId6">
-            <a:alphaModFix/>
-          </a:blip>
-          <a:stretch>
-            <a:fillRect/>
-          </a:stretch>
-        </p:blipFill>
-        <p:spPr>
-          <a:xfrm>
-            <a:off x="6611017" y="4112700"/>
-            <a:ext cx="5068808" cy="2252250"/>
-          </a:xfrm>
-          <a:prstGeom prst="rect">
-            <a:avLst/>
-          </a:prstGeom>
-          <a:noFill/>
-          <a:ln>
-            <a:noFill/>
-          </a:ln>
-        </p:spPr>
-      </p:pic>
     </p:spTree>
   </p:cSld>
   <p:clrMapOvr>
     <a:masterClrMapping/>
   </p:clrMapOvr>
-  <p:timing>
-    <p:tnLst>
-      <p:par>
-        <p:cTn id="1" dur="indefinite" restart="never" nodeType="tmRoot">
-          <p:childTnLst>
-            <p:seq concurrent="1" nextAc="seek">
-              <p:cTn id="2" dur="indefinite" nodeType="mainSeq">
-                <p:childTnLst>
-                  <p:par>
-                    <p:cTn id="3" fill="hold">
-                      <p:stCondLst>
-                        <p:cond delay="indefinite"/>
-                      </p:stCondLst>
-                      <p:childTnLst>
-                        <p:par>
-                          <p:cTn id="4" fill="hold">
-                            <p:stCondLst>
-                              <p:cond delay="0"/>
-                            </p:stCondLst>
-                            <p:childTnLst>
-                              <p:par>
-                                <p:cTn id="5" presetID="1" presetClass="entr" presetSubtype="0" fill="hold" nodeType="clickEffect">
-                                  <p:stCondLst>
-                                    <p:cond delay="0"/>
-                                  </p:stCondLst>
-                                  <p:childTnLst>
-                                    <p:set>
-                                      <p:cBhvr>
-                                        <p:cTn id="6" dur="1" fill="hold">
-                                          <p:stCondLst>
-                                            <p:cond delay="0"/>
-                                          </p:stCondLst>
-                                        </p:cTn>
-                                        <p:tgtEl>
-                                          <p:spTgt spid="341"/>
-                                        </p:tgtEl>
-                                        <p:attrNameLst>
-                                          <p:attrName>style.visibility</p:attrName>
-                                        </p:attrNameLst>
-                                      </p:cBhvr>
-                                      <p:to>
-                                        <p:strVal val="visible"/>
-                                      </p:to>
-                                    </p:set>
-                                  </p:childTnLst>
-                                </p:cTn>
-                              </p:par>
-                            </p:childTnLst>
-                          </p:cTn>
-                        </p:par>
-                      </p:childTnLst>
-                    </p:cTn>
-                  </p:par>
-                  <p:par>
-                    <p:cTn id="7" fill="hold">
-                      <p:stCondLst>
-                        <p:cond delay="indefinite"/>
-                      </p:stCondLst>
-                      <p:childTnLst>
-                        <p:par>
-                          <p:cTn id="8" fill="hold">
-                            <p:stCondLst>
-                              <p:cond delay="0"/>
-                            </p:stCondLst>
-                            <p:childTnLst>
-                              <p:par>
-                                <p:cTn id="9" presetID="1" presetClass="entr" presetSubtype="0" fill="hold" nodeType="clickEffect">
-                                  <p:stCondLst>
-                                    <p:cond delay="0"/>
-                                  </p:stCondLst>
-                                  <p:childTnLst>
-                                    <p:set>
-                                      <p:cBhvr>
-                                        <p:cTn id="10" dur="1" fill="hold">
-                                          <p:stCondLst>
-                                            <p:cond delay="0"/>
-                                          </p:stCondLst>
-                                        </p:cTn>
-                                        <p:tgtEl>
-                                          <p:spTgt spid="342"/>
-                                        </p:tgtEl>
-                                        <p:attrNameLst>
-                                          <p:attrName>style.visibility</p:attrName>
-                                        </p:attrNameLst>
-                                      </p:cBhvr>
-                                      <p:to>
-                                        <p:strVal val="visible"/>
-                                      </p:to>
-                                    </p:set>
-                                  </p:childTnLst>
-                                </p:cTn>
-                              </p:par>
-                            </p:childTnLst>
-                          </p:cTn>
-                        </p:par>
-                      </p:childTnLst>
-                    </p:cTn>
-                  </p:par>
-                  <p:par>
-                    <p:cTn id="11" fill="hold">
-                      <p:stCondLst>
-                        <p:cond delay="indefinite"/>
-                      </p:stCondLst>
-                      <p:childTnLst>
-                        <p:par>
-                          <p:cTn id="12" fill="hold">
-                            <p:stCondLst>
-                              <p:cond delay="0"/>
-                            </p:stCondLst>
-                            <p:childTnLst>
-                              <p:par>
-                                <p:cTn id="13" presetID="1" presetClass="entr" presetSubtype="0" fill="hold" nodeType="clickEffect">
-                                  <p:stCondLst>
-                                    <p:cond delay="0"/>
-                                  </p:stCondLst>
-                                  <p:childTnLst>
-                                    <p:set>
-                                      <p:cBhvr>
-                                        <p:cTn id="14" dur="1" fill="hold">
-                                          <p:stCondLst>
-                                            <p:cond delay="0"/>
-                                          </p:stCondLst>
-                                        </p:cTn>
-                                        <p:tgtEl>
-                                          <p:spTgt spid="343"/>
-                                        </p:tgtEl>
-                                        <p:attrNameLst>
-                                          <p:attrName>style.visibility</p:attrName>
-                                        </p:attrNameLst>
-                                      </p:cBhvr>
-                                      <p:to>
-                                        <p:strVal val="visible"/>
-                                      </p:to>
-                                    </p:set>
-                                  </p:childTnLst>
-                                </p:cTn>
-                              </p:par>
-                            </p:childTnLst>
-                          </p:cTn>
-                        </p:par>
-                      </p:childTnLst>
-                    </p:cTn>
-                  </p:par>
-                  <p:par>
-                    <p:cTn id="15" fill="hold">
-                      <p:stCondLst>
-                        <p:cond delay="indefinite"/>
-                      </p:stCondLst>
-                      <p:childTnLst>
-                        <p:par>
-                          <p:cTn id="16" fill="hold">
-                            <p:stCondLst>
-                              <p:cond delay="0"/>
-                            </p:stCondLst>
-                            <p:childTnLst>
-                              <p:par>
-                                <p:cTn id="17" presetID="1" presetClass="entr" presetSubtype="0" fill="hold" nodeType="clickEffect">
-                                  <p:stCondLst>
-                                    <p:cond delay="0"/>
-                                  </p:stCondLst>
-                                  <p:childTnLst>
-                                    <p:set>
-                                      <p:cBhvr>
-                                        <p:cTn id="18" dur="1" fill="hold">
-                                          <p:stCondLst>
-                                            <p:cond delay="0"/>
-                                          </p:stCondLst>
-                                        </p:cTn>
-                                        <p:tgtEl>
-                                          <p:spTgt spid="340"/>
-                                        </p:tgtEl>
-                                        <p:attrNameLst>
-                                          <p:attrName>style.visibility</p:attrName>
-                                        </p:attrNameLst>
-                                      </p:cBhvr>
-                                      <p:to>
-                                        <p:strVal val="visible"/>
-                                      </p:to>
-                                    </p:set>
-                                  </p:childTnLst>
-                                </p:cTn>
-                              </p:par>
-                            </p:childTnLst>
-                          </p:cTn>
-                        </p:par>
-                      </p:childTnLst>
-                    </p:cTn>
-                  </p:par>
-                </p:childTnLst>
-              </p:cTn>
-              <p:prevCondLst>
-                <p:cond evt="onPrev" delay="0">
-                  <p:tgtEl>
-                    <p:sldTgt/>
-                  </p:tgtEl>
-                </p:cond>
-              </p:prevCondLst>
-              <p:nextCondLst>
-                <p:cond evt="onNext" delay="0">
-                  <p:tgtEl>
-                    <p:sldTgt/>
-                  </p:tgtEl>
-                </p:cond>
-              </p:nextCondLst>
-            </p:seq>
-          </p:childTnLst>
-        </p:cTn>
-      </p:par>
-    </p:tnLst>
-  </p:timing>
 </p:sld>
 </file>
 
